--- a/祢最喜悅的敬拜.pptx
+++ b/祢最喜悅的敬拜.pptx
@@ -2,17 +2,25 @@
 <file path=ppt/presentation.xml><?xml version="1.0" encoding="utf-8"?>
 <p:presentation xmlns:a="http://schemas.openxmlformats.org/drawingml/2006/main" xmlns:r="http://schemas.openxmlformats.org/officeDocument/2006/relationships" xmlns:p="http://schemas.openxmlformats.org/presentationml/2006/main" saveSubsetFonts="1">
   <p:sldMasterIdLst>
-    <p:sldMasterId id="2147483660" r:id="rId1"/>
+    <p:sldMasterId id="2147483672" r:id="rId1"/>
   </p:sldMasterIdLst>
   <p:sldIdLst>
-    <p:sldId id="256" r:id="rId2"/>
-    <p:sldId id="257" r:id="rId3"/>
-    <p:sldId id="258" r:id="rId4"/>
-    <p:sldId id="259" r:id="rId5"/>
-    <p:sldId id="260" r:id="rId6"/>
-    <p:sldId id="261" r:id="rId7"/>
+    <p:sldId id="262" r:id="rId2"/>
+    <p:sldId id="263" r:id="rId3"/>
+    <p:sldId id="264" r:id="rId4"/>
+    <p:sldId id="265" r:id="rId5"/>
+    <p:sldId id="266" r:id="rId6"/>
+    <p:sldId id="267" r:id="rId7"/>
+    <p:sldId id="268" r:id="rId8"/>
+    <p:sldId id="269" r:id="rId9"/>
+    <p:sldId id="270" r:id="rId10"/>
+    <p:sldId id="271" r:id="rId11"/>
+    <p:sldId id="272" r:id="rId12"/>
+    <p:sldId id="273" r:id="rId13"/>
+    <p:sldId id="274" r:id="rId14"/>
+    <p:sldId id="275" r:id="rId15"/>
   </p:sldIdLst>
-  <p:sldSz cx="9144000" cy="6858000" type="screen4x3"/>
+  <p:sldSz cx="12192000" cy="6858000"/>
   <p:notesSz cx="6858000" cy="9144000"/>
   <p:defaultTextStyle>
     <a:defPPr>
@@ -109,6 +117,22 @@
       </a:defRPr>
     </a:lvl9pPr>
   </p:defaultTextStyle>
+  <p:extLst>
+    <p:ext uri="{EFAFB233-063F-42B5-8137-9DF3F51BA10A}">
+      <p15:sldGuideLst xmlns:p15="http://schemas.microsoft.com/office/powerpoint/2012/main">
+        <p15:guide id="1" orient="horz" pos="2160" userDrawn="1">
+          <p15:clr>
+            <a:srgbClr val="A4A3A4"/>
+          </p15:clr>
+        </p15:guide>
+        <p15:guide id="2" pos="3840" userDrawn="1">
+          <p15:clr>
+            <a:srgbClr val="A4A3A4"/>
+          </p15:clr>
+        </p15:guide>
+      </p15:sldGuideLst>
+    </p:ext>
+  </p:extLst>
 </p:presentation>
 </file>
 
@@ -131,7 +155,7 @@
       </p:grpSpPr>
       <p:sp>
         <p:nvSpPr>
-          <p:cNvPr id="2" name="Title 1"/>
+          <p:cNvPr id="2" name="標題 1"/>
           <p:cNvSpPr>
             <a:spLocks noGrp="1"/>
           </p:cNvSpPr>
@@ -141,8 +165,8 @@
         </p:nvSpPr>
         <p:spPr>
           <a:xfrm>
-            <a:off x="685800" y="2130425"/>
-            <a:ext cx="7772400" cy="1470025"/>
+            <a:off x="914400" y="2130428"/>
+            <a:ext cx="10363200" cy="1470025"/>
           </a:xfrm>
         </p:spPr>
         <p:txBody>
@@ -150,16 +174,16 @@
           <a:lstStyle/>
           <a:p>
             <a:r>
-              <a:rPr lang="zh-TW" altLang="en-US" smtClean="0"/>
-              <a:t>按一下以編輯母片標題樣式</a:t>
-            </a:r>
-            <a:endParaRPr lang="en-US"/>
-          </a:p>
-        </p:txBody>
-      </p:sp>
-      <p:sp>
-        <p:nvSpPr>
-          <p:cNvPr id="3" name="Subtitle 2"/>
+              <a:rPr lang="en-US" altLang="zh-TW" smtClean="0"/>
+              <a:t>Click to edit Master title style</a:t>
+            </a:r>
+            <a:endParaRPr lang="zh-TW" altLang="en-US"/>
+          </a:p>
+        </p:txBody>
+      </p:sp>
+      <p:sp>
+        <p:nvSpPr>
+          <p:cNvPr id="3" name="副標題 2"/>
           <p:cNvSpPr>
             <a:spLocks noGrp="1"/>
           </p:cNvSpPr>
@@ -169,8 +193,8 @@
         </p:nvSpPr>
         <p:spPr>
           <a:xfrm>
-            <a:off x="1371600" y="3886200"/>
-            <a:ext cx="6400800" cy="1752600"/>
+            <a:off x="1828800" y="3886200"/>
+            <a:ext cx="8534400" cy="1752600"/>
           </a:xfrm>
         </p:spPr>
         <p:txBody>
@@ -186,7 +210,7 @@
                 </a:solidFill>
               </a:defRPr>
             </a:lvl1pPr>
-            <a:lvl2pPr marL="457200" indent="0" algn="ctr">
+            <a:lvl2pPr marL="457189" indent="0" algn="ctr">
               <a:buNone/>
               <a:defRPr>
                 <a:solidFill>
@@ -196,7 +220,7 @@
                 </a:solidFill>
               </a:defRPr>
             </a:lvl2pPr>
-            <a:lvl3pPr marL="914400" indent="0" algn="ctr">
+            <a:lvl3pPr marL="914378" indent="0" algn="ctr">
               <a:buNone/>
               <a:defRPr>
                 <a:solidFill>
@@ -206,7 +230,7 @@
                 </a:solidFill>
               </a:defRPr>
             </a:lvl3pPr>
-            <a:lvl4pPr marL="1371600" indent="0" algn="ctr">
+            <a:lvl4pPr marL="1371566" indent="0" algn="ctr">
               <a:buNone/>
               <a:defRPr>
                 <a:solidFill>
@@ -216,7 +240,7 @@
                 </a:solidFill>
               </a:defRPr>
             </a:lvl4pPr>
-            <a:lvl5pPr marL="1828800" indent="0" algn="ctr">
+            <a:lvl5pPr marL="1828754" indent="0" algn="ctr">
               <a:buNone/>
               <a:defRPr>
                 <a:solidFill>
@@ -226,7 +250,7 @@
                 </a:solidFill>
               </a:defRPr>
             </a:lvl5pPr>
-            <a:lvl6pPr marL="2286000" indent="0" algn="ctr">
+            <a:lvl6pPr marL="2285943" indent="0" algn="ctr">
               <a:buNone/>
               <a:defRPr>
                 <a:solidFill>
@@ -236,7 +260,7 @@
                 </a:solidFill>
               </a:defRPr>
             </a:lvl6pPr>
-            <a:lvl7pPr marL="2743200" indent="0" algn="ctr">
+            <a:lvl7pPr marL="2743132" indent="0" algn="ctr">
               <a:buNone/>
               <a:defRPr>
                 <a:solidFill>
@@ -246,7 +270,7 @@
                 </a:solidFill>
               </a:defRPr>
             </a:lvl7pPr>
-            <a:lvl8pPr marL="3200400" indent="0" algn="ctr">
+            <a:lvl8pPr marL="3200320" indent="0" algn="ctr">
               <a:buNone/>
               <a:defRPr>
                 <a:solidFill>
@@ -256,7 +280,7 @@
                 </a:solidFill>
               </a:defRPr>
             </a:lvl8pPr>
-            <a:lvl9pPr marL="3657600" indent="0" algn="ctr">
+            <a:lvl9pPr marL="3657509" indent="0" algn="ctr">
               <a:buNone/>
               <a:defRPr>
                 <a:solidFill>
@@ -269,16 +293,16 @@
           </a:lstStyle>
           <a:p>
             <a:r>
-              <a:rPr lang="zh-TW" altLang="en-US" smtClean="0"/>
-              <a:t>按一下以編輯母片副標題樣式</a:t>
-            </a:r>
-            <a:endParaRPr lang="en-US"/>
-          </a:p>
-        </p:txBody>
-      </p:sp>
-      <p:sp>
-        <p:nvSpPr>
-          <p:cNvPr id="4" name="Date Placeholder 3"/>
+              <a:rPr lang="en-US" altLang="zh-TW" smtClean="0"/>
+              <a:t>Click to edit Master subtitle style</a:t>
+            </a:r>
+            <a:endParaRPr lang="zh-TW" altLang="en-US"/>
+          </a:p>
+        </p:txBody>
+      </p:sp>
+      <p:sp>
+        <p:nvSpPr>
+          <p:cNvPr id="4" name="日期版面配置區 3"/>
           <p:cNvSpPr>
             <a:spLocks noGrp="1"/>
           </p:cNvSpPr>
@@ -293,7 +317,7 @@
           <a:p>
             <a:fld id="{CC72A746-FD8D-44D8-BA27-84318A2AC223}" type="datetimeFigureOut">
               <a:rPr lang="zh-TW" altLang="en-US" smtClean="0"/>
-              <a:t>2017/4/29</a:t>
+              <a:t>2021/5/26</a:t>
             </a:fld>
             <a:endParaRPr lang="zh-TW" altLang="en-US"/>
           </a:p>
@@ -301,7 +325,7 @@
       </p:sp>
       <p:sp>
         <p:nvSpPr>
-          <p:cNvPr id="5" name="Footer Placeholder 4"/>
+          <p:cNvPr id="5" name="頁尾版面配置區 4"/>
           <p:cNvSpPr>
             <a:spLocks noGrp="1"/>
           </p:cNvSpPr>
@@ -320,7 +344,7 @@
       </p:sp>
       <p:sp>
         <p:nvSpPr>
-          <p:cNvPr id="6" name="Slide Number Placeholder 5"/>
+          <p:cNvPr id="6" name="投影片編號版面配置區 5"/>
           <p:cNvSpPr>
             <a:spLocks noGrp="1"/>
           </p:cNvSpPr>
@@ -342,6 +366,11 @@
         </p:txBody>
       </p:sp>
     </p:spTree>
+    <p:extLst>
+      <p:ext uri="{BB962C8B-B14F-4D97-AF65-F5344CB8AC3E}">
+        <p14:creationId xmlns:p14="http://schemas.microsoft.com/office/powerpoint/2010/main" val="794312208"/>
+      </p:ext>
+    </p:extLst>
   </p:cSld>
   <p:clrMapOvr>
     <a:masterClrMapping/>
@@ -368,7 +397,7 @@
       </p:grpSpPr>
       <p:sp>
         <p:nvSpPr>
-          <p:cNvPr id="2" name="Title 1"/>
+          <p:cNvPr id="2" name="標題 1"/>
           <p:cNvSpPr>
             <a:spLocks noGrp="1"/>
           </p:cNvSpPr>
@@ -382,16 +411,16 @@
           <a:lstStyle/>
           <a:p>
             <a:r>
-              <a:rPr lang="zh-TW" altLang="en-US" smtClean="0"/>
-              <a:t>按一下以編輯母片標題樣式</a:t>
-            </a:r>
-            <a:endParaRPr lang="en-US"/>
-          </a:p>
-        </p:txBody>
-      </p:sp>
-      <p:sp>
-        <p:nvSpPr>
-          <p:cNvPr id="3" name="Vertical Text Placeholder 2"/>
+              <a:rPr lang="en-US" altLang="zh-TW" smtClean="0"/>
+              <a:t>Click to edit Master title style</a:t>
+            </a:r>
+            <a:endParaRPr lang="zh-TW" altLang="en-US"/>
+          </a:p>
+        </p:txBody>
+      </p:sp>
+      <p:sp>
+        <p:nvSpPr>
+          <p:cNvPr id="3" name="直排文字版面配置區 2"/>
           <p:cNvSpPr>
             <a:spLocks noGrp="1"/>
           </p:cNvSpPr>
@@ -406,44 +435,44 @@
           <a:p>
             <a:pPr lvl="0"/>
             <a:r>
-              <a:rPr lang="zh-TW" altLang="en-US" smtClean="0"/>
-              <a:t>按一下以編輯母片文字樣式</a:t>
+              <a:rPr lang="en-US" altLang="zh-TW" smtClean="0"/>
+              <a:t>Edit Master text styles</a:t>
             </a:r>
           </a:p>
           <a:p>
             <a:pPr lvl="1"/>
             <a:r>
-              <a:rPr lang="zh-TW" altLang="en-US" smtClean="0"/>
-              <a:t>第二層</a:t>
+              <a:rPr lang="en-US" altLang="zh-TW" smtClean="0"/>
+              <a:t>Second level</a:t>
             </a:r>
           </a:p>
           <a:p>
             <a:pPr lvl="2"/>
             <a:r>
-              <a:rPr lang="zh-TW" altLang="en-US" smtClean="0"/>
-              <a:t>第三層</a:t>
+              <a:rPr lang="en-US" altLang="zh-TW" smtClean="0"/>
+              <a:t>Third level</a:t>
             </a:r>
           </a:p>
           <a:p>
             <a:pPr lvl="3"/>
             <a:r>
-              <a:rPr lang="zh-TW" altLang="en-US" smtClean="0"/>
-              <a:t>第四層</a:t>
+              <a:rPr lang="en-US" altLang="zh-TW" smtClean="0"/>
+              <a:t>Fourth level</a:t>
             </a:r>
           </a:p>
           <a:p>
             <a:pPr lvl="4"/>
             <a:r>
-              <a:rPr lang="zh-TW" altLang="en-US" smtClean="0"/>
-              <a:t>第五層</a:t>
-            </a:r>
-            <a:endParaRPr lang="en-US"/>
-          </a:p>
-        </p:txBody>
-      </p:sp>
-      <p:sp>
-        <p:nvSpPr>
-          <p:cNvPr id="4" name="Date Placeholder 3"/>
+              <a:rPr lang="en-US" altLang="zh-TW" smtClean="0"/>
+              <a:t>Fifth level</a:t>
+            </a:r>
+            <a:endParaRPr lang="zh-TW" altLang="en-US"/>
+          </a:p>
+        </p:txBody>
+      </p:sp>
+      <p:sp>
+        <p:nvSpPr>
+          <p:cNvPr id="4" name="日期版面配置區 3"/>
           <p:cNvSpPr>
             <a:spLocks noGrp="1"/>
           </p:cNvSpPr>
@@ -458,7 +487,7 @@
           <a:p>
             <a:fld id="{CC72A746-FD8D-44D8-BA27-84318A2AC223}" type="datetimeFigureOut">
               <a:rPr lang="zh-TW" altLang="en-US" smtClean="0"/>
-              <a:t>2017/4/29</a:t>
+              <a:t>2021/5/26</a:t>
             </a:fld>
             <a:endParaRPr lang="zh-TW" altLang="en-US"/>
           </a:p>
@@ -466,7 +495,7 @@
       </p:sp>
       <p:sp>
         <p:nvSpPr>
-          <p:cNvPr id="5" name="Footer Placeholder 4"/>
+          <p:cNvPr id="5" name="頁尾版面配置區 4"/>
           <p:cNvSpPr>
             <a:spLocks noGrp="1"/>
           </p:cNvSpPr>
@@ -485,7 +514,7 @@
       </p:sp>
       <p:sp>
         <p:nvSpPr>
-          <p:cNvPr id="6" name="Slide Number Placeholder 5"/>
+          <p:cNvPr id="6" name="投影片編號版面配置區 5"/>
           <p:cNvSpPr>
             <a:spLocks noGrp="1"/>
           </p:cNvSpPr>
@@ -507,6 +536,11 @@
         </p:txBody>
       </p:sp>
     </p:spTree>
+    <p:extLst>
+      <p:ext uri="{BB962C8B-B14F-4D97-AF65-F5344CB8AC3E}">
+        <p14:creationId xmlns:p14="http://schemas.microsoft.com/office/powerpoint/2010/main" val="3073521617"/>
+      </p:ext>
+    </p:extLst>
   </p:cSld>
   <p:clrMapOvr>
     <a:masterClrMapping/>
@@ -533,7 +567,7 @@
       </p:grpSpPr>
       <p:sp>
         <p:nvSpPr>
-          <p:cNvPr id="2" name="Vertical Title 1"/>
+          <p:cNvPr id="2" name="直排標題 1"/>
           <p:cNvSpPr>
             <a:spLocks noGrp="1"/>
           </p:cNvSpPr>
@@ -543,8 +577,8 @@
         </p:nvSpPr>
         <p:spPr>
           <a:xfrm>
-            <a:off x="6629400" y="274638"/>
-            <a:ext cx="2057400" cy="5851525"/>
+            <a:off x="8839200" y="274641"/>
+            <a:ext cx="2743200" cy="5851525"/>
           </a:xfrm>
         </p:spPr>
         <p:txBody>
@@ -552,16 +586,16 @@
           <a:lstStyle/>
           <a:p>
             <a:r>
-              <a:rPr lang="zh-TW" altLang="en-US" smtClean="0"/>
-              <a:t>按一下以編輯母片標題樣式</a:t>
-            </a:r>
-            <a:endParaRPr lang="en-US"/>
-          </a:p>
-        </p:txBody>
-      </p:sp>
-      <p:sp>
-        <p:nvSpPr>
-          <p:cNvPr id="3" name="Vertical Text Placeholder 2"/>
+              <a:rPr lang="en-US" altLang="zh-TW" smtClean="0"/>
+              <a:t>Click to edit Master title style</a:t>
+            </a:r>
+            <a:endParaRPr lang="zh-TW" altLang="en-US"/>
+          </a:p>
+        </p:txBody>
+      </p:sp>
+      <p:sp>
+        <p:nvSpPr>
+          <p:cNvPr id="3" name="直排文字版面配置區 2"/>
           <p:cNvSpPr>
             <a:spLocks noGrp="1"/>
           </p:cNvSpPr>
@@ -571,8 +605,8 @@
         </p:nvSpPr>
         <p:spPr>
           <a:xfrm>
-            <a:off x="457200" y="274638"/>
-            <a:ext cx="6019800" cy="5851525"/>
+            <a:off x="609600" y="274641"/>
+            <a:ext cx="8026400" cy="5851525"/>
           </a:xfrm>
         </p:spPr>
         <p:txBody>
@@ -581,44 +615,44 @@
           <a:p>
             <a:pPr lvl="0"/>
             <a:r>
-              <a:rPr lang="zh-TW" altLang="en-US" smtClean="0"/>
-              <a:t>按一下以編輯母片文字樣式</a:t>
+              <a:rPr lang="en-US" altLang="zh-TW" smtClean="0"/>
+              <a:t>Edit Master text styles</a:t>
             </a:r>
           </a:p>
           <a:p>
             <a:pPr lvl="1"/>
             <a:r>
-              <a:rPr lang="zh-TW" altLang="en-US" smtClean="0"/>
-              <a:t>第二層</a:t>
+              <a:rPr lang="en-US" altLang="zh-TW" smtClean="0"/>
+              <a:t>Second level</a:t>
             </a:r>
           </a:p>
           <a:p>
             <a:pPr lvl="2"/>
             <a:r>
-              <a:rPr lang="zh-TW" altLang="en-US" smtClean="0"/>
-              <a:t>第三層</a:t>
+              <a:rPr lang="en-US" altLang="zh-TW" smtClean="0"/>
+              <a:t>Third level</a:t>
             </a:r>
           </a:p>
           <a:p>
             <a:pPr lvl="3"/>
             <a:r>
-              <a:rPr lang="zh-TW" altLang="en-US" smtClean="0"/>
-              <a:t>第四層</a:t>
+              <a:rPr lang="en-US" altLang="zh-TW" smtClean="0"/>
+              <a:t>Fourth level</a:t>
             </a:r>
           </a:p>
           <a:p>
             <a:pPr lvl="4"/>
             <a:r>
-              <a:rPr lang="zh-TW" altLang="en-US" smtClean="0"/>
-              <a:t>第五層</a:t>
-            </a:r>
-            <a:endParaRPr lang="en-US"/>
-          </a:p>
-        </p:txBody>
-      </p:sp>
-      <p:sp>
-        <p:nvSpPr>
-          <p:cNvPr id="4" name="Date Placeholder 3"/>
+              <a:rPr lang="en-US" altLang="zh-TW" smtClean="0"/>
+              <a:t>Fifth level</a:t>
+            </a:r>
+            <a:endParaRPr lang="zh-TW" altLang="en-US"/>
+          </a:p>
+        </p:txBody>
+      </p:sp>
+      <p:sp>
+        <p:nvSpPr>
+          <p:cNvPr id="4" name="日期版面配置區 3"/>
           <p:cNvSpPr>
             <a:spLocks noGrp="1"/>
           </p:cNvSpPr>
@@ -633,7 +667,7 @@
           <a:p>
             <a:fld id="{CC72A746-FD8D-44D8-BA27-84318A2AC223}" type="datetimeFigureOut">
               <a:rPr lang="zh-TW" altLang="en-US" smtClean="0"/>
-              <a:t>2017/4/29</a:t>
+              <a:t>2021/5/26</a:t>
             </a:fld>
             <a:endParaRPr lang="zh-TW" altLang="en-US"/>
           </a:p>
@@ -641,7 +675,7 @@
       </p:sp>
       <p:sp>
         <p:nvSpPr>
-          <p:cNvPr id="5" name="Footer Placeholder 4"/>
+          <p:cNvPr id="5" name="頁尾版面配置區 4"/>
           <p:cNvSpPr>
             <a:spLocks noGrp="1"/>
           </p:cNvSpPr>
@@ -660,7 +694,7 @@
       </p:sp>
       <p:sp>
         <p:nvSpPr>
-          <p:cNvPr id="6" name="Slide Number Placeholder 5"/>
+          <p:cNvPr id="6" name="投影片編號版面配置區 5"/>
           <p:cNvSpPr>
             <a:spLocks noGrp="1"/>
           </p:cNvSpPr>
@@ -682,6 +716,11 @@
         </p:txBody>
       </p:sp>
     </p:spTree>
+    <p:extLst>
+      <p:ext uri="{BB962C8B-B14F-4D97-AF65-F5344CB8AC3E}">
+        <p14:creationId xmlns:p14="http://schemas.microsoft.com/office/powerpoint/2010/main" val="216065755"/>
+      </p:ext>
+    </p:extLst>
   </p:cSld>
   <p:clrMapOvr>
     <a:masterClrMapping/>
@@ -708,7 +747,7 @@
       </p:grpSpPr>
       <p:sp>
         <p:nvSpPr>
-          <p:cNvPr id="2" name="Title 1"/>
+          <p:cNvPr id="2" name="標題 1"/>
           <p:cNvSpPr>
             <a:spLocks noGrp="1"/>
           </p:cNvSpPr>
@@ -722,16 +761,16 @@
           <a:lstStyle/>
           <a:p>
             <a:r>
-              <a:rPr lang="zh-TW" altLang="en-US" smtClean="0"/>
-              <a:t>按一下以編輯母片標題樣式</a:t>
-            </a:r>
-            <a:endParaRPr lang="en-US"/>
-          </a:p>
-        </p:txBody>
-      </p:sp>
-      <p:sp>
-        <p:nvSpPr>
-          <p:cNvPr id="3" name="Content Placeholder 2"/>
+              <a:rPr lang="en-US" altLang="zh-TW" smtClean="0"/>
+              <a:t>Click to edit Master title style</a:t>
+            </a:r>
+            <a:endParaRPr lang="zh-TW" altLang="en-US"/>
+          </a:p>
+        </p:txBody>
+      </p:sp>
+      <p:sp>
+        <p:nvSpPr>
+          <p:cNvPr id="3" name="內容版面配置區 2"/>
           <p:cNvSpPr>
             <a:spLocks noGrp="1"/>
           </p:cNvSpPr>
@@ -746,44 +785,44 @@
           <a:p>
             <a:pPr lvl="0"/>
             <a:r>
-              <a:rPr lang="zh-TW" altLang="en-US" smtClean="0"/>
-              <a:t>按一下以編輯母片文字樣式</a:t>
+              <a:rPr lang="en-US" altLang="zh-TW" smtClean="0"/>
+              <a:t>Edit Master text styles</a:t>
             </a:r>
           </a:p>
           <a:p>
             <a:pPr lvl="1"/>
             <a:r>
-              <a:rPr lang="zh-TW" altLang="en-US" smtClean="0"/>
-              <a:t>第二層</a:t>
+              <a:rPr lang="en-US" altLang="zh-TW" smtClean="0"/>
+              <a:t>Second level</a:t>
             </a:r>
           </a:p>
           <a:p>
             <a:pPr lvl="2"/>
             <a:r>
-              <a:rPr lang="zh-TW" altLang="en-US" smtClean="0"/>
-              <a:t>第三層</a:t>
+              <a:rPr lang="en-US" altLang="zh-TW" smtClean="0"/>
+              <a:t>Third level</a:t>
             </a:r>
           </a:p>
           <a:p>
             <a:pPr lvl="3"/>
             <a:r>
-              <a:rPr lang="zh-TW" altLang="en-US" smtClean="0"/>
-              <a:t>第四層</a:t>
+              <a:rPr lang="en-US" altLang="zh-TW" smtClean="0"/>
+              <a:t>Fourth level</a:t>
             </a:r>
           </a:p>
           <a:p>
             <a:pPr lvl="4"/>
             <a:r>
-              <a:rPr lang="zh-TW" altLang="en-US" smtClean="0"/>
-              <a:t>第五層</a:t>
-            </a:r>
-            <a:endParaRPr lang="en-US"/>
-          </a:p>
-        </p:txBody>
-      </p:sp>
-      <p:sp>
-        <p:nvSpPr>
-          <p:cNvPr id="4" name="Date Placeholder 3"/>
+              <a:rPr lang="en-US" altLang="zh-TW" smtClean="0"/>
+              <a:t>Fifth level</a:t>
+            </a:r>
+            <a:endParaRPr lang="zh-TW" altLang="en-US"/>
+          </a:p>
+        </p:txBody>
+      </p:sp>
+      <p:sp>
+        <p:nvSpPr>
+          <p:cNvPr id="4" name="日期版面配置區 3"/>
           <p:cNvSpPr>
             <a:spLocks noGrp="1"/>
           </p:cNvSpPr>
@@ -798,7 +837,7 @@
           <a:p>
             <a:fld id="{CC72A746-FD8D-44D8-BA27-84318A2AC223}" type="datetimeFigureOut">
               <a:rPr lang="zh-TW" altLang="en-US" smtClean="0"/>
-              <a:t>2017/4/29</a:t>
+              <a:t>2021/5/26</a:t>
             </a:fld>
             <a:endParaRPr lang="zh-TW" altLang="en-US"/>
           </a:p>
@@ -806,7 +845,7 @@
       </p:sp>
       <p:sp>
         <p:nvSpPr>
-          <p:cNvPr id="5" name="Footer Placeholder 4"/>
+          <p:cNvPr id="5" name="頁尾版面配置區 4"/>
           <p:cNvSpPr>
             <a:spLocks noGrp="1"/>
           </p:cNvSpPr>
@@ -825,7 +864,7 @@
       </p:sp>
       <p:sp>
         <p:nvSpPr>
-          <p:cNvPr id="6" name="Slide Number Placeholder 5"/>
+          <p:cNvPr id="6" name="投影片編號版面配置區 5"/>
           <p:cNvSpPr>
             <a:spLocks noGrp="1"/>
           </p:cNvSpPr>
@@ -847,6 +886,11 @@
         </p:txBody>
       </p:sp>
     </p:spTree>
+    <p:extLst>
+      <p:ext uri="{BB962C8B-B14F-4D97-AF65-F5344CB8AC3E}">
+        <p14:creationId xmlns:p14="http://schemas.microsoft.com/office/powerpoint/2010/main" val="3681678319"/>
+      </p:ext>
+    </p:extLst>
   </p:cSld>
   <p:clrMapOvr>
     <a:masterClrMapping/>
@@ -873,7 +917,7 @@
       </p:grpSpPr>
       <p:sp>
         <p:nvSpPr>
-          <p:cNvPr id="2" name="Title 1"/>
+          <p:cNvPr id="2" name="標題 1"/>
           <p:cNvSpPr>
             <a:spLocks noGrp="1"/>
           </p:cNvSpPr>
@@ -883,8 +927,8 @@
         </p:nvSpPr>
         <p:spPr>
           <a:xfrm>
-            <a:off x="722313" y="4406900"/>
-            <a:ext cx="7772400" cy="1362075"/>
+            <a:off x="963084" y="4406903"/>
+            <a:ext cx="10363200" cy="1362075"/>
           </a:xfrm>
         </p:spPr>
         <p:txBody>
@@ -896,16 +940,16 @@
           </a:lstStyle>
           <a:p>
             <a:r>
-              <a:rPr lang="zh-TW" altLang="en-US" smtClean="0"/>
-              <a:t>按一下以編輯母片標題樣式</a:t>
-            </a:r>
-            <a:endParaRPr lang="en-US"/>
-          </a:p>
-        </p:txBody>
-      </p:sp>
-      <p:sp>
-        <p:nvSpPr>
-          <p:cNvPr id="3" name="Text Placeholder 2"/>
+              <a:rPr lang="en-US" altLang="zh-TW" smtClean="0"/>
+              <a:t>Click to edit Master title style</a:t>
+            </a:r>
+            <a:endParaRPr lang="zh-TW" altLang="en-US"/>
+          </a:p>
+        </p:txBody>
+      </p:sp>
+      <p:sp>
+        <p:nvSpPr>
+          <p:cNvPr id="3" name="文字版面配置區 2"/>
           <p:cNvSpPr>
             <a:spLocks noGrp="1"/>
           </p:cNvSpPr>
@@ -915,8 +959,8 @@
         </p:nvSpPr>
         <p:spPr>
           <a:xfrm>
-            <a:off x="722313" y="2906713"/>
-            <a:ext cx="7772400" cy="1500187"/>
+            <a:off x="963084" y="2906713"/>
+            <a:ext cx="10363200" cy="1500187"/>
           </a:xfrm>
         </p:spPr>
         <p:txBody>
@@ -932,7 +976,7 @@
                 </a:solidFill>
               </a:defRPr>
             </a:lvl1pPr>
-            <a:lvl2pPr marL="457200" indent="0">
+            <a:lvl2pPr marL="457189" indent="0">
               <a:buNone/>
               <a:defRPr sz="1800">
                 <a:solidFill>
@@ -942,7 +986,7 @@
                 </a:solidFill>
               </a:defRPr>
             </a:lvl2pPr>
-            <a:lvl3pPr marL="914400" indent="0">
+            <a:lvl3pPr marL="914378" indent="0">
               <a:buNone/>
               <a:defRPr sz="1600">
                 <a:solidFill>
@@ -952,7 +996,7 @@
                 </a:solidFill>
               </a:defRPr>
             </a:lvl3pPr>
-            <a:lvl4pPr marL="1371600" indent="0">
+            <a:lvl4pPr marL="1371566" indent="0">
               <a:buNone/>
               <a:defRPr sz="1400">
                 <a:solidFill>
@@ -962,7 +1006,7 @@
                 </a:solidFill>
               </a:defRPr>
             </a:lvl4pPr>
-            <a:lvl5pPr marL="1828800" indent="0">
+            <a:lvl5pPr marL="1828754" indent="0">
               <a:buNone/>
               <a:defRPr sz="1400">
                 <a:solidFill>
@@ -972,7 +1016,7 @@
                 </a:solidFill>
               </a:defRPr>
             </a:lvl5pPr>
-            <a:lvl6pPr marL="2286000" indent="0">
+            <a:lvl6pPr marL="2285943" indent="0">
               <a:buNone/>
               <a:defRPr sz="1400">
                 <a:solidFill>
@@ -982,7 +1026,7 @@
                 </a:solidFill>
               </a:defRPr>
             </a:lvl6pPr>
-            <a:lvl7pPr marL="2743200" indent="0">
+            <a:lvl7pPr marL="2743132" indent="0">
               <a:buNone/>
               <a:defRPr sz="1400">
                 <a:solidFill>
@@ -992,7 +1036,7 @@
                 </a:solidFill>
               </a:defRPr>
             </a:lvl7pPr>
-            <a:lvl8pPr marL="3200400" indent="0">
+            <a:lvl8pPr marL="3200320" indent="0">
               <a:buNone/>
               <a:defRPr sz="1400">
                 <a:solidFill>
@@ -1002,7 +1046,7 @@
                 </a:solidFill>
               </a:defRPr>
             </a:lvl8pPr>
-            <a:lvl9pPr marL="3657600" indent="0">
+            <a:lvl9pPr marL="3657509" indent="0">
               <a:buNone/>
               <a:defRPr sz="1400">
                 <a:solidFill>
@@ -1016,15 +1060,15 @@
           <a:p>
             <a:pPr lvl="0"/>
             <a:r>
-              <a:rPr lang="zh-TW" altLang="en-US" smtClean="0"/>
-              <a:t>按一下以編輯母片文字樣式</a:t>
-            </a:r>
-          </a:p>
-        </p:txBody>
-      </p:sp>
-      <p:sp>
-        <p:nvSpPr>
-          <p:cNvPr id="4" name="Date Placeholder 3"/>
+              <a:rPr lang="en-US" altLang="zh-TW" smtClean="0"/>
+              <a:t>Edit Master text styles</a:t>
+            </a:r>
+          </a:p>
+        </p:txBody>
+      </p:sp>
+      <p:sp>
+        <p:nvSpPr>
+          <p:cNvPr id="4" name="日期版面配置區 3"/>
           <p:cNvSpPr>
             <a:spLocks noGrp="1"/>
           </p:cNvSpPr>
@@ -1039,7 +1083,7 @@
           <a:p>
             <a:fld id="{CC72A746-FD8D-44D8-BA27-84318A2AC223}" type="datetimeFigureOut">
               <a:rPr lang="zh-TW" altLang="en-US" smtClean="0"/>
-              <a:t>2017/4/29</a:t>
+              <a:t>2021/5/26</a:t>
             </a:fld>
             <a:endParaRPr lang="zh-TW" altLang="en-US"/>
           </a:p>
@@ -1047,7 +1091,7 @@
       </p:sp>
       <p:sp>
         <p:nvSpPr>
-          <p:cNvPr id="5" name="Footer Placeholder 4"/>
+          <p:cNvPr id="5" name="頁尾版面配置區 4"/>
           <p:cNvSpPr>
             <a:spLocks noGrp="1"/>
           </p:cNvSpPr>
@@ -1066,7 +1110,7 @@
       </p:sp>
       <p:sp>
         <p:nvSpPr>
-          <p:cNvPr id="6" name="Slide Number Placeholder 5"/>
+          <p:cNvPr id="6" name="投影片編號版面配置區 5"/>
           <p:cNvSpPr>
             <a:spLocks noGrp="1"/>
           </p:cNvSpPr>
@@ -1088,6 +1132,11 @@
         </p:txBody>
       </p:sp>
     </p:spTree>
+    <p:extLst>
+      <p:ext uri="{BB962C8B-B14F-4D97-AF65-F5344CB8AC3E}">
+        <p14:creationId xmlns:p14="http://schemas.microsoft.com/office/powerpoint/2010/main" val="2186215313"/>
+      </p:ext>
+    </p:extLst>
   </p:cSld>
   <p:clrMapOvr>
     <a:masterClrMapping/>
@@ -1114,7 +1163,7 @@
       </p:grpSpPr>
       <p:sp>
         <p:nvSpPr>
-          <p:cNvPr id="2" name="Title 1"/>
+          <p:cNvPr id="2" name="標題 1"/>
           <p:cNvSpPr>
             <a:spLocks noGrp="1"/>
           </p:cNvSpPr>
@@ -1128,16 +1177,16 @@
           <a:lstStyle/>
           <a:p>
             <a:r>
-              <a:rPr lang="zh-TW" altLang="en-US" smtClean="0"/>
-              <a:t>按一下以編輯母片標題樣式</a:t>
-            </a:r>
-            <a:endParaRPr lang="en-US"/>
-          </a:p>
-        </p:txBody>
-      </p:sp>
-      <p:sp>
-        <p:nvSpPr>
-          <p:cNvPr id="3" name="Content Placeholder 2"/>
+              <a:rPr lang="en-US" altLang="zh-TW" smtClean="0"/>
+              <a:t>Click to edit Master title style</a:t>
+            </a:r>
+            <a:endParaRPr lang="zh-TW" altLang="en-US"/>
+          </a:p>
+        </p:txBody>
+      </p:sp>
+      <p:sp>
+        <p:nvSpPr>
+          <p:cNvPr id="3" name="內容版面配置區 2"/>
           <p:cNvSpPr>
             <a:spLocks noGrp="1"/>
           </p:cNvSpPr>
@@ -1147,8 +1196,8 @@
         </p:nvSpPr>
         <p:spPr>
           <a:xfrm>
-            <a:off x="457200" y="1600200"/>
-            <a:ext cx="4038600" cy="4525963"/>
+            <a:off x="609600" y="1600203"/>
+            <a:ext cx="5384800" cy="4525963"/>
           </a:xfrm>
         </p:spPr>
         <p:txBody>
@@ -1185,44 +1234,44 @@
           <a:p>
             <a:pPr lvl="0"/>
             <a:r>
-              <a:rPr lang="zh-TW" altLang="en-US" smtClean="0"/>
-              <a:t>按一下以編輯母片文字樣式</a:t>
+              <a:rPr lang="en-US" altLang="zh-TW" smtClean="0"/>
+              <a:t>Edit Master text styles</a:t>
             </a:r>
           </a:p>
           <a:p>
             <a:pPr lvl="1"/>
             <a:r>
-              <a:rPr lang="zh-TW" altLang="en-US" smtClean="0"/>
-              <a:t>第二層</a:t>
+              <a:rPr lang="en-US" altLang="zh-TW" smtClean="0"/>
+              <a:t>Second level</a:t>
             </a:r>
           </a:p>
           <a:p>
             <a:pPr lvl="2"/>
             <a:r>
-              <a:rPr lang="zh-TW" altLang="en-US" smtClean="0"/>
-              <a:t>第三層</a:t>
+              <a:rPr lang="en-US" altLang="zh-TW" smtClean="0"/>
+              <a:t>Third level</a:t>
             </a:r>
           </a:p>
           <a:p>
             <a:pPr lvl="3"/>
             <a:r>
-              <a:rPr lang="zh-TW" altLang="en-US" smtClean="0"/>
-              <a:t>第四層</a:t>
+              <a:rPr lang="en-US" altLang="zh-TW" smtClean="0"/>
+              <a:t>Fourth level</a:t>
             </a:r>
           </a:p>
           <a:p>
             <a:pPr lvl="4"/>
             <a:r>
-              <a:rPr lang="zh-TW" altLang="en-US" smtClean="0"/>
-              <a:t>第五層</a:t>
-            </a:r>
-            <a:endParaRPr lang="en-US"/>
-          </a:p>
-        </p:txBody>
-      </p:sp>
-      <p:sp>
-        <p:nvSpPr>
-          <p:cNvPr id="4" name="Content Placeholder 3"/>
+              <a:rPr lang="en-US" altLang="zh-TW" smtClean="0"/>
+              <a:t>Fifth level</a:t>
+            </a:r>
+            <a:endParaRPr lang="zh-TW" altLang="en-US"/>
+          </a:p>
+        </p:txBody>
+      </p:sp>
+      <p:sp>
+        <p:nvSpPr>
+          <p:cNvPr id="4" name="內容版面配置區 3"/>
           <p:cNvSpPr>
             <a:spLocks noGrp="1"/>
           </p:cNvSpPr>
@@ -1232,8 +1281,8 @@
         </p:nvSpPr>
         <p:spPr>
           <a:xfrm>
-            <a:off x="4648200" y="1600200"/>
-            <a:ext cx="4038600" cy="4525963"/>
+            <a:off x="6197600" y="1600203"/>
+            <a:ext cx="5384800" cy="4525963"/>
           </a:xfrm>
         </p:spPr>
         <p:txBody>
@@ -1270,44 +1319,44 @@
           <a:p>
             <a:pPr lvl="0"/>
             <a:r>
-              <a:rPr lang="zh-TW" altLang="en-US" smtClean="0"/>
-              <a:t>按一下以編輯母片文字樣式</a:t>
+              <a:rPr lang="en-US" altLang="zh-TW" smtClean="0"/>
+              <a:t>Edit Master text styles</a:t>
             </a:r>
           </a:p>
           <a:p>
             <a:pPr lvl="1"/>
             <a:r>
-              <a:rPr lang="zh-TW" altLang="en-US" smtClean="0"/>
-              <a:t>第二層</a:t>
+              <a:rPr lang="en-US" altLang="zh-TW" smtClean="0"/>
+              <a:t>Second level</a:t>
             </a:r>
           </a:p>
           <a:p>
             <a:pPr lvl="2"/>
             <a:r>
-              <a:rPr lang="zh-TW" altLang="en-US" smtClean="0"/>
-              <a:t>第三層</a:t>
+              <a:rPr lang="en-US" altLang="zh-TW" smtClean="0"/>
+              <a:t>Third level</a:t>
             </a:r>
           </a:p>
           <a:p>
             <a:pPr lvl="3"/>
             <a:r>
-              <a:rPr lang="zh-TW" altLang="en-US" smtClean="0"/>
-              <a:t>第四層</a:t>
+              <a:rPr lang="en-US" altLang="zh-TW" smtClean="0"/>
+              <a:t>Fourth level</a:t>
             </a:r>
           </a:p>
           <a:p>
             <a:pPr lvl="4"/>
             <a:r>
-              <a:rPr lang="zh-TW" altLang="en-US" smtClean="0"/>
-              <a:t>第五層</a:t>
-            </a:r>
-            <a:endParaRPr lang="en-US"/>
-          </a:p>
-        </p:txBody>
-      </p:sp>
-      <p:sp>
-        <p:nvSpPr>
-          <p:cNvPr id="5" name="Date Placeholder 4"/>
+              <a:rPr lang="en-US" altLang="zh-TW" smtClean="0"/>
+              <a:t>Fifth level</a:t>
+            </a:r>
+            <a:endParaRPr lang="zh-TW" altLang="en-US"/>
+          </a:p>
+        </p:txBody>
+      </p:sp>
+      <p:sp>
+        <p:nvSpPr>
+          <p:cNvPr id="5" name="日期版面配置區 4"/>
           <p:cNvSpPr>
             <a:spLocks noGrp="1"/>
           </p:cNvSpPr>
@@ -1322,7 +1371,7 @@
           <a:p>
             <a:fld id="{CC72A746-FD8D-44D8-BA27-84318A2AC223}" type="datetimeFigureOut">
               <a:rPr lang="zh-TW" altLang="en-US" smtClean="0"/>
-              <a:t>2017/4/29</a:t>
+              <a:t>2021/5/26</a:t>
             </a:fld>
             <a:endParaRPr lang="zh-TW" altLang="en-US"/>
           </a:p>
@@ -1330,7 +1379,7 @@
       </p:sp>
       <p:sp>
         <p:nvSpPr>
-          <p:cNvPr id="6" name="Footer Placeholder 5"/>
+          <p:cNvPr id="6" name="頁尾版面配置區 5"/>
           <p:cNvSpPr>
             <a:spLocks noGrp="1"/>
           </p:cNvSpPr>
@@ -1349,7 +1398,7 @@
       </p:sp>
       <p:sp>
         <p:nvSpPr>
-          <p:cNvPr id="7" name="Slide Number Placeholder 6"/>
+          <p:cNvPr id="7" name="投影片編號版面配置區 6"/>
           <p:cNvSpPr>
             <a:spLocks noGrp="1"/>
           </p:cNvSpPr>
@@ -1371,6 +1420,11 @@
         </p:txBody>
       </p:sp>
     </p:spTree>
+    <p:extLst>
+      <p:ext uri="{BB962C8B-B14F-4D97-AF65-F5344CB8AC3E}">
+        <p14:creationId xmlns:p14="http://schemas.microsoft.com/office/powerpoint/2010/main" val="4158712577"/>
+      </p:ext>
+    </p:extLst>
   </p:cSld>
   <p:clrMapOvr>
     <a:masterClrMapping/>
@@ -1397,7 +1451,7 @@
       </p:grpSpPr>
       <p:sp>
         <p:nvSpPr>
-          <p:cNvPr id="2" name="Title 1"/>
+          <p:cNvPr id="2" name="標題 1"/>
           <p:cNvSpPr>
             <a:spLocks noGrp="1"/>
           </p:cNvSpPr>
@@ -1415,16 +1469,16 @@
           </a:lstStyle>
           <a:p>
             <a:r>
-              <a:rPr lang="zh-TW" altLang="en-US" smtClean="0"/>
-              <a:t>按一下以編輯母片標題樣式</a:t>
-            </a:r>
-            <a:endParaRPr lang="en-US"/>
-          </a:p>
-        </p:txBody>
-      </p:sp>
-      <p:sp>
-        <p:nvSpPr>
-          <p:cNvPr id="3" name="Text Placeholder 2"/>
+              <a:rPr lang="en-US" altLang="zh-TW" smtClean="0"/>
+              <a:t>Click to edit Master title style</a:t>
+            </a:r>
+            <a:endParaRPr lang="zh-TW" altLang="en-US"/>
+          </a:p>
+        </p:txBody>
+      </p:sp>
+      <p:sp>
+        <p:nvSpPr>
+          <p:cNvPr id="3" name="文字版面配置區 2"/>
           <p:cNvSpPr>
             <a:spLocks noGrp="1"/>
           </p:cNvSpPr>
@@ -1434,8 +1488,8 @@
         </p:nvSpPr>
         <p:spPr>
           <a:xfrm>
-            <a:off x="457200" y="1535113"/>
-            <a:ext cx="4040188" cy="639762"/>
+            <a:off x="609600" y="1535115"/>
+            <a:ext cx="5386917" cy="639763"/>
           </a:xfrm>
         </p:spPr>
         <p:txBody>
@@ -1445,35 +1499,35 @@
               <a:buNone/>
               <a:defRPr sz="2400" b="1"/>
             </a:lvl1pPr>
-            <a:lvl2pPr marL="457200" indent="0">
+            <a:lvl2pPr marL="457189" indent="0">
               <a:buNone/>
               <a:defRPr sz="2000" b="1"/>
             </a:lvl2pPr>
-            <a:lvl3pPr marL="914400" indent="0">
+            <a:lvl3pPr marL="914378" indent="0">
               <a:buNone/>
               <a:defRPr sz="1800" b="1"/>
             </a:lvl3pPr>
-            <a:lvl4pPr marL="1371600" indent="0">
+            <a:lvl4pPr marL="1371566" indent="0">
               <a:buNone/>
               <a:defRPr sz="1600" b="1"/>
             </a:lvl4pPr>
-            <a:lvl5pPr marL="1828800" indent="0">
+            <a:lvl5pPr marL="1828754" indent="0">
               <a:buNone/>
               <a:defRPr sz="1600" b="1"/>
             </a:lvl5pPr>
-            <a:lvl6pPr marL="2286000" indent="0">
+            <a:lvl6pPr marL="2285943" indent="0">
               <a:buNone/>
               <a:defRPr sz="1600" b="1"/>
             </a:lvl6pPr>
-            <a:lvl7pPr marL="2743200" indent="0">
+            <a:lvl7pPr marL="2743132" indent="0">
               <a:buNone/>
               <a:defRPr sz="1600" b="1"/>
             </a:lvl7pPr>
-            <a:lvl8pPr marL="3200400" indent="0">
+            <a:lvl8pPr marL="3200320" indent="0">
               <a:buNone/>
               <a:defRPr sz="1600" b="1"/>
             </a:lvl8pPr>
-            <a:lvl9pPr marL="3657600" indent="0">
+            <a:lvl9pPr marL="3657509" indent="0">
               <a:buNone/>
               <a:defRPr sz="1600" b="1"/>
             </a:lvl9pPr>
@@ -1481,15 +1535,15 @@
           <a:p>
             <a:pPr lvl="0"/>
             <a:r>
-              <a:rPr lang="zh-TW" altLang="en-US" smtClean="0"/>
-              <a:t>按一下以編輯母片文字樣式</a:t>
-            </a:r>
-          </a:p>
-        </p:txBody>
-      </p:sp>
-      <p:sp>
-        <p:nvSpPr>
-          <p:cNvPr id="4" name="Content Placeholder 3"/>
+              <a:rPr lang="en-US" altLang="zh-TW" smtClean="0"/>
+              <a:t>Edit Master text styles</a:t>
+            </a:r>
+          </a:p>
+        </p:txBody>
+      </p:sp>
+      <p:sp>
+        <p:nvSpPr>
+          <p:cNvPr id="4" name="內容版面配置區 3"/>
           <p:cNvSpPr>
             <a:spLocks noGrp="1"/>
           </p:cNvSpPr>
@@ -1499,8 +1553,8 @@
         </p:nvSpPr>
         <p:spPr>
           <a:xfrm>
-            <a:off x="457200" y="2174875"/>
-            <a:ext cx="4040188" cy="3951288"/>
+            <a:off x="609600" y="2174875"/>
+            <a:ext cx="5386917" cy="3951288"/>
           </a:xfrm>
         </p:spPr>
         <p:txBody>
@@ -1537,44 +1591,44 @@
           <a:p>
             <a:pPr lvl="0"/>
             <a:r>
-              <a:rPr lang="zh-TW" altLang="en-US" smtClean="0"/>
-              <a:t>按一下以編輯母片文字樣式</a:t>
+              <a:rPr lang="en-US" altLang="zh-TW" smtClean="0"/>
+              <a:t>Edit Master text styles</a:t>
             </a:r>
           </a:p>
           <a:p>
             <a:pPr lvl="1"/>
             <a:r>
-              <a:rPr lang="zh-TW" altLang="en-US" smtClean="0"/>
-              <a:t>第二層</a:t>
+              <a:rPr lang="en-US" altLang="zh-TW" smtClean="0"/>
+              <a:t>Second level</a:t>
             </a:r>
           </a:p>
           <a:p>
             <a:pPr lvl="2"/>
             <a:r>
-              <a:rPr lang="zh-TW" altLang="en-US" smtClean="0"/>
-              <a:t>第三層</a:t>
+              <a:rPr lang="en-US" altLang="zh-TW" smtClean="0"/>
+              <a:t>Third level</a:t>
             </a:r>
           </a:p>
           <a:p>
             <a:pPr lvl="3"/>
             <a:r>
-              <a:rPr lang="zh-TW" altLang="en-US" smtClean="0"/>
-              <a:t>第四層</a:t>
+              <a:rPr lang="en-US" altLang="zh-TW" smtClean="0"/>
+              <a:t>Fourth level</a:t>
             </a:r>
           </a:p>
           <a:p>
             <a:pPr lvl="4"/>
             <a:r>
-              <a:rPr lang="zh-TW" altLang="en-US" smtClean="0"/>
-              <a:t>第五層</a:t>
-            </a:r>
-            <a:endParaRPr lang="en-US"/>
-          </a:p>
-        </p:txBody>
-      </p:sp>
-      <p:sp>
-        <p:nvSpPr>
-          <p:cNvPr id="5" name="Text Placeholder 4"/>
+              <a:rPr lang="en-US" altLang="zh-TW" smtClean="0"/>
+              <a:t>Fifth level</a:t>
+            </a:r>
+            <a:endParaRPr lang="zh-TW" altLang="en-US"/>
+          </a:p>
+        </p:txBody>
+      </p:sp>
+      <p:sp>
+        <p:nvSpPr>
+          <p:cNvPr id="5" name="文字版面配置區 4"/>
           <p:cNvSpPr>
             <a:spLocks noGrp="1"/>
           </p:cNvSpPr>
@@ -1584,8 +1638,8 @@
         </p:nvSpPr>
         <p:spPr>
           <a:xfrm>
-            <a:off x="4645025" y="1535113"/>
-            <a:ext cx="4041775" cy="639762"/>
+            <a:off x="6193370" y="1535115"/>
+            <a:ext cx="5389033" cy="639763"/>
           </a:xfrm>
         </p:spPr>
         <p:txBody>
@@ -1595,35 +1649,35 @@
               <a:buNone/>
               <a:defRPr sz="2400" b="1"/>
             </a:lvl1pPr>
-            <a:lvl2pPr marL="457200" indent="0">
+            <a:lvl2pPr marL="457189" indent="0">
               <a:buNone/>
               <a:defRPr sz="2000" b="1"/>
             </a:lvl2pPr>
-            <a:lvl3pPr marL="914400" indent="0">
+            <a:lvl3pPr marL="914378" indent="0">
               <a:buNone/>
               <a:defRPr sz="1800" b="1"/>
             </a:lvl3pPr>
-            <a:lvl4pPr marL="1371600" indent="0">
+            <a:lvl4pPr marL="1371566" indent="0">
               <a:buNone/>
               <a:defRPr sz="1600" b="1"/>
             </a:lvl4pPr>
-            <a:lvl5pPr marL="1828800" indent="0">
+            <a:lvl5pPr marL="1828754" indent="0">
               <a:buNone/>
               <a:defRPr sz="1600" b="1"/>
             </a:lvl5pPr>
-            <a:lvl6pPr marL="2286000" indent="0">
+            <a:lvl6pPr marL="2285943" indent="0">
               <a:buNone/>
               <a:defRPr sz="1600" b="1"/>
             </a:lvl6pPr>
-            <a:lvl7pPr marL="2743200" indent="0">
+            <a:lvl7pPr marL="2743132" indent="0">
               <a:buNone/>
               <a:defRPr sz="1600" b="1"/>
             </a:lvl7pPr>
-            <a:lvl8pPr marL="3200400" indent="0">
+            <a:lvl8pPr marL="3200320" indent="0">
               <a:buNone/>
               <a:defRPr sz="1600" b="1"/>
             </a:lvl8pPr>
-            <a:lvl9pPr marL="3657600" indent="0">
+            <a:lvl9pPr marL="3657509" indent="0">
               <a:buNone/>
               <a:defRPr sz="1600" b="1"/>
             </a:lvl9pPr>
@@ -1631,15 +1685,15 @@
           <a:p>
             <a:pPr lvl="0"/>
             <a:r>
-              <a:rPr lang="zh-TW" altLang="en-US" smtClean="0"/>
-              <a:t>按一下以編輯母片文字樣式</a:t>
-            </a:r>
-          </a:p>
-        </p:txBody>
-      </p:sp>
-      <p:sp>
-        <p:nvSpPr>
-          <p:cNvPr id="6" name="Content Placeholder 5"/>
+              <a:rPr lang="en-US" altLang="zh-TW" smtClean="0"/>
+              <a:t>Edit Master text styles</a:t>
+            </a:r>
+          </a:p>
+        </p:txBody>
+      </p:sp>
+      <p:sp>
+        <p:nvSpPr>
+          <p:cNvPr id="6" name="內容版面配置區 5"/>
           <p:cNvSpPr>
             <a:spLocks noGrp="1"/>
           </p:cNvSpPr>
@@ -1649,8 +1703,8 @@
         </p:nvSpPr>
         <p:spPr>
           <a:xfrm>
-            <a:off x="4645025" y="2174875"/>
-            <a:ext cx="4041775" cy="3951288"/>
+            <a:off x="6193370" y="2174875"/>
+            <a:ext cx="5389033" cy="3951288"/>
           </a:xfrm>
         </p:spPr>
         <p:txBody>
@@ -1687,44 +1741,44 @@
           <a:p>
             <a:pPr lvl="0"/>
             <a:r>
-              <a:rPr lang="zh-TW" altLang="en-US" smtClean="0"/>
-              <a:t>按一下以編輯母片文字樣式</a:t>
+              <a:rPr lang="en-US" altLang="zh-TW" smtClean="0"/>
+              <a:t>Edit Master text styles</a:t>
             </a:r>
           </a:p>
           <a:p>
             <a:pPr lvl="1"/>
             <a:r>
-              <a:rPr lang="zh-TW" altLang="en-US" smtClean="0"/>
-              <a:t>第二層</a:t>
+              <a:rPr lang="en-US" altLang="zh-TW" smtClean="0"/>
+              <a:t>Second level</a:t>
             </a:r>
           </a:p>
           <a:p>
             <a:pPr lvl="2"/>
             <a:r>
-              <a:rPr lang="zh-TW" altLang="en-US" smtClean="0"/>
-              <a:t>第三層</a:t>
+              <a:rPr lang="en-US" altLang="zh-TW" smtClean="0"/>
+              <a:t>Third level</a:t>
             </a:r>
           </a:p>
           <a:p>
             <a:pPr lvl="3"/>
             <a:r>
-              <a:rPr lang="zh-TW" altLang="en-US" smtClean="0"/>
-              <a:t>第四層</a:t>
+              <a:rPr lang="en-US" altLang="zh-TW" smtClean="0"/>
+              <a:t>Fourth level</a:t>
             </a:r>
           </a:p>
           <a:p>
             <a:pPr lvl="4"/>
             <a:r>
-              <a:rPr lang="zh-TW" altLang="en-US" smtClean="0"/>
-              <a:t>第五層</a:t>
-            </a:r>
-            <a:endParaRPr lang="en-US"/>
-          </a:p>
-        </p:txBody>
-      </p:sp>
-      <p:sp>
-        <p:nvSpPr>
-          <p:cNvPr id="7" name="Date Placeholder 6"/>
+              <a:rPr lang="en-US" altLang="zh-TW" smtClean="0"/>
+              <a:t>Fifth level</a:t>
+            </a:r>
+            <a:endParaRPr lang="zh-TW" altLang="en-US"/>
+          </a:p>
+        </p:txBody>
+      </p:sp>
+      <p:sp>
+        <p:nvSpPr>
+          <p:cNvPr id="7" name="日期版面配置區 6"/>
           <p:cNvSpPr>
             <a:spLocks noGrp="1"/>
           </p:cNvSpPr>
@@ -1739,7 +1793,7 @@
           <a:p>
             <a:fld id="{CC72A746-FD8D-44D8-BA27-84318A2AC223}" type="datetimeFigureOut">
               <a:rPr lang="zh-TW" altLang="en-US" smtClean="0"/>
-              <a:t>2017/4/29</a:t>
+              <a:t>2021/5/26</a:t>
             </a:fld>
             <a:endParaRPr lang="zh-TW" altLang="en-US"/>
           </a:p>
@@ -1747,7 +1801,7 @@
       </p:sp>
       <p:sp>
         <p:nvSpPr>
-          <p:cNvPr id="8" name="Footer Placeholder 7"/>
+          <p:cNvPr id="8" name="頁尾版面配置區 7"/>
           <p:cNvSpPr>
             <a:spLocks noGrp="1"/>
           </p:cNvSpPr>
@@ -1766,7 +1820,7 @@
       </p:sp>
       <p:sp>
         <p:nvSpPr>
-          <p:cNvPr id="9" name="Slide Number Placeholder 8"/>
+          <p:cNvPr id="9" name="投影片編號版面配置區 8"/>
           <p:cNvSpPr>
             <a:spLocks noGrp="1"/>
           </p:cNvSpPr>
@@ -1788,6 +1842,11 @@
         </p:txBody>
       </p:sp>
     </p:spTree>
+    <p:extLst>
+      <p:ext uri="{BB962C8B-B14F-4D97-AF65-F5344CB8AC3E}">
+        <p14:creationId xmlns:p14="http://schemas.microsoft.com/office/powerpoint/2010/main" val="788729631"/>
+      </p:ext>
+    </p:extLst>
   </p:cSld>
   <p:clrMapOvr>
     <a:masterClrMapping/>
@@ -1814,7 +1873,7 @@
       </p:grpSpPr>
       <p:sp>
         <p:nvSpPr>
-          <p:cNvPr id="2" name="Title 1"/>
+          <p:cNvPr id="2" name="標題 1"/>
           <p:cNvSpPr>
             <a:spLocks noGrp="1"/>
           </p:cNvSpPr>
@@ -1828,16 +1887,16 @@
           <a:lstStyle/>
           <a:p>
             <a:r>
-              <a:rPr lang="zh-TW" altLang="en-US" smtClean="0"/>
-              <a:t>按一下以編輯母片標題樣式</a:t>
-            </a:r>
-            <a:endParaRPr lang="en-US"/>
-          </a:p>
-        </p:txBody>
-      </p:sp>
-      <p:sp>
-        <p:nvSpPr>
-          <p:cNvPr id="3" name="Date Placeholder 2"/>
+              <a:rPr lang="en-US" altLang="zh-TW" smtClean="0"/>
+              <a:t>Click to edit Master title style</a:t>
+            </a:r>
+            <a:endParaRPr lang="zh-TW" altLang="en-US"/>
+          </a:p>
+        </p:txBody>
+      </p:sp>
+      <p:sp>
+        <p:nvSpPr>
+          <p:cNvPr id="3" name="日期版面配置區 2"/>
           <p:cNvSpPr>
             <a:spLocks noGrp="1"/>
           </p:cNvSpPr>
@@ -1852,7 +1911,7 @@
           <a:p>
             <a:fld id="{CC72A746-FD8D-44D8-BA27-84318A2AC223}" type="datetimeFigureOut">
               <a:rPr lang="zh-TW" altLang="en-US" smtClean="0"/>
-              <a:t>2017/4/29</a:t>
+              <a:t>2021/5/26</a:t>
             </a:fld>
             <a:endParaRPr lang="zh-TW" altLang="en-US"/>
           </a:p>
@@ -1860,7 +1919,7 @@
       </p:sp>
       <p:sp>
         <p:nvSpPr>
-          <p:cNvPr id="4" name="Footer Placeholder 3"/>
+          <p:cNvPr id="4" name="頁尾版面配置區 3"/>
           <p:cNvSpPr>
             <a:spLocks noGrp="1"/>
           </p:cNvSpPr>
@@ -1879,7 +1938,7 @@
       </p:sp>
       <p:sp>
         <p:nvSpPr>
-          <p:cNvPr id="5" name="Slide Number Placeholder 4"/>
+          <p:cNvPr id="5" name="投影片編號版面配置區 4"/>
           <p:cNvSpPr>
             <a:spLocks noGrp="1"/>
           </p:cNvSpPr>
@@ -1901,6 +1960,11 @@
         </p:txBody>
       </p:sp>
     </p:spTree>
+    <p:extLst>
+      <p:ext uri="{BB962C8B-B14F-4D97-AF65-F5344CB8AC3E}">
+        <p14:creationId xmlns:p14="http://schemas.microsoft.com/office/powerpoint/2010/main" val="1033779259"/>
+      </p:ext>
+    </p:extLst>
   </p:cSld>
   <p:clrMapOvr>
     <a:masterClrMapping/>
@@ -1927,7 +1991,7 @@
       </p:grpSpPr>
       <p:sp>
         <p:nvSpPr>
-          <p:cNvPr id="2" name="Date Placeholder 1"/>
+          <p:cNvPr id="2" name="日期版面配置區 1"/>
           <p:cNvSpPr>
             <a:spLocks noGrp="1"/>
           </p:cNvSpPr>
@@ -1942,7 +2006,7 @@
           <a:p>
             <a:fld id="{CC72A746-FD8D-44D8-BA27-84318A2AC223}" type="datetimeFigureOut">
               <a:rPr lang="zh-TW" altLang="en-US" smtClean="0"/>
-              <a:t>2017/4/29</a:t>
+              <a:t>2021/5/26</a:t>
             </a:fld>
             <a:endParaRPr lang="zh-TW" altLang="en-US"/>
           </a:p>
@@ -1950,7 +2014,7 @@
       </p:sp>
       <p:sp>
         <p:nvSpPr>
-          <p:cNvPr id="3" name="Footer Placeholder 2"/>
+          <p:cNvPr id="3" name="頁尾版面配置區 2"/>
           <p:cNvSpPr>
             <a:spLocks noGrp="1"/>
           </p:cNvSpPr>
@@ -1969,7 +2033,7 @@
       </p:sp>
       <p:sp>
         <p:nvSpPr>
-          <p:cNvPr id="4" name="Slide Number Placeholder 3"/>
+          <p:cNvPr id="4" name="投影片編號版面配置區 3"/>
           <p:cNvSpPr>
             <a:spLocks noGrp="1"/>
           </p:cNvSpPr>
@@ -1991,6 +2055,11 @@
         </p:txBody>
       </p:sp>
     </p:spTree>
+    <p:extLst>
+      <p:ext uri="{BB962C8B-B14F-4D97-AF65-F5344CB8AC3E}">
+        <p14:creationId xmlns:p14="http://schemas.microsoft.com/office/powerpoint/2010/main" val="4177958725"/>
+      </p:ext>
+    </p:extLst>
   </p:cSld>
   <p:clrMapOvr>
     <a:masterClrMapping/>
@@ -2017,7 +2086,7 @@
       </p:grpSpPr>
       <p:sp>
         <p:nvSpPr>
-          <p:cNvPr id="2" name="Title 1"/>
+          <p:cNvPr id="2" name="標題 1"/>
           <p:cNvSpPr>
             <a:spLocks noGrp="1"/>
           </p:cNvSpPr>
@@ -2027,8 +2096,8 @@
         </p:nvSpPr>
         <p:spPr>
           <a:xfrm>
-            <a:off x="457200" y="273050"/>
-            <a:ext cx="3008313" cy="1162050"/>
+            <a:off x="609603" y="273051"/>
+            <a:ext cx="4011084" cy="1162051"/>
           </a:xfrm>
         </p:spPr>
         <p:txBody>
@@ -2040,16 +2109,16 @@
           </a:lstStyle>
           <a:p>
             <a:r>
-              <a:rPr lang="zh-TW" altLang="en-US" smtClean="0"/>
-              <a:t>按一下以編輯母片標題樣式</a:t>
-            </a:r>
-            <a:endParaRPr lang="en-US"/>
-          </a:p>
-        </p:txBody>
-      </p:sp>
-      <p:sp>
-        <p:nvSpPr>
-          <p:cNvPr id="3" name="Content Placeholder 2"/>
+              <a:rPr lang="en-US" altLang="zh-TW" smtClean="0"/>
+              <a:t>Click to edit Master title style</a:t>
+            </a:r>
+            <a:endParaRPr lang="zh-TW" altLang="en-US"/>
+          </a:p>
+        </p:txBody>
+      </p:sp>
+      <p:sp>
+        <p:nvSpPr>
+          <p:cNvPr id="3" name="內容版面配置區 2"/>
           <p:cNvSpPr>
             <a:spLocks noGrp="1"/>
           </p:cNvSpPr>
@@ -2059,8 +2128,8 @@
         </p:nvSpPr>
         <p:spPr>
           <a:xfrm>
-            <a:off x="3575050" y="273050"/>
-            <a:ext cx="5111750" cy="5853113"/>
+            <a:off x="4766733" y="273054"/>
+            <a:ext cx="6815667" cy="5853113"/>
           </a:xfrm>
         </p:spPr>
         <p:txBody>
@@ -2097,44 +2166,44 @@
           <a:p>
             <a:pPr lvl="0"/>
             <a:r>
-              <a:rPr lang="zh-TW" altLang="en-US" smtClean="0"/>
-              <a:t>按一下以編輯母片文字樣式</a:t>
+              <a:rPr lang="en-US" altLang="zh-TW" smtClean="0"/>
+              <a:t>Edit Master text styles</a:t>
             </a:r>
           </a:p>
           <a:p>
             <a:pPr lvl="1"/>
             <a:r>
-              <a:rPr lang="zh-TW" altLang="en-US" smtClean="0"/>
-              <a:t>第二層</a:t>
+              <a:rPr lang="en-US" altLang="zh-TW" smtClean="0"/>
+              <a:t>Second level</a:t>
             </a:r>
           </a:p>
           <a:p>
             <a:pPr lvl="2"/>
             <a:r>
-              <a:rPr lang="zh-TW" altLang="en-US" smtClean="0"/>
-              <a:t>第三層</a:t>
+              <a:rPr lang="en-US" altLang="zh-TW" smtClean="0"/>
+              <a:t>Third level</a:t>
             </a:r>
           </a:p>
           <a:p>
             <a:pPr lvl="3"/>
             <a:r>
-              <a:rPr lang="zh-TW" altLang="en-US" smtClean="0"/>
-              <a:t>第四層</a:t>
+              <a:rPr lang="en-US" altLang="zh-TW" smtClean="0"/>
+              <a:t>Fourth level</a:t>
             </a:r>
           </a:p>
           <a:p>
             <a:pPr lvl="4"/>
             <a:r>
-              <a:rPr lang="zh-TW" altLang="en-US" smtClean="0"/>
-              <a:t>第五層</a:t>
-            </a:r>
-            <a:endParaRPr lang="en-US"/>
-          </a:p>
-        </p:txBody>
-      </p:sp>
-      <p:sp>
-        <p:nvSpPr>
-          <p:cNvPr id="4" name="Text Placeholder 3"/>
+              <a:rPr lang="en-US" altLang="zh-TW" smtClean="0"/>
+              <a:t>Fifth level</a:t>
+            </a:r>
+            <a:endParaRPr lang="zh-TW" altLang="en-US"/>
+          </a:p>
+        </p:txBody>
+      </p:sp>
+      <p:sp>
+        <p:nvSpPr>
+          <p:cNvPr id="4" name="文字版面配置區 3"/>
           <p:cNvSpPr>
             <a:spLocks noGrp="1"/>
           </p:cNvSpPr>
@@ -2144,8 +2213,8 @@
         </p:nvSpPr>
         <p:spPr>
           <a:xfrm>
-            <a:off x="457200" y="1435100"/>
-            <a:ext cx="3008313" cy="4691063"/>
+            <a:off x="609603" y="1435103"/>
+            <a:ext cx="4011084" cy="4691063"/>
           </a:xfrm>
         </p:spPr>
         <p:txBody>
@@ -2155,35 +2224,35 @@
               <a:buNone/>
               <a:defRPr sz="1400"/>
             </a:lvl1pPr>
-            <a:lvl2pPr marL="457200" indent="0">
+            <a:lvl2pPr marL="457189" indent="0">
               <a:buNone/>
               <a:defRPr sz="1200"/>
             </a:lvl2pPr>
-            <a:lvl3pPr marL="914400" indent="0">
+            <a:lvl3pPr marL="914378" indent="0">
               <a:buNone/>
               <a:defRPr sz="1000"/>
             </a:lvl3pPr>
-            <a:lvl4pPr marL="1371600" indent="0">
+            <a:lvl4pPr marL="1371566" indent="0">
               <a:buNone/>
               <a:defRPr sz="900"/>
             </a:lvl4pPr>
-            <a:lvl5pPr marL="1828800" indent="0">
+            <a:lvl5pPr marL="1828754" indent="0">
               <a:buNone/>
               <a:defRPr sz="900"/>
             </a:lvl5pPr>
-            <a:lvl6pPr marL="2286000" indent="0">
+            <a:lvl6pPr marL="2285943" indent="0">
               <a:buNone/>
               <a:defRPr sz="900"/>
             </a:lvl6pPr>
-            <a:lvl7pPr marL="2743200" indent="0">
+            <a:lvl7pPr marL="2743132" indent="0">
               <a:buNone/>
               <a:defRPr sz="900"/>
             </a:lvl7pPr>
-            <a:lvl8pPr marL="3200400" indent="0">
+            <a:lvl8pPr marL="3200320" indent="0">
               <a:buNone/>
               <a:defRPr sz="900"/>
             </a:lvl8pPr>
-            <a:lvl9pPr marL="3657600" indent="0">
+            <a:lvl9pPr marL="3657509" indent="0">
               <a:buNone/>
               <a:defRPr sz="900"/>
             </a:lvl9pPr>
@@ -2191,15 +2260,15 @@
           <a:p>
             <a:pPr lvl="0"/>
             <a:r>
-              <a:rPr lang="zh-TW" altLang="en-US" smtClean="0"/>
-              <a:t>按一下以編輯母片文字樣式</a:t>
-            </a:r>
-          </a:p>
-        </p:txBody>
-      </p:sp>
-      <p:sp>
-        <p:nvSpPr>
-          <p:cNvPr id="5" name="Date Placeholder 4"/>
+              <a:rPr lang="en-US" altLang="zh-TW" smtClean="0"/>
+              <a:t>Edit Master text styles</a:t>
+            </a:r>
+          </a:p>
+        </p:txBody>
+      </p:sp>
+      <p:sp>
+        <p:nvSpPr>
+          <p:cNvPr id="5" name="日期版面配置區 4"/>
           <p:cNvSpPr>
             <a:spLocks noGrp="1"/>
           </p:cNvSpPr>
@@ -2214,7 +2283,7 @@
           <a:p>
             <a:fld id="{CC72A746-FD8D-44D8-BA27-84318A2AC223}" type="datetimeFigureOut">
               <a:rPr lang="zh-TW" altLang="en-US" smtClean="0"/>
-              <a:t>2017/4/29</a:t>
+              <a:t>2021/5/26</a:t>
             </a:fld>
             <a:endParaRPr lang="zh-TW" altLang="en-US"/>
           </a:p>
@@ -2222,7 +2291,7 @@
       </p:sp>
       <p:sp>
         <p:nvSpPr>
-          <p:cNvPr id="6" name="Footer Placeholder 5"/>
+          <p:cNvPr id="6" name="頁尾版面配置區 5"/>
           <p:cNvSpPr>
             <a:spLocks noGrp="1"/>
           </p:cNvSpPr>
@@ -2241,7 +2310,7 @@
       </p:sp>
       <p:sp>
         <p:nvSpPr>
-          <p:cNvPr id="7" name="Slide Number Placeholder 6"/>
+          <p:cNvPr id="7" name="投影片編號版面配置區 6"/>
           <p:cNvSpPr>
             <a:spLocks noGrp="1"/>
           </p:cNvSpPr>
@@ -2263,6 +2332,11 @@
         </p:txBody>
       </p:sp>
     </p:spTree>
+    <p:extLst>
+      <p:ext uri="{BB962C8B-B14F-4D97-AF65-F5344CB8AC3E}">
+        <p14:creationId xmlns:p14="http://schemas.microsoft.com/office/powerpoint/2010/main" val="3090262630"/>
+      </p:ext>
+    </p:extLst>
   </p:cSld>
   <p:clrMapOvr>
     <a:masterClrMapping/>
@@ -2289,7 +2363,7 @@
       </p:grpSpPr>
       <p:sp>
         <p:nvSpPr>
-          <p:cNvPr id="2" name="Title 1"/>
+          <p:cNvPr id="2" name="標題 1"/>
           <p:cNvSpPr>
             <a:spLocks noGrp="1"/>
           </p:cNvSpPr>
@@ -2299,8 +2373,8 @@
         </p:nvSpPr>
         <p:spPr>
           <a:xfrm>
-            <a:off x="1792288" y="4800600"/>
-            <a:ext cx="5486400" cy="566738"/>
+            <a:off x="2389717" y="4800602"/>
+            <a:ext cx="7315200" cy="566739"/>
           </a:xfrm>
         </p:spPr>
         <p:txBody>
@@ -2312,16 +2386,16 @@
           </a:lstStyle>
           <a:p>
             <a:r>
-              <a:rPr lang="zh-TW" altLang="en-US" smtClean="0"/>
-              <a:t>按一下以編輯母片標題樣式</a:t>
-            </a:r>
-            <a:endParaRPr lang="en-US"/>
-          </a:p>
-        </p:txBody>
-      </p:sp>
-      <p:sp>
-        <p:nvSpPr>
-          <p:cNvPr id="3" name="Picture Placeholder 2"/>
+              <a:rPr lang="en-US" altLang="zh-TW" smtClean="0"/>
+              <a:t>Click to edit Master title style</a:t>
+            </a:r>
+            <a:endParaRPr lang="zh-TW" altLang="en-US"/>
+          </a:p>
+        </p:txBody>
+      </p:sp>
+      <p:sp>
+        <p:nvSpPr>
+          <p:cNvPr id="3" name="圖片版面配置區 2"/>
           <p:cNvSpPr>
             <a:spLocks noGrp="1"/>
           </p:cNvSpPr>
@@ -2331,8 +2405,8 @@
         </p:nvSpPr>
         <p:spPr>
           <a:xfrm>
-            <a:off x="1792288" y="612775"/>
-            <a:ext cx="5486400" cy="4114800"/>
+            <a:off x="2389717" y="612775"/>
+            <a:ext cx="7315200" cy="4114800"/>
           </a:xfrm>
         </p:spPr>
         <p:txBody>
@@ -2342,51 +2416,51 @@
               <a:buNone/>
               <a:defRPr sz="3200"/>
             </a:lvl1pPr>
-            <a:lvl2pPr marL="457200" indent="0">
+            <a:lvl2pPr marL="457189" indent="0">
               <a:buNone/>
               <a:defRPr sz="2800"/>
             </a:lvl2pPr>
-            <a:lvl3pPr marL="914400" indent="0">
+            <a:lvl3pPr marL="914378" indent="0">
               <a:buNone/>
               <a:defRPr sz="2400"/>
             </a:lvl3pPr>
-            <a:lvl4pPr marL="1371600" indent="0">
+            <a:lvl4pPr marL="1371566" indent="0">
               <a:buNone/>
               <a:defRPr sz="2000"/>
             </a:lvl4pPr>
-            <a:lvl5pPr marL="1828800" indent="0">
+            <a:lvl5pPr marL="1828754" indent="0">
               <a:buNone/>
               <a:defRPr sz="2000"/>
             </a:lvl5pPr>
-            <a:lvl6pPr marL="2286000" indent="0">
+            <a:lvl6pPr marL="2285943" indent="0">
               <a:buNone/>
               <a:defRPr sz="2000"/>
             </a:lvl6pPr>
-            <a:lvl7pPr marL="2743200" indent="0">
+            <a:lvl7pPr marL="2743132" indent="0">
               <a:buNone/>
               <a:defRPr sz="2000"/>
             </a:lvl7pPr>
-            <a:lvl8pPr marL="3200400" indent="0">
+            <a:lvl8pPr marL="3200320" indent="0">
               <a:buNone/>
               <a:defRPr sz="2000"/>
             </a:lvl8pPr>
-            <a:lvl9pPr marL="3657600" indent="0">
+            <a:lvl9pPr marL="3657509" indent="0">
               <a:buNone/>
               <a:defRPr sz="2000"/>
             </a:lvl9pPr>
           </a:lstStyle>
           <a:p>
             <a:r>
-              <a:rPr lang="zh-TW" altLang="en-US" smtClean="0"/>
-              <a:t>按一下圖示以新增圖片</a:t>
-            </a:r>
-            <a:endParaRPr lang="en-US"/>
-          </a:p>
-        </p:txBody>
-      </p:sp>
-      <p:sp>
-        <p:nvSpPr>
-          <p:cNvPr id="4" name="Text Placeholder 3"/>
+              <a:rPr lang="en-US" altLang="zh-TW" smtClean="0"/>
+              <a:t>Click icon to add picture</a:t>
+            </a:r>
+            <a:endParaRPr lang="zh-TW" altLang="en-US"/>
+          </a:p>
+        </p:txBody>
+      </p:sp>
+      <p:sp>
+        <p:nvSpPr>
+          <p:cNvPr id="4" name="文字版面配置區 3"/>
           <p:cNvSpPr>
             <a:spLocks noGrp="1"/>
           </p:cNvSpPr>
@@ -2396,8 +2470,8 @@
         </p:nvSpPr>
         <p:spPr>
           <a:xfrm>
-            <a:off x="1792288" y="5367338"/>
-            <a:ext cx="5486400" cy="804862"/>
+            <a:off x="2389717" y="5367340"/>
+            <a:ext cx="7315200" cy="804863"/>
           </a:xfrm>
         </p:spPr>
         <p:txBody>
@@ -2407,35 +2481,35 @@
               <a:buNone/>
               <a:defRPr sz="1400"/>
             </a:lvl1pPr>
-            <a:lvl2pPr marL="457200" indent="0">
+            <a:lvl2pPr marL="457189" indent="0">
               <a:buNone/>
               <a:defRPr sz="1200"/>
             </a:lvl2pPr>
-            <a:lvl3pPr marL="914400" indent="0">
+            <a:lvl3pPr marL="914378" indent="0">
               <a:buNone/>
               <a:defRPr sz="1000"/>
             </a:lvl3pPr>
-            <a:lvl4pPr marL="1371600" indent="0">
+            <a:lvl4pPr marL="1371566" indent="0">
               <a:buNone/>
               <a:defRPr sz="900"/>
             </a:lvl4pPr>
-            <a:lvl5pPr marL="1828800" indent="0">
+            <a:lvl5pPr marL="1828754" indent="0">
               <a:buNone/>
               <a:defRPr sz="900"/>
             </a:lvl5pPr>
-            <a:lvl6pPr marL="2286000" indent="0">
+            <a:lvl6pPr marL="2285943" indent="0">
               <a:buNone/>
               <a:defRPr sz="900"/>
             </a:lvl6pPr>
-            <a:lvl7pPr marL="2743200" indent="0">
+            <a:lvl7pPr marL="2743132" indent="0">
               <a:buNone/>
               <a:defRPr sz="900"/>
             </a:lvl7pPr>
-            <a:lvl8pPr marL="3200400" indent="0">
+            <a:lvl8pPr marL="3200320" indent="0">
               <a:buNone/>
               <a:defRPr sz="900"/>
             </a:lvl8pPr>
-            <a:lvl9pPr marL="3657600" indent="0">
+            <a:lvl9pPr marL="3657509" indent="0">
               <a:buNone/>
               <a:defRPr sz="900"/>
             </a:lvl9pPr>
@@ -2443,15 +2517,15 @@
           <a:p>
             <a:pPr lvl="0"/>
             <a:r>
-              <a:rPr lang="zh-TW" altLang="en-US" smtClean="0"/>
-              <a:t>按一下以編輯母片文字樣式</a:t>
-            </a:r>
-          </a:p>
-        </p:txBody>
-      </p:sp>
-      <p:sp>
-        <p:nvSpPr>
-          <p:cNvPr id="5" name="Date Placeholder 4"/>
+              <a:rPr lang="en-US" altLang="zh-TW" smtClean="0"/>
+              <a:t>Edit Master text styles</a:t>
+            </a:r>
+          </a:p>
+        </p:txBody>
+      </p:sp>
+      <p:sp>
+        <p:nvSpPr>
+          <p:cNvPr id="5" name="日期版面配置區 4"/>
           <p:cNvSpPr>
             <a:spLocks noGrp="1"/>
           </p:cNvSpPr>
@@ -2466,7 +2540,7 @@
           <a:p>
             <a:fld id="{CC72A746-FD8D-44D8-BA27-84318A2AC223}" type="datetimeFigureOut">
               <a:rPr lang="zh-TW" altLang="en-US" smtClean="0"/>
-              <a:t>2017/4/29</a:t>
+              <a:t>2021/5/26</a:t>
             </a:fld>
             <a:endParaRPr lang="zh-TW" altLang="en-US"/>
           </a:p>
@@ -2474,7 +2548,7 @@
       </p:sp>
       <p:sp>
         <p:nvSpPr>
-          <p:cNvPr id="6" name="Footer Placeholder 5"/>
+          <p:cNvPr id="6" name="頁尾版面配置區 5"/>
           <p:cNvSpPr>
             <a:spLocks noGrp="1"/>
           </p:cNvSpPr>
@@ -2493,7 +2567,7 @@
       </p:sp>
       <p:sp>
         <p:nvSpPr>
-          <p:cNvPr id="7" name="Slide Number Placeholder 6"/>
+          <p:cNvPr id="7" name="投影片編號版面配置區 6"/>
           <p:cNvSpPr>
             <a:spLocks noGrp="1"/>
           </p:cNvSpPr>
@@ -2515,6 +2589,11 @@
         </p:txBody>
       </p:sp>
     </p:spTree>
+    <p:extLst>
+      <p:ext uri="{BB962C8B-B14F-4D97-AF65-F5344CB8AC3E}">
+        <p14:creationId xmlns:p14="http://schemas.microsoft.com/office/powerpoint/2010/main" val="3302320333"/>
+      </p:ext>
+    </p:extLst>
   </p:cSld>
   <p:clrMapOvr>
     <a:masterClrMapping/>
@@ -2528,13 +2607,9 @@
     <p:bg>
       <p:bgPr>
         <a:blipFill dpi="0" rotWithShape="1">
-          <a:blip r:embed="rId13">
-            <a:lum/>
-          </a:blip>
+          <a:blip r:embed="rId13"/>
           <a:srcRect/>
-          <a:stretch>
-            <a:fillRect/>
-          </a:stretch>
+          <a:tile tx="0" ty="0" sx="100000" sy="100000" flip="none" algn="tl"/>
         </a:blipFill>
         <a:effectLst/>
       </p:bgPr>
@@ -2555,7 +2630,7 @@
       </p:grpSpPr>
       <p:sp>
         <p:nvSpPr>
-          <p:cNvPr id="2" name="Title Placeholder 1"/>
+          <p:cNvPr id="2" name="標題版面配置區 1"/>
           <p:cNvSpPr>
             <a:spLocks noGrp="1"/>
           </p:cNvSpPr>
@@ -2565,8 +2640,8 @@
         </p:nvSpPr>
         <p:spPr>
           <a:xfrm>
-            <a:off x="457200" y="274638"/>
-            <a:ext cx="8229600" cy="1143000"/>
+            <a:off x="609600" y="274639"/>
+            <a:ext cx="10972800" cy="1143000"/>
           </a:xfrm>
           <a:prstGeom prst="rect">
             <a:avLst/>
@@ -2582,13 +2657,13 @@
               <a:rPr lang="zh-TW" altLang="en-US" smtClean="0"/>
               <a:t>按一下以編輯母片標題樣式</a:t>
             </a:r>
-            <a:endParaRPr lang="en-US"/>
-          </a:p>
-        </p:txBody>
-      </p:sp>
-      <p:sp>
-        <p:nvSpPr>
-          <p:cNvPr id="3" name="Text Placeholder 2"/>
+            <a:endParaRPr lang="zh-TW" altLang="en-US"/>
+          </a:p>
+        </p:txBody>
+      </p:sp>
+      <p:sp>
+        <p:nvSpPr>
+          <p:cNvPr id="3" name="文字版面配置區 2"/>
           <p:cNvSpPr>
             <a:spLocks noGrp="1"/>
           </p:cNvSpPr>
@@ -2598,8 +2673,8 @@
         </p:nvSpPr>
         <p:spPr>
           <a:xfrm>
-            <a:off x="457200" y="1600200"/>
-            <a:ext cx="8229600" cy="4525963"/>
+            <a:off x="609600" y="1600203"/>
+            <a:ext cx="10972800" cy="4525963"/>
           </a:xfrm>
           <a:prstGeom prst="rect">
             <a:avLst/>
@@ -2644,13 +2719,13 @@
               <a:rPr lang="zh-TW" altLang="en-US" smtClean="0"/>
               <a:t>第五層</a:t>
             </a:r>
-            <a:endParaRPr lang="en-US"/>
-          </a:p>
-        </p:txBody>
-      </p:sp>
-      <p:sp>
-        <p:nvSpPr>
-          <p:cNvPr id="4" name="Date Placeholder 3"/>
+            <a:endParaRPr lang="zh-TW" altLang="en-US"/>
+          </a:p>
+        </p:txBody>
+      </p:sp>
+      <p:sp>
+        <p:nvSpPr>
+          <p:cNvPr id="4" name="日期版面配置區 3"/>
           <p:cNvSpPr>
             <a:spLocks noGrp="1"/>
           </p:cNvSpPr>
@@ -2660,8 +2735,8 @@
         </p:nvSpPr>
         <p:spPr>
           <a:xfrm>
-            <a:off x="457200" y="6356350"/>
-            <a:ext cx="2133600" cy="365125"/>
+            <a:off x="609600" y="6356353"/>
+            <a:ext cx="2844800" cy="365125"/>
           </a:xfrm>
           <a:prstGeom prst="rect">
             <a:avLst/>
@@ -2683,7 +2758,7 @@
           <a:p>
             <a:fld id="{CC72A746-FD8D-44D8-BA27-84318A2AC223}" type="datetimeFigureOut">
               <a:rPr lang="zh-TW" altLang="en-US" smtClean="0"/>
-              <a:t>2017/4/29</a:t>
+              <a:t>2021/5/26</a:t>
             </a:fld>
             <a:endParaRPr lang="zh-TW" altLang="en-US"/>
           </a:p>
@@ -2691,7 +2766,7 @@
       </p:sp>
       <p:sp>
         <p:nvSpPr>
-          <p:cNvPr id="5" name="Footer Placeholder 4"/>
+          <p:cNvPr id="5" name="頁尾版面配置區 4"/>
           <p:cNvSpPr>
             <a:spLocks noGrp="1"/>
           </p:cNvSpPr>
@@ -2701,8 +2776,8 @@
         </p:nvSpPr>
         <p:spPr>
           <a:xfrm>
-            <a:off x="3124200" y="6356350"/>
-            <a:ext cx="2895600" cy="365125"/>
+            <a:off x="4165600" y="6356353"/>
+            <a:ext cx="3860800" cy="365125"/>
           </a:xfrm>
           <a:prstGeom prst="rect">
             <a:avLst/>
@@ -2728,7 +2803,7 @@
       </p:sp>
       <p:sp>
         <p:nvSpPr>
-          <p:cNvPr id="6" name="Slide Number Placeholder 5"/>
+          <p:cNvPr id="6" name="投影片編號版面配置區 5"/>
           <p:cNvSpPr>
             <a:spLocks noGrp="1"/>
           </p:cNvSpPr>
@@ -2738,8 +2813,8 @@
         </p:nvSpPr>
         <p:spPr>
           <a:xfrm>
-            <a:off x="6553200" y="6356350"/>
-            <a:ext cx="2133600" cy="365125"/>
+            <a:off x="8737600" y="6356353"/>
+            <a:ext cx="2844800" cy="365125"/>
           </a:xfrm>
           <a:prstGeom prst="rect">
             <a:avLst/>
@@ -2768,24 +2843,29 @@
         </p:txBody>
       </p:sp>
     </p:spTree>
+    <p:extLst>
+      <p:ext uri="{BB962C8B-B14F-4D97-AF65-F5344CB8AC3E}">
+        <p14:creationId xmlns:p14="http://schemas.microsoft.com/office/powerpoint/2010/main" val="1788507392"/>
+      </p:ext>
+    </p:extLst>
   </p:cSld>
   <p:clrMap bg1="lt1" tx1="dk1" bg2="lt2" tx2="dk2" accent1="accent1" accent2="accent2" accent3="accent3" accent4="accent4" accent5="accent5" accent6="accent6" hlink="hlink" folHlink="folHlink"/>
   <p:sldLayoutIdLst>
-    <p:sldLayoutId id="2147483661" r:id="rId1"/>
-    <p:sldLayoutId id="2147483662" r:id="rId2"/>
-    <p:sldLayoutId id="2147483663" r:id="rId3"/>
-    <p:sldLayoutId id="2147483664" r:id="rId4"/>
-    <p:sldLayoutId id="2147483665" r:id="rId5"/>
-    <p:sldLayoutId id="2147483666" r:id="rId6"/>
-    <p:sldLayoutId id="2147483667" r:id="rId7"/>
-    <p:sldLayoutId id="2147483668" r:id="rId8"/>
-    <p:sldLayoutId id="2147483669" r:id="rId9"/>
-    <p:sldLayoutId id="2147483670" r:id="rId10"/>
-    <p:sldLayoutId id="2147483671" r:id="rId11"/>
+    <p:sldLayoutId id="2147483673" r:id="rId1"/>
+    <p:sldLayoutId id="2147483674" r:id="rId2"/>
+    <p:sldLayoutId id="2147483675" r:id="rId3"/>
+    <p:sldLayoutId id="2147483676" r:id="rId4"/>
+    <p:sldLayoutId id="2147483677" r:id="rId5"/>
+    <p:sldLayoutId id="2147483678" r:id="rId6"/>
+    <p:sldLayoutId id="2147483679" r:id="rId7"/>
+    <p:sldLayoutId id="2147483680" r:id="rId8"/>
+    <p:sldLayoutId id="2147483681" r:id="rId9"/>
+    <p:sldLayoutId id="2147483682" r:id="rId10"/>
+    <p:sldLayoutId id="2147483683" r:id="rId11"/>
   </p:sldLayoutIdLst>
   <p:txStyles>
     <p:titleStyle>
-      <a:lvl1pPr algn="ctr" defTabSz="914400" rtl="0" eaLnBrk="1" latinLnBrk="0" hangingPunct="1">
+      <a:lvl1pPr algn="ctr" defTabSz="914378" rtl="0" eaLnBrk="1" latinLnBrk="0" hangingPunct="1">
         <a:spcBef>
           <a:spcPct val="0"/>
         </a:spcBef>
@@ -2801,7 +2881,7 @@
       </a:lvl1pPr>
     </p:titleStyle>
     <p:bodyStyle>
-      <a:lvl1pPr marL="342900" indent="-342900" algn="l" defTabSz="914400" rtl="0" eaLnBrk="1" latinLnBrk="0" hangingPunct="1">
+      <a:lvl1pPr marL="342892" indent="-342892" algn="l" defTabSz="914378" rtl="0" eaLnBrk="1" latinLnBrk="0" hangingPunct="1">
         <a:spcBef>
           <a:spcPct val="20000"/>
         </a:spcBef>
@@ -2816,7 +2896,7 @@
           <a:cs typeface="+mn-cs"/>
         </a:defRPr>
       </a:lvl1pPr>
-      <a:lvl2pPr marL="742950" indent="-285750" algn="l" defTabSz="914400" rtl="0" eaLnBrk="1" latinLnBrk="0" hangingPunct="1">
+      <a:lvl2pPr marL="742931" indent="-285743" algn="l" defTabSz="914378" rtl="0" eaLnBrk="1" latinLnBrk="0" hangingPunct="1">
         <a:spcBef>
           <a:spcPct val="20000"/>
         </a:spcBef>
@@ -2831,7 +2911,7 @@
           <a:cs typeface="+mn-cs"/>
         </a:defRPr>
       </a:lvl2pPr>
-      <a:lvl3pPr marL="1143000" indent="-228600" algn="l" defTabSz="914400" rtl="0" eaLnBrk="1" latinLnBrk="0" hangingPunct="1">
+      <a:lvl3pPr marL="1142972" indent="-228594" algn="l" defTabSz="914378" rtl="0" eaLnBrk="1" latinLnBrk="0" hangingPunct="1">
         <a:spcBef>
           <a:spcPct val="20000"/>
         </a:spcBef>
@@ -2846,7 +2926,7 @@
           <a:cs typeface="+mn-cs"/>
         </a:defRPr>
       </a:lvl3pPr>
-      <a:lvl4pPr marL="1600200" indent="-228600" algn="l" defTabSz="914400" rtl="0" eaLnBrk="1" latinLnBrk="0" hangingPunct="1">
+      <a:lvl4pPr marL="1600160" indent="-228594" algn="l" defTabSz="914378" rtl="0" eaLnBrk="1" latinLnBrk="0" hangingPunct="1">
         <a:spcBef>
           <a:spcPct val="20000"/>
         </a:spcBef>
@@ -2861,7 +2941,7 @@
           <a:cs typeface="+mn-cs"/>
         </a:defRPr>
       </a:lvl4pPr>
-      <a:lvl5pPr marL="2057400" indent="-228600" algn="l" defTabSz="914400" rtl="0" eaLnBrk="1" latinLnBrk="0" hangingPunct="1">
+      <a:lvl5pPr marL="2057348" indent="-228594" algn="l" defTabSz="914378" rtl="0" eaLnBrk="1" latinLnBrk="0" hangingPunct="1">
         <a:spcBef>
           <a:spcPct val="20000"/>
         </a:spcBef>
@@ -2876,7 +2956,7 @@
           <a:cs typeface="+mn-cs"/>
         </a:defRPr>
       </a:lvl5pPr>
-      <a:lvl6pPr marL="2514600" indent="-228600" algn="l" defTabSz="914400" rtl="0" eaLnBrk="1" latinLnBrk="0" hangingPunct="1">
+      <a:lvl6pPr marL="2514537" indent="-228594" algn="l" defTabSz="914378" rtl="0" eaLnBrk="1" latinLnBrk="0" hangingPunct="1">
         <a:spcBef>
           <a:spcPct val="20000"/>
         </a:spcBef>
@@ -2891,7 +2971,7 @@
           <a:cs typeface="+mn-cs"/>
         </a:defRPr>
       </a:lvl6pPr>
-      <a:lvl7pPr marL="2971800" indent="-228600" algn="l" defTabSz="914400" rtl="0" eaLnBrk="1" latinLnBrk="0" hangingPunct="1">
+      <a:lvl7pPr marL="2971726" indent="-228594" algn="l" defTabSz="914378" rtl="0" eaLnBrk="1" latinLnBrk="0" hangingPunct="1">
         <a:spcBef>
           <a:spcPct val="20000"/>
         </a:spcBef>
@@ -2906,7 +2986,7 @@
           <a:cs typeface="+mn-cs"/>
         </a:defRPr>
       </a:lvl7pPr>
-      <a:lvl8pPr marL="3429000" indent="-228600" algn="l" defTabSz="914400" rtl="0" eaLnBrk="1" latinLnBrk="0" hangingPunct="1">
+      <a:lvl8pPr marL="3428915" indent="-228594" algn="l" defTabSz="914378" rtl="0" eaLnBrk="1" latinLnBrk="0" hangingPunct="1">
         <a:spcBef>
           <a:spcPct val="20000"/>
         </a:spcBef>
@@ -2921,7 +3001,7 @@
           <a:cs typeface="+mn-cs"/>
         </a:defRPr>
       </a:lvl8pPr>
-      <a:lvl9pPr marL="3886200" indent="-228600" algn="l" defTabSz="914400" rtl="0" eaLnBrk="1" latinLnBrk="0" hangingPunct="1">
+      <a:lvl9pPr marL="3886103" indent="-228594" algn="l" defTabSz="914378" rtl="0" eaLnBrk="1" latinLnBrk="0" hangingPunct="1">
         <a:spcBef>
           <a:spcPct val="20000"/>
         </a:spcBef>
@@ -2939,9 +3019,9 @@
     </p:bodyStyle>
     <p:otherStyle>
       <a:defPPr>
-        <a:defRPr lang="en-US"/>
+        <a:defRPr lang="zh-TW"/>
       </a:defPPr>
-      <a:lvl1pPr marL="0" algn="l" defTabSz="914400" rtl="0" eaLnBrk="1" latinLnBrk="0" hangingPunct="1">
+      <a:lvl1pPr marL="0" algn="l" defTabSz="914378" rtl="0" eaLnBrk="1" latinLnBrk="0" hangingPunct="1">
         <a:defRPr sz="1800" kern="1200">
           <a:solidFill>
             <a:schemeClr val="tx1"/>
@@ -2951,7 +3031,7 @@
           <a:cs typeface="+mn-cs"/>
         </a:defRPr>
       </a:lvl1pPr>
-      <a:lvl2pPr marL="457200" algn="l" defTabSz="914400" rtl="0" eaLnBrk="1" latinLnBrk="0" hangingPunct="1">
+      <a:lvl2pPr marL="457189" algn="l" defTabSz="914378" rtl="0" eaLnBrk="1" latinLnBrk="0" hangingPunct="1">
         <a:defRPr sz="1800" kern="1200">
           <a:solidFill>
             <a:schemeClr val="tx1"/>
@@ -2961,7 +3041,7 @@
           <a:cs typeface="+mn-cs"/>
         </a:defRPr>
       </a:lvl2pPr>
-      <a:lvl3pPr marL="914400" algn="l" defTabSz="914400" rtl="0" eaLnBrk="1" latinLnBrk="0" hangingPunct="1">
+      <a:lvl3pPr marL="914378" algn="l" defTabSz="914378" rtl="0" eaLnBrk="1" latinLnBrk="0" hangingPunct="1">
         <a:defRPr sz="1800" kern="1200">
           <a:solidFill>
             <a:schemeClr val="tx1"/>
@@ -2971,7 +3051,7 @@
           <a:cs typeface="+mn-cs"/>
         </a:defRPr>
       </a:lvl3pPr>
-      <a:lvl4pPr marL="1371600" algn="l" defTabSz="914400" rtl="0" eaLnBrk="1" latinLnBrk="0" hangingPunct="1">
+      <a:lvl4pPr marL="1371566" algn="l" defTabSz="914378" rtl="0" eaLnBrk="1" latinLnBrk="0" hangingPunct="1">
         <a:defRPr sz="1800" kern="1200">
           <a:solidFill>
             <a:schemeClr val="tx1"/>
@@ -2981,7 +3061,7 @@
           <a:cs typeface="+mn-cs"/>
         </a:defRPr>
       </a:lvl4pPr>
-      <a:lvl5pPr marL="1828800" algn="l" defTabSz="914400" rtl="0" eaLnBrk="1" latinLnBrk="0" hangingPunct="1">
+      <a:lvl5pPr marL="1828754" algn="l" defTabSz="914378" rtl="0" eaLnBrk="1" latinLnBrk="0" hangingPunct="1">
         <a:defRPr sz="1800" kern="1200">
           <a:solidFill>
             <a:schemeClr val="tx1"/>
@@ -2991,7 +3071,7 @@
           <a:cs typeface="+mn-cs"/>
         </a:defRPr>
       </a:lvl5pPr>
-      <a:lvl6pPr marL="2286000" algn="l" defTabSz="914400" rtl="0" eaLnBrk="1" latinLnBrk="0" hangingPunct="1">
+      <a:lvl6pPr marL="2285943" algn="l" defTabSz="914378" rtl="0" eaLnBrk="1" latinLnBrk="0" hangingPunct="1">
         <a:defRPr sz="1800" kern="1200">
           <a:solidFill>
             <a:schemeClr val="tx1"/>
@@ -3001,7 +3081,7 @@
           <a:cs typeface="+mn-cs"/>
         </a:defRPr>
       </a:lvl6pPr>
-      <a:lvl7pPr marL="2743200" algn="l" defTabSz="914400" rtl="0" eaLnBrk="1" latinLnBrk="0" hangingPunct="1">
+      <a:lvl7pPr marL="2743132" algn="l" defTabSz="914378" rtl="0" eaLnBrk="1" latinLnBrk="0" hangingPunct="1">
         <a:defRPr sz="1800" kern="1200">
           <a:solidFill>
             <a:schemeClr val="tx1"/>
@@ -3011,7 +3091,7 @@
           <a:cs typeface="+mn-cs"/>
         </a:defRPr>
       </a:lvl7pPr>
-      <a:lvl8pPr marL="3200400" algn="l" defTabSz="914400" rtl="0" eaLnBrk="1" latinLnBrk="0" hangingPunct="1">
+      <a:lvl8pPr marL="3200320" algn="l" defTabSz="914378" rtl="0" eaLnBrk="1" latinLnBrk="0" hangingPunct="1">
         <a:defRPr sz="1800" kern="1200">
           <a:solidFill>
             <a:schemeClr val="tx1"/>
@@ -3021,7 +3101,7 @@
           <a:cs typeface="+mn-cs"/>
         </a:defRPr>
       </a:lvl8pPr>
-      <a:lvl9pPr marL="3657600" algn="l" defTabSz="914400" rtl="0" eaLnBrk="1" latinLnBrk="0" hangingPunct="1">
+      <a:lvl9pPr marL="3657509" algn="l" defTabSz="914378" rtl="0" eaLnBrk="1" latinLnBrk="0" hangingPunct="1">
         <a:defRPr sz="1800" kern="1200">
           <a:solidFill>
             <a:schemeClr val="tx1"/>
@@ -3063,113 +3143,827 @@
             <p:ph type="title"/>
           </p:nvPr>
         </p:nvSpPr>
-        <p:spPr/>
-        <p:txBody>
-          <a:bodyPr/>
-          <a:lstStyle/>
-          <a:p>
-            <a:r>
-              <a:rPr lang="zh-TW" altLang="en-US" dirty="0"/>
-              <a:t>祢最喜悅的敬拜</a:t>
-            </a:r>
-          </a:p>
-        </p:txBody>
-      </p:sp>
-      <p:sp>
-        <p:nvSpPr>
-          <p:cNvPr id="5" name="內容版面配置區 4"/>
-          <p:cNvSpPr>
-            <a:spLocks noGrp="1"/>
-          </p:cNvSpPr>
-          <p:nvPr>
-            <p:ph idx="1"/>
-          </p:nvPr>
-        </p:nvSpPr>
-        <p:spPr/>
+        <p:spPr>
+          <a:xfrm>
+            <a:off x="0" y="2660915"/>
+            <a:ext cx="12192000" cy="1143000"/>
+          </a:xfrm>
+        </p:spPr>
         <p:txBody>
           <a:bodyPr>
             <a:noAutofit/>
           </a:bodyPr>
           <a:lstStyle/>
           <a:p>
+            <a:r>
+              <a:rPr lang="zh-TW" altLang="en-US" sz="7200" b="1" i="1" dirty="0">
+                <a:solidFill>
+                  <a:srgbClr val="660033"/>
+                </a:solidFill>
+                <a:effectLst>
+                  <a:outerShdw blurRad="38100" dist="38100" dir="2700000" algn="tl">
+                    <a:srgbClr val="000000">
+                      <a:alpha val="43137"/>
+                    </a:srgbClr>
+                  </a:outerShdw>
+                </a:effectLst>
+                <a:latin typeface="微軟正黑體" pitchFamily="34" charset="-120"/>
+                <a:ea typeface="微軟正黑體" pitchFamily="34" charset="-120"/>
+              </a:rPr>
+              <a:t>祢</a:t>
+            </a:r>
+            <a:r>
+              <a:rPr lang="zh-TW" altLang="en-US" sz="7200" b="1" i="1" dirty="0">
+                <a:solidFill>
+                  <a:srgbClr val="660033"/>
+                </a:solidFill>
+                <a:effectLst>
+                  <a:outerShdw blurRad="38100" dist="38100" dir="2700000" algn="tl">
+                    <a:srgbClr val="000000">
+                      <a:alpha val="43137"/>
+                    </a:srgbClr>
+                  </a:outerShdw>
+                </a:effectLst>
+                <a:latin typeface="微軟正黑體" pitchFamily="34" charset="-120"/>
+                <a:ea typeface="微軟正黑體" pitchFamily="34" charset="-120"/>
+              </a:rPr>
+              <a:t>最喜悅的敬拜</a:t>
+            </a:r>
+          </a:p>
+        </p:txBody>
+      </p:sp>
+    </p:spTree>
+    <p:extLst>
+      <p:ext uri="{BB962C8B-B14F-4D97-AF65-F5344CB8AC3E}">
+        <p14:creationId xmlns:p14="http://schemas.microsoft.com/office/powerpoint/2010/main" val="2537991689"/>
+      </p:ext>
+    </p:extLst>
+  </p:cSld>
+  <p:clrMapOvr>
+    <a:masterClrMapping/>
+  </p:clrMapOvr>
+</p:sld>
+</file>
+
+<file path=ppt/slides/slide10.xml><?xml version="1.0" encoding="utf-8"?>
+<p:sld xmlns:a="http://schemas.openxmlformats.org/drawingml/2006/main" xmlns:r="http://schemas.openxmlformats.org/officeDocument/2006/relationships" xmlns:p="http://schemas.openxmlformats.org/presentationml/2006/main">
+  <p:cSld>
+    <p:spTree>
+      <p:nvGrpSpPr>
+        <p:cNvPr id="1" name=""/>
+        <p:cNvGrpSpPr/>
+        <p:nvPr/>
+      </p:nvGrpSpPr>
+      <p:grpSpPr>
+        <a:xfrm>
+          <a:off x="0" y="0"/>
+          <a:ext cx="0" cy="0"/>
+          <a:chOff x="0" y="0"/>
+          <a:chExt cx="0" cy="0"/>
+        </a:xfrm>
+      </p:grpSpPr>
+      <p:sp>
+        <p:nvSpPr>
+          <p:cNvPr id="5" name="內容版面配置區 4"/>
+          <p:cNvSpPr>
+            <a:spLocks noGrp="1"/>
+          </p:cNvSpPr>
+          <p:nvPr>
+            <p:ph idx="1"/>
+          </p:nvPr>
+        </p:nvSpPr>
+        <p:spPr>
+          <a:xfrm>
+            <a:off x="0" y="2084851"/>
+            <a:ext cx="12192000" cy="2404863"/>
+          </a:xfrm>
+        </p:spPr>
+        <p:txBody>
+          <a:bodyPr anchor="ctr">
+            <a:normAutofit/>
+          </a:bodyPr>
+          <a:lstStyle/>
+          <a:p>
             <a:pPr algn="ctr">
               <a:buNone/>
             </a:pPr>
             <a:r>
-              <a:rPr lang="zh-TW" altLang="en-US" sz="5400" dirty="0"/>
-              <a:t>我願奉上 最好的作禮物</a:t>
-            </a:r>
-            <a:r>
-              <a:rPr lang="en-US" sz="5400" dirty="0"/>
-              <a:t> </a:t>
-            </a:r>
-            <a:endParaRPr lang="en-US" sz="5400" dirty="0" smtClean="0"/>
+              <a:rPr lang="zh-TW" altLang="en-US" sz="6400" b="1" dirty="0">
+                <a:solidFill>
+                  <a:srgbClr val="660033"/>
+                </a:solidFill>
+                <a:latin typeface="微軟正黑體" pitchFamily="34" charset="-120"/>
+                <a:ea typeface="微軟正黑體" pitchFamily="34" charset="-120"/>
+              </a:rPr>
+              <a:t>深知祢所喜愛</a:t>
+            </a:r>
+            <a:endParaRPr lang="en-US" altLang="zh-TW" sz="6400" b="1" dirty="0">
+              <a:solidFill>
+                <a:srgbClr val="660033"/>
+              </a:solidFill>
+              <a:latin typeface="微軟正黑體" pitchFamily="34" charset="-120"/>
+              <a:ea typeface="微軟正黑體" pitchFamily="34" charset="-120"/>
+            </a:endParaRPr>
           </a:p>
           <a:p>
             <a:pPr algn="ctr">
               <a:buNone/>
             </a:pPr>
             <a:r>
-              <a:rPr lang="zh-TW" altLang="en-US" sz="5400" dirty="0" smtClean="0"/>
-              <a:t>唯</a:t>
-            </a:r>
-            <a:r>
-              <a:rPr lang="zh-TW" altLang="en-US" sz="5400" dirty="0"/>
-              <a:t>求讓</a:t>
-            </a:r>
-            <a:r>
-              <a:rPr lang="zh-TW" altLang="en-US" sz="5400" dirty="0" smtClean="0"/>
-              <a:t>我 滿足</a:t>
-            </a:r>
-            <a:r>
-              <a:rPr lang="zh-TW" altLang="en-US" sz="5400" dirty="0"/>
-              <a:t>主祢</a:t>
-            </a:r>
-            <a:r>
-              <a:rPr lang="zh-TW" altLang="en-US" sz="5400" dirty="0" smtClean="0"/>
-              <a:t>心</a:t>
-            </a:r>
-            <a:endParaRPr lang="en-US" altLang="zh-TW" sz="5400" dirty="0" smtClean="0"/>
-          </a:p>
+              <a:rPr lang="zh-TW" altLang="en-US" sz="6400" b="1" dirty="0">
+                <a:solidFill>
+                  <a:srgbClr val="660033"/>
+                </a:solidFill>
+                <a:latin typeface="微軟正黑體" pitchFamily="34" charset="-120"/>
+                <a:ea typeface="微軟正黑體" pitchFamily="34" charset="-120"/>
+              </a:rPr>
+              <a:t>卻是以心靈獻奉給祢</a:t>
+            </a:r>
+            <a:endParaRPr lang="en-US" altLang="zh-TW" sz="6400" b="1" dirty="0">
+              <a:solidFill>
+                <a:srgbClr val="660033"/>
+              </a:solidFill>
+              <a:latin typeface="微軟正黑體" pitchFamily="34" charset="-120"/>
+              <a:ea typeface="微軟正黑體" pitchFamily="34" charset="-120"/>
+            </a:endParaRPr>
+          </a:p>
+        </p:txBody>
+      </p:sp>
+      <p:sp>
+        <p:nvSpPr>
+          <p:cNvPr id="3" name="TextBox 2"/>
+          <p:cNvSpPr txBox="1"/>
+          <p:nvPr/>
+        </p:nvSpPr>
+        <p:spPr>
+          <a:xfrm>
+            <a:off x="0" y="5061182"/>
+            <a:ext cx="12192000" cy="830997"/>
+          </a:xfrm>
+          <a:prstGeom prst="rect">
+            <a:avLst/>
+          </a:prstGeom>
+          <a:noFill/>
+        </p:spPr>
+        <p:txBody>
+          <a:bodyPr wrap="square" rtlCol="0">
+            <a:spAutoFit/>
+          </a:bodyPr>
+          <a:lstStyle/>
+          <a:p>
+            <a:pPr algn="ctr"/>
+            <a:r>
+              <a:rPr lang="en-US" sz="4800" b="1" dirty="0">
+                <a:solidFill>
+                  <a:srgbClr val="660033"/>
+                </a:solidFill>
+              </a:rPr>
+              <a:t>( 2 )</a:t>
+            </a:r>
+            <a:endParaRPr lang="vi-VN" sz="4800" b="1" dirty="0">
+              <a:solidFill>
+                <a:srgbClr val="660033"/>
+              </a:solidFill>
+            </a:endParaRPr>
+          </a:p>
+        </p:txBody>
+      </p:sp>
+    </p:spTree>
+    <p:extLst>
+      <p:ext uri="{BB962C8B-B14F-4D97-AF65-F5344CB8AC3E}">
+        <p14:creationId xmlns:p14="http://schemas.microsoft.com/office/powerpoint/2010/main" val="1395443909"/>
+      </p:ext>
+    </p:extLst>
+  </p:cSld>
+  <p:clrMapOvr>
+    <a:masterClrMapping/>
+  </p:clrMapOvr>
+</p:sld>
+</file>
+
+<file path=ppt/slides/slide11.xml><?xml version="1.0" encoding="utf-8"?>
+<p:sld xmlns:a="http://schemas.openxmlformats.org/drawingml/2006/main" xmlns:r="http://schemas.openxmlformats.org/officeDocument/2006/relationships" xmlns:p="http://schemas.openxmlformats.org/presentationml/2006/main">
+  <p:cSld>
+    <p:spTree>
+      <p:nvGrpSpPr>
+        <p:cNvPr id="1" name=""/>
+        <p:cNvGrpSpPr/>
+        <p:nvPr/>
+      </p:nvGrpSpPr>
+      <p:grpSpPr>
+        <a:xfrm>
+          <a:off x="0" y="0"/>
+          <a:ext cx="0" cy="0"/>
+          <a:chOff x="0" y="0"/>
+          <a:chExt cx="0" cy="0"/>
+        </a:xfrm>
+      </p:grpSpPr>
+      <p:sp>
+        <p:nvSpPr>
+          <p:cNvPr id="5" name="內容版面配置區 4"/>
+          <p:cNvSpPr>
+            <a:spLocks noGrp="1"/>
+          </p:cNvSpPr>
+          <p:nvPr>
+            <p:ph idx="1"/>
+          </p:nvPr>
+        </p:nvSpPr>
+        <p:spPr>
+          <a:xfrm>
+            <a:off x="0" y="2084851"/>
+            <a:ext cx="12192000" cy="2404863"/>
+          </a:xfrm>
+        </p:spPr>
+        <p:txBody>
+          <a:bodyPr anchor="ctr">
+            <a:normAutofit/>
+          </a:bodyPr>
+          <a:lstStyle/>
           <a:p>
             <a:pPr algn="ctr">
               <a:buNone/>
             </a:pPr>
             <a:r>
-              <a:rPr lang="zh-TW" altLang="en-US" sz="5400" dirty="0" smtClean="0"/>
+              <a:rPr lang="zh-TW" altLang="en-US" sz="6400" b="1" dirty="0">
+                <a:solidFill>
+                  <a:srgbClr val="660033"/>
+                </a:solidFill>
+                <a:latin typeface="微軟正黑體" pitchFamily="34" charset="-120"/>
+                <a:ea typeface="微軟正黑體" pitchFamily="34" charset="-120"/>
+              </a:rPr>
+              <a:t>成為祢</a:t>
+            </a:r>
+            <a:endParaRPr lang="en-US" altLang="zh-TW" sz="6400" b="1" dirty="0">
+              <a:solidFill>
+                <a:srgbClr val="660033"/>
+              </a:solidFill>
+              <a:latin typeface="微軟正黑體" pitchFamily="34" charset="-120"/>
+              <a:ea typeface="微軟正黑體" pitchFamily="34" charset="-120"/>
+            </a:endParaRPr>
+          </a:p>
+          <a:p>
+            <a:pPr algn="ctr">
+              <a:buNone/>
+            </a:pPr>
+            <a:r>
+              <a:rPr lang="zh-TW" altLang="en-US" sz="6400" b="1" dirty="0">
+                <a:solidFill>
+                  <a:srgbClr val="660033"/>
+                </a:solidFill>
+                <a:latin typeface="微軟正黑體" pitchFamily="34" charset="-120"/>
+                <a:ea typeface="微軟正黑體" pitchFamily="34" charset="-120"/>
+              </a:rPr>
+              <a:t>最欣賞喜悅的敬拜</a:t>
+            </a:r>
+            <a:endParaRPr lang="zh-TW" altLang="en-US" sz="6400" b="1" dirty="0">
+              <a:solidFill>
+                <a:srgbClr val="660033"/>
+              </a:solidFill>
+              <a:latin typeface="微軟正黑體" pitchFamily="34" charset="-120"/>
+              <a:ea typeface="微軟正黑體" pitchFamily="34" charset="-120"/>
+            </a:endParaRPr>
+          </a:p>
+        </p:txBody>
+      </p:sp>
+      <p:sp>
+        <p:nvSpPr>
+          <p:cNvPr id="3" name="TextBox 2"/>
+          <p:cNvSpPr txBox="1"/>
+          <p:nvPr/>
+        </p:nvSpPr>
+        <p:spPr>
+          <a:xfrm>
+            <a:off x="0" y="5061182"/>
+            <a:ext cx="12192000" cy="830997"/>
+          </a:xfrm>
+          <a:prstGeom prst="rect">
+            <a:avLst/>
+          </a:prstGeom>
+          <a:noFill/>
+        </p:spPr>
+        <p:txBody>
+          <a:bodyPr wrap="square" rtlCol="0">
+            <a:spAutoFit/>
+          </a:bodyPr>
+          <a:lstStyle/>
+          <a:p>
+            <a:pPr algn="ctr"/>
+            <a:r>
+              <a:rPr lang="en-US" sz="4800" b="1" dirty="0">
+                <a:solidFill>
+                  <a:srgbClr val="660033"/>
+                </a:solidFill>
+              </a:rPr>
+              <a:t>( 2 )</a:t>
+            </a:r>
+            <a:endParaRPr lang="vi-VN" sz="4800" b="1" dirty="0">
+              <a:solidFill>
+                <a:srgbClr val="660033"/>
+              </a:solidFill>
+            </a:endParaRPr>
+          </a:p>
+        </p:txBody>
+      </p:sp>
+    </p:spTree>
+    <p:extLst>
+      <p:ext uri="{BB962C8B-B14F-4D97-AF65-F5344CB8AC3E}">
+        <p14:creationId xmlns:p14="http://schemas.microsoft.com/office/powerpoint/2010/main" val="2089314195"/>
+      </p:ext>
+    </p:extLst>
+  </p:cSld>
+  <p:clrMapOvr>
+    <a:masterClrMapping/>
+  </p:clrMapOvr>
+</p:sld>
+</file>
+
+<file path=ppt/slides/slide12.xml><?xml version="1.0" encoding="utf-8"?>
+<p:sld xmlns:a="http://schemas.openxmlformats.org/drawingml/2006/main" xmlns:r="http://schemas.openxmlformats.org/officeDocument/2006/relationships" xmlns:p="http://schemas.openxmlformats.org/presentationml/2006/main">
+  <p:cSld>
+    <p:spTree>
+      <p:nvGrpSpPr>
+        <p:cNvPr id="1" name=""/>
+        <p:cNvGrpSpPr/>
+        <p:nvPr/>
+      </p:nvGrpSpPr>
+      <p:grpSpPr>
+        <a:xfrm>
+          <a:off x="0" y="0"/>
+          <a:ext cx="0" cy="0"/>
+          <a:chOff x="0" y="0"/>
+          <a:chExt cx="0" cy="0"/>
+        </a:xfrm>
+      </p:grpSpPr>
+      <p:sp>
+        <p:nvSpPr>
+          <p:cNvPr id="5" name="內容版面配置區 4"/>
+          <p:cNvSpPr>
+            <a:spLocks noGrp="1"/>
+          </p:cNvSpPr>
+          <p:nvPr>
+            <p:ph idx="1"/>
+          </p:nvPr>
+        </p:nvSpPr>
+        <p:spPr>
+          <a:xfrm>
+            <a:off x="0" y="2084851"/>
+            <a:ext cx="12192000" cy="2404863"/>
+          </a:xfrm>
+        </p:spPr>
+        <p:txBody>
+          <a:bodyPr anchor="ctr">
+            <a:normAutofit/>
+          </a:bodyPr>
+          <a:lstStyle/>
+          <a:p>
+            <a:pPr algn="ctr">
+              <a:buNone/>
+            </a:pPr>
+            <a:r>
+              <a:rPr lang="zh-TW" altLang="en-US" sz="6400" b="1" dirty="0">
+                <a:solidFill>
+                  <a:srgbClr val="660033"/>
+                </a:solidFill>
+                <a:latin typeface="微軟正黑體" pitchFamily="34" charset="-120"/>
+                <a:ea typeface="微軟正黑體" pitchFamily="34" charset="-120"/>
+              </a:rPr>
+              <a:t>施恩典的上</a:t>
+            </a:r>
+            <a:r>
+              <a:rPr lang="zh-TW" altLang="en-US" sz="6400" b="1" dirty="0">
+                <a:solidFill>
+                  <a:srgbClr val="660033"/>
+                </a:solidFill>
+                <a:latin typeface="微軟正黑體" pitchFamily="34" charset="-120"/>
+                <a:ea typeface="微軟正黑體" pitchFamily="34" charset="-120"/>
+              </a:rPr>
+              <a:t>帝</a:t>
+            </a:r>
+            <a:r>
+              <a:rPr lang="en-US" altLang="zh-TW" sz="6400" b="1" dirty="0">
+                <a:solidFill>
+                  <a:srgbClr val="660033"/>
+                </a:solidFill>
+                <a:latin typeface="微軟正黑體" pitchFamily="34" charset="-120"/>
+                <a:ea typeface="微軟正黑體" pitchFamily="34" charset="-120"/>
+              </a:rPr>
+              <a:t>  </a:t>
+            </a:r>
+            <a:r>
+              <a:rPr lang="zh-TW" altLang="en-US" sz="6400" b="1" dirty="0">
+                <a:solidFill>
+                  <a:srgbClr val="660033"/>
+                </a:solidFill>
+                <a:latin typeface="微軟正黑體" pitchFamily="34" charset="-120"/>
+                <a:ea typeface="微軟正黑體" pitchFamily="34" charset="-120"/>
+              </a:rPr>
+              <a:t>創</a:t>
+            </a:r>
+            <a:r>
+              <a:rPr lang="zh-TW" altLang="en-US" sz="6400" b="1" dirty="0">
+                <a:solidFill>
+                  <a:srgbClr val="660033"/>
+                </a:solidFill>
+                <a:latin typeface="微軟正黑體" pitchFamily="34" charset="-120"/>
+                <a:ea typeface="微軟正黑體" pitchFamily="34" charset="-120"/>
+              </a:rPr>
+              <a:t>造世間一切</a:t>
+            </a:r>
+            <a:endParaRPr lang="en-US" altLang="zh-TW" sz="6400" b="1" dirty="0">
+              <a:solidFill>
+                <a:srgbClr val="660033"/>
+              </a:solidFill>
+              <a:latin typeface="微軟正黑體" pitchFamily="34" charset="-120"/>
+              <a:ea typeface="微軟正黑體" pitchFamily="34" charset="-120"/>
+            </a:endParaRPr>
+          </a:p>
+          <a:p>
+            <a:pPr algn="ctr">
+              <a:buNone/>
+            </a:pPr>
+            <a:r>
+              <a:rPr lang="zh-TW" altLang="en-US" sz="6400" b="1" dirty="0">
+                <a:solidFill>
+                  <a:srgbClr val="660033"/>
+                </a:solidFill>
+                <a:latin typeface="微軟正黑體" pitchFamily="34" charset="-120"/>
+                <a:ea typeface="微軟正黑體" pitchFamily="34" charset="-120"/>
+              </a:rPr>
+              <a:t>雙手掌管所</a:t>
+            </a:r>
+            <a:r>
+              <a:rPr lang="zh-TW" altLang="en-US" sz="6400" b="1" dirty="0">
+                <a:solidFill>
+                  <a:srgbClr val="660033"/>
+                </a:solidFill>
+                <a:latin typeface="微軟正黑體" pitchFamily="34" charset="-120"/>
+                <a:ea typeface="微軟正黑體" pitchFamily="34" charset="-120"/>
+              </a:rPr>
+              <a:t>有</a:t>
+            </a:r>
+            <a:r>
+              <a:rPr lang="en-US" altLang="zh-TW" sz="6400" b="1" dirty="0">
+                <a:solidFill>
+                  <a:srgbClr val="660033"/>
+                </a:solidFill>
+                <a:latin typeface="微軟正黑體" pitchFamily="34" charset="-120"/>
+                <a:ea typeface="微軟正黑體" pitchFamily="34" charset="-120"/>
+              </a:rPr>
+              <a:t>  </a:t>
+            </a:r>
+            <a:r>
+              <a:rPr lang="zh-TW" altLang="en-US" sz="6400" b="1" dirty="0">
+                <a:solidFill>
+                  <a:srgbClr val="660033"/>
+                </a:solidFill>
+                <a:latin typeface="微軟正黑體" pitchFamily="34" charset="-120"/>
+                <a:ea typeface="微軟正黑體" pitchFamily="34" charset="-120"/>
+              </a:rPr>
+              <a:t>並</a:t>
+            </a:r>
+            <a:r>
+              <a:rPr lang="zh-TW" altLang="en-US" sz="6400" b="1" dirty="0">
+                <a:solidFill>
+                  <a:srgbClr val="660033"/>
+                </a:solidFill>
+                <a:latin typeface="微軟正黑體" pitchFamily="34" charset="-120"/>
+                <a:ea typeface="微軟正黑體" pitchFamily="34" charset="-120"/>
+              </a:rPr>
+              <a:t>沒有所缺少</a:t>
+            </a:r>
+          </a:p>
+        </p:txBody>
+      </p:sp>
+      <p:sp>
+        <p:nvSpPr>
+          <p:cNvPr id="3" name="TextBox 2"/>
+          <p:cNvSpPr txBox="1"/>
+          <p:nvPr/>
+        </p:nvSpPr>
+        <p:spPr>
+          <a:xfrm>
+            <a:off x="0" y="5061182"/>
+            <a:ext cx="12192000" cy="830997"/>
+          </a:xfrm>
+          <a:prstGeom prst="rect">
+            <a:avLst/>
+          </a:prstGeom>
+          <a:noFill/>
+        </p:spPr>
+        <p:txBody>
+          <a:bodyPr wrap="square" rtlCol="0">
+            <a:spAutoFit/>
+          </a:bodyPr>
+          <a:lstStyle/>
+          <a:p>
+            <a:pPr algn="ctr"/>
+            <a:r>
+              <a:rPr lang="en-US" sz="4800" b="1" dirty="0">
+                <a:solidFill>
+                  <a:srgbClr val="660033"/>
+                </a:solidFill>
+              </a:rPr>
+              <a:t>( 3 )</a:t>
+            </a:r>
+            <a:endParaRPr lang="vi-VN" sz="4800" b="1" dirty="0">
+              <a:solidFill>
+                <a:srgbClr val="660033"/>
+              </a:solidFill>
+            </a:endParaRPr>
+          </a:p>
+        </p:txBody>
+      </p:sp>
+    </p:spTree>
+    <p:extLst>
+      <p:ext uri="{BB962C8B-B14F-4D97-AF65-F5344CB8AC3E}">
+        <p14:creationId xmlns:p14="http://schemas.microsoft.com/office/powerpoint/2010/main" val="509441241"/>
+      </p:ext>
+    </p:extLst>
+  </p:cSld>
+  <p:clrMapOvr>
+    <a:masterClrMapping/>
+  </p:clrMapOvr>
+</p:sld>
+</file>
+
+<file path=ppt/slides/slide13.xml><?xml version="1.0" encoding="utf-8"?>
+<p:sld xmlns:a="http://schemas.openxmlformats.org/drawingml/2006/main" xmlns:r="http://schemas.openxmlformats.org/officeDocument/2006/relationships" xmlns:p="http://schemas.openxmlformats.org/presentationml/2006/main">
+  <p:cSld>
+    <p:spTree>
+      <p:nvGrpSpPr>
+        <p:cNvPr id="1" name=""/>
+        <p:cNvGrpSpPr/>
+        <p:nvPr/>
+      </p:nvGrpSpPr>
+      <p:grpSpPr>
+        <a:xfrm>
+          <a:off x="0" y="0"/>
+          <a:ext cx="0" cy="0"/>
+          <a:chOff x="0" y="0"/>
+          <a:chExt cx="0" cy="0"/>
+        </a:xfrm>
+      </p:grpSpPr>
+      <p:sp>
+        <p:nvSpPr>
+          <p:cNvPr id="5" name="內容版面配置區 4"/>
+          <p:cNvSpPr>
+            <a:spLocks noGrp="1"/>
+          </p:cNvSpPr>
+          <p:nvPr>
+            <p:ph idx="1"/>
+          </p:nvPr>
+        </p:nvSpPr>
+        <p:spPr>
+          <a:xfrm>
+            <a:off x="0" y="2084851"/>
+            <a:ext cx="12192000" cy="2404863"/>
+          </a:xfrm>
+        </p:spPr>
+        <p:txBody>
+          <a:bodyPr anchor="ctr">
+            <a:normAutofit/>
+          </a:bodyPr>
+          <a:lstStyle/>
+          <a:p>
+            <a:pPr algn="ctr">
+              <a:buNone/>
+            </a:pPr>
+            <a:r>
+              <a:rPr lang="zh-TW" altLang="en-US" sz="6400" b="1" dirty="0">
+                <a:solidFill>
+                  <a:srgbClr val="660033"/>
+                </a:solidFill>
+                <a:latin typeface="微軟正黑體" pitchFamily="34" charset="-120"/>
+                <a:ea typeface="微軟正黑體" pitchFamily="34" charset="-120"/>
+              </a:rPr>
+              <a:t>恩主祢最喜愛</a:t>
+            </a:r>
+            <a:endParaRPr lang="en-US" altLang="zh-TW" sz="6400" b="1" dirty="0">
+              <a:solidFill>
+                <a:srgbClr val="660033"/>
+              </a:solidFill>
+              <a:latin typeface="微軟正黑體" pitchFamily="34" charset="-120"/>
+              <a:ea typeface="微軟正黑體" pitchFamily="34" charset="-120"/>
+            </a:endParaRPr>
+          </a:p>
+          <a:p>
+            <a:pPr algn="ctr">
+              <a:buNone/>
+            </a:pPr>
+            <a:r>
+              <a:rPr lang="zh-TW" altLang="en-US" sz="6400" b="1" dirty="0">
+                <a:solidFill>
+                  <a:srgbClr val="660033"/>
+                </a:solidFill>
+                <a:latin typeface="微軟正黑體" pitchFamily="34" charset="-120"/>
+                <a:ea typeface="微軟正黑體" pitchFamily="34" charset="-120"/>
+              </a:rPr>
+              <a:t>是我沒有保留將心歸祢</a:t>
+            </a:r>
+            <a:endParaRPr lang="en-US" altLang="zh-TW" sz="6400" b="1" dirty="0">
+              <a:solidFill>
+                <a:srgbClr val="660033"/>
+              </a:solidFill>
+              <a:latin typeface="微軟正黑體" pitchFamily="34" charset="-120"/>
+              <a:ea typeface="微軟正黑體" pitchFamily="34" charset="-120"/>
+            </a:endParaRPr>
+          </a:p>
+        </p:txBody>
+      </p:sp>
+      <p:sp>
+        <p:nvSpPr>
+          <p:cNvPr id="3" name="TextBox 2"/>
+          <p:cNvSpPr txBox="1"/>
+          <p:nvPr/>
+        </p:nvSpPr>
+        <p:spPr>
+          <a:xfrm>
+            <a:off x="0" y="5061182"/>
+            <a:ext cx="12192000" cy="830997"/>
+          </a:xfrm>
+          <a:prstGeom prst="rect">
+            <a:avLst/>
+          </a:prstGeom>
+          <a:noFill/>
+        </p:spPr>
+        <p:txBody>
+          <a:bodyPr wrap="square" rtlCol="0">
+            <a:spAutoFit/>
+          </a:bodyPr>
+          <a:lstStyle/>
+          <a:p>
+            <a:pPr algn="ctr"/>
+            <a:r>
+              <a:rPr lang="en-US" sz="4800" b="1" dirty="0">
+                <a:solidFill>
+                  <a:srgbClr val="660033"/>
+                </a:solidFill>
+              </a:rPr>
+              <a:t>( 3 )</a:t>
+            </a:r>
+            <a:endParaRPr lang="vi-VN" sz="4800" b="1" dirty="0">
+              <a:solidFill>
+                <a:srgbClr val="660033"/>
+              </a:solidFill>
+            </a:endParaRPr>
+          </a:p>
+        </p:txBody>
+      </p:sp>
+    </p:spTree>
+    <p:extLst>
+      <p:ext uri="{BB962C8B-B14F-4D97-AF65-F5344CB8AC3E}">
+        <p14:creationId xmlns:p14="http://schemas.microsoft.com/office/powerpoint/2010/main" val="71139188"/>
+      </p:ext>
+    </p:extLst>
+  </p:cSld>
+  <p:clrMapOvr>
+    <a:masterClrMapping/>
+  </p:clrMapOvr>
+</p:sld>
+</file>
+
+<file path=ppt/slides/slide14.xml><?xml version="1.0" encoding="utf-8"?>
+<p:sld xmlns:a="http://schemas.openxmlformats.org/drawingml/2006/main" xmlns:r="http://schemas.openxmlformats.org/officeDocument/2006/relationships" xmlns:p="http://schemas.openxmlformats.org/presentationml/2006/main">
+  <p:cSld>
+    <p:spTree>
+      <p:nvGrpSpPr>
+        <p:cNvPr id="1" name=""/>
+        <p:cNvGrpSpPr/>
+        <p:nvPr/>
+      </p:nvGrpSpPr>
+      <p:grpSpPr>
+        <a:xfrm>
+          <a:off x="0" y="0"/>
+          <a:ext cx="0" cy="0"/>
+          <a:chOff x="0" y="0"/>
+          <a:chExt cx="0" cy="0"/>
+        </a:xfrm>
+      </p:grpSpPr>
+      <p:sp>
+        <p:nvSpPr>
+          <p:cNvPr id="5" name="內容版面配置區 4"/>
+          <p:cNvSpPr>
+            <a:spLocks noGrp="1"/>
+          </p:cNvSpPr>
+          <p:nvPr>
+            <p:ph idx="1"/>
+          </p:nvPr>
+        </p:nvSpPr>
+        <p:spPr>
+          <a:xfrm>
+            <a:off x="0" y="2084851"/>
+            <a:ext cx="12192000" cy="2404863"/>
+          </a:xfrm>
+        </p:spPr>
+        <p:txBody>
+          <a:bodyPr anchor="ctr">
+            <a:normAutofit/>
+          </a:bodyPr>
+          <a:lstStyle/>
+          <a:p>
+            <a:pPr algn="ctr">
+              <a:buNone/>
+            </a:pPr>
+            <a:r>
+              <a:rPr lang="zh-TW" altLang="en-US" sz="6400" b="1" dirty="0">
+                <a:solidFill>
+                  <a:srgbClr val="660033"/>
+                </a:solidFill>
+                <a:latin typeface="微軟正黑體" pitchFamily="34" charset="-120"/>
+                <a:ea typeface="微軟正黑體" pitchFamily="34" charset="-120"/>
+              </a:rPr>
+              <a:t>才是</a:t>
+            </a:r>
+            <a:r>
+              <a:rPr lang="zh-TW" altLang="en-US" sz="6400" b="1" dirty="0">
+                <a:solidFill>
+                  <a:srgbClr val="660033"/>
+                </a:solidFill>
+                <a:latin typeface="微軟正黑體" pitchFamily="34" charset="-120"/>
+                <a:ea typeface="微軟正黑體" pitchFamily="34" charset="-120"/>
+              </a:rPr>
               <a:t>祢</a:t>
             </a:r>
-            <a:r>
-              <a:rPr lang="zh-TW" altLang="en-US" sz="5400" dirty="0"/>
-              <a:t>卻喜悅 我的謙卑與順服</a:t>
-            </a:r>
-            <a:r>
-              <a:rPr lang="en-US" sz="5400" dirty="0"/>
-              <a:t> </a:t>
-            </a:r>
-            <a:endParaRPr lang="en-US" sz="5400" dirty="0" smtClean="0"/>
+            <a:endParaRPr lang="en-US" altLang="zh-TW" sz="6400" b="1" dirty="0">
+              <a:solidFill>
+                <a:srgbClr val="660033"/>
+              </a:solidFill>
+              <a:latin typeface="微軟正黑體" pitchFamily="34" charset="-120"/>
+              <a:ea typeface="微軟正黑體" pitchFamily="34" charset="-120"/>
+            </a:endParaRPr>
           </a:p>
           <a:p>
             <a:pPr algn="ctr">
               <a:buNone/>
             </a:pPr>
             <a:r>
-              <a:rPr lang="zh-TW" altLang="en-US" sz="5400" dirty="0" smtClean="0"/>
-              <a:t>祢</a:t>
-            </a:r>
-            <a:r>
-              <a:rPr lang="zh-TW" altLang="en-US" sz="5400" dirty="0"/>
-              <a:t>不需要 那虛假外表</a:t>
-            </a:r>
-            <a:r>
-              <a:rPr lang="zh-TW" altLang="en-US" sz="5400" dirty="0" smtClean="0"/>
-              <a:t>裝飾</a:t>
-            </a:r>
-            <a:endParaRPr lang="zh-TW" altLang="en-US" sz="5400" dirty="0"/>
+              <a:rPr lang="zh-TW" altLang="en-US" sz="6400" b="1" dirty="0">
+                <a:solidFill>
+                  <a:srgbClr val="660033"/>
+                </a:solidFill>
+                <a:latin typeface="微軟正黑體" pitchFamily="34" charset="-120"/>
+                <a:ea typeface="微軟正黑體" pitchFamily="34" charset="-120"/>
+              </a:rPr>
+              <a:t>最</a:t>
+            </a:r>
+            <a:r>
+              <a:rPr lang="zh-TW" altLang="en-US" sz="6400" b="1" dirty="0">
+                <a:solidFill>
+                  <a:srgbClr val="660033"/>
+                </a:solidFill>
+                <a:latin typeface="微軟正黑體" pitchFamily="34" charset="-120"/>
+                <a:ea typeface="微軟正黑體" pitchFamily="34" charset="-120"/>
+              </a:rPr>
+              <a:t>欣賞喜悅的敬拜</a:t>
+            </a:r>
+          </a:p>
+        </p:txBody>
+      </p:sp>
+      <p:sp>
+        <p:nvSpPr>
+          <p:cNvPr id="3" name="TextBox 2"/>
+          <p:cNvSpPr txBox="1"/>
+          <p:nvPr/>
+        </p:nvSpPr>
+        <p:spPr>
+          <a:xfrm>
+            <a:off x="0" y="5061182"/>
+            <a:ext cx="12192000" cy="830997"/>
+          </a:xfrm>
+          <a:prstGeom prst="rect">
+            <a:avLst/>
+          </a:prstGeom>
+          <a:noFill/>
+        </p:spPr>
+        <p:txBody>
+          <a:bodyPr wrap="square" rtlCol="0">
+            <a:spAutoFit/>
+          </a:bodyPr>
+          <a:lstStyle/>
+          <a:p>
+            <a:pPr algn="ctr"/>
+            <a:r>
+              <a:rPr lang="en-US" sz="4800" b="1" dirty="0">
+                <a:solidFill>
+                  <a:srgbClr val="660033"/>
+                </a:solidFill>
+              </a:rPr>
+              <a:t>( 3 )</a:t>
+            </a:r>
+            <a:endParaRPr lang="vi-VN" sz="4800" b="1" dirty="0">
+              <a:solidFill>
+                <a:srgbClr val="660033"/>
+              </a:solidFill>
+            </a:endParaRPr>
           </a:p>
         </p:txBody>
       </p:sp>
     </p:spTree>
+    <p:extLst>
+      <p:ext uri="{BB962C8B-B14F-4D97-AF65-F5344CB8AC3E}">
+        <p14:creationId xmlns:p14="http://schemas.microsoft.com/office/powerpoint/2010/main" val="4153941801"/>
+      </p:ext>
+    </p:extLst>
   </p:cSld>
   <p:clrMapOvr>
     <a:masterClrMapping/>
@@ -3196,28 +3990,6 @@
       </p:grpSpPr>
       <p:sp>
         <p:nvSpPr>
-          <p:cNvPr id="4" name="標題 3"/>
-          <p:cNvSpPr>
-            <a:spLocks noGrp="1"/>
-          </p:cNvSpPr>
-          <p:nvPr>
-            <p:ph type="title"/>
-          </p:nvPr>
-        </p:nvSpPr>
-        <p:spPr/>
-        <p:txBody>
-          <a:bodyPr/>
-          <a:lstStyle/>
-          <a:p>
-            <a:r>
-              <a:rPr lang="zh-TW" altLang="en-US" dirty="0"/>
-              <a:t>祢最喜悅的敬拜</a:t>
-            </a:r>
-          </a:p>
-        </p:txBody>
-      </p:sp>
-      <p:sp>
-        <p:nvSpPr>
           <p:cNvPr id="5" name="內容版面配置區 4"/>
           <p:cNvSpPr>
             <a:spLocks noGrp="1"/>
@@ -3226,10 +3998,15 @@
             <p:ph idx="1"/>
           </p:nvPr>
         </p:nvSpPr>
-        <p:spPr/>
-        <p:txBody>
-          <a:bodyPr>
-            <a:noAutofit/>
+        <p:spPr>
+          <a:xfrm>
+            <a:off x="0" y="2084851"/>
+            <a:ext cx="12192000" cy="2404863"/>
+          </a:xfrm>
+        </p:spPr>
+        <p:txBody>
+          <a:bodyPr anchor="ctr">
+            <a:normAutofit/>
           </a:bodyPr>
           <a:lstStyle/>
           <a:p>
@@ -3237,67 +4014,106 @@
               <a:buNone/>
             </a:pPr>
             <a:r>
-              <a:rPr lang="zh-TW" altLang="en-US" sz="5400" dirty="0"/>
-              <a:t>有誰為祢 用手興建</a:t>
-            </a:r>
-            <a:r>
-              <a:rPr lang="zh-TW" altLang="en-US" sz="5400" dirty="0" smtClean="0"/>
-              <a:t>會堂</a:t>
-            </a:r>
-            <a:endParaRPr lang="en-US" altLang="zh-TW" sz="5400" dirty="0" smtClean="0"/>
+              <a:rPr lang="zh-TW" altLang="en-US" sz="6400" b="1" dirty="0">
+                <a:solidFill>
+                  <a:srgbClr val="660033"/>
+                </a:solidFill>
+                <a:latin typeface="微軟正黑體" pitchFamily="34" charset="-120"/>
+                <a:ea typeface="微軟正黑體" pitchFamily="34" charset="-120"/>
+              </a:rPr>
+              <a:t>我</a:t>
+            </a:r>
+            <a:r>
+              <a:rPr lang="zh-TW" altLang="en-US" sz="6400" b="1" dirty="0">
+                <a:solidFill>
+                  <a:srgbClr val="660033"/>
+                </a:solidFill>
+                <a:latin typeface="微軟正黑體" pitchFamily="34" charset="-120"/>
+                <a:ea typeface="微軟正黑體" pitchFamily="34" charset="-120"/>
+              </a:rPr>
+              <a:t>願奉</a:t>
+            </a:r>
+            <a:r>
+              <a:rPr lang="zh-TW" altLang="en-US" sz="6400" b="1" dirty="0">
+                <a:solidFill>
+                  <a:srgbClr val="660033"/>
+                </a:solidFill>
+                <a:latin typeface="微軟正黑體" pitchFamily="34" charset="-120"/>
+                <a:ea typeface="微軟正黑體" pitchFamily="34" charset="-120"/>
+              </a:rPr>
+              <a:t>上  </a:t>
+            </a:r>
+            <a:r>
+              <a:rPr lang="zh-TW" altLang="en-US" sz="6400" b="1" dirty="0">
+                <a:solidFill>
+                  <a:srgbClr val="660033"/>
+                </a:solidFill>
+                <a:latin typeface="微軟正黑體" pitchFamily="34" charset="-120"/>
+                <a:ea typeface="微軟正黑體" pitchFamily="34" charset="-120"/>
+              </a:rPr>
+              <a:t>最好的作禮物</a:t>
+            </a:r>
+            <a:r>
+              <a:rPr lang="en-US" sz="6400" b="1" dirty="0">
+                <a:solidFill>
+                  <a:srgbClr val="660033"/>
+                </a:solidFill>
+                <a:latin typeface="微軟正黑體" pitchFamily="34" charset="-120"/>
+                <a:ea typeface="微軟正黑體" pitchFamily="34" charset="-120"/>
+              </a:rPr>
+              <a:t> </a:t>
+            </a:r>
           </a:p>
           <a:p>
             <a:pPr algn="ctr">
               <a:buNone/>
             </a:pPr>
             <a:r>
-              <a:rPr lang="zh-TW" altLang="en-US" sz="5400" dirty="0" smtClean="0"/>
-              <a:t>誰</a:t>
-            </a:r>
-            <a:r>
-              <a:rPr lang="zh-TW" altLang="en-US" sz="5400" dirty="0"/>
-              <a:t>曾夢想 為祢興建</a:t>
-            </a:r>
-            <a:r>
-              <a:rPr lang="zh-TW" altLang="en-US" sz="5400" dirty="0" smtClean="0"/>
-              <a:t>殿宇</a:t>
-            </a:r>
-            <a:endParaRPr lang="en-US" altLang="zh-TW" sz="5400" dirty="0" smtClean="0"/>
-          </a:p>
-          <a:p>
-            <a:pPr algn="ctr">
-              <a:buNone/>
-            </a:pPr>
-            <a:r>
-              <a:rPr lang="zh-TW" altLang="en-US" sz="5400" dirty="0" smtClean="0"/>
-              <a:t>祢</a:t>
-            </a:r>
-            <a:r>
-              <a:rPr lang="zh-TW" altLang="en-US" sz="5400" dirty="0"/>
-              <a:t>卻選擇 永居於我的心</a:t>
-            </a:r>
-            <a:r>
-              <a:rPr lang="zh-TW" altLang="en-US" sz="5400" dirty="0" smtClean="0"/>
-              <a:t>內</a:t>
-            </a:r>
-            <a:endParaRPr lang="en-US" altLang="zh-TW" sz="5400" dirty="0" smtClean="0"/>
-          </a:p>
-          <a:p>
-            <a:pPr algn="ctr">
-              <a:buNone/>
-            </a:pPr>
-            <a:r>
-              <a:rPr lang="zh-TW" altLang="en-US" sz="5400" dirty="0" smtClean="0"/>
-              <a:t>讓</a:t>
-            </a:r>
-            <a:r>
-              <a:rPr lang="zh-TW" altLang="en-US" sz="5400" dirty="0"/>
-              <a:t>我可以 每刻也共祢靠緊</a:t>
-            </a:r>
+              <a:rPr lang="zh-TW" altLang="en-US" sz="6400" b="1" dirty="0">
+                <a:solidFill>
+                  <a:srgbClr val="660033"/>
+                </a:solidFill>
+                <a:latin typeface="微軟正黑體" pitchFamily="34" charset="-120"/>
+                <a:ea typeface="微軟正黑體" pitchFamily="34" charset="-120"/>
+              </a:rPr>
+              <a:t>唯求讓我 </a:t>
+            </a:r>
+            <a:r>
+              <a:rPr lang="zh-TW" altLang="en-US" sz="6400" b="1" dirty="0">
+                <a:solidFill>
+                  <a:srgbClr val="660033"/>
+                </a:solidFill>
+                <a:latin typeface="微軟正黑體" pitchFamily="34" charset="-120"/>
+                <a:ea typeface="微軟正黑體" pitchFamily="34" charset="-120"/>
+              </a:rPr>
+              <a:t> 滿</a:t>
+            </a:r>
+            <a:r>
+              <a:rPr lang="zh-TW" altLang="en-US" sz="6400" b="1" dirty="0">
+                <a:solidFill>
+                  <a:srgbClr val="660033"/>
+                </a:solidFill>
+                <a:latin typeface="微軟正黑體" pitchFamily="34" charset="-120"/>
+                <a:ea typeface="微軟正黑體" pitchFamily="34" charset="-120"/>
+              </a:rPr>
+              <a:t>足主祢心</a:t>
+            </a:r>
+            <a:endParaRPr lang="en-US" altLang="zh-TW" sz="6400" b="1" dirty="0">
+              <a:solidFill>
+                <a:srgbClr val="660033"/>
+              </a:solidFill>
+              <a:latin typeface="微軟正黑體" pitchFamily="34" charset="-120"/>
+              <a:ea typeface="微軟正黑體" pitchFamily="34" charset="-120"/>
+            </a:endParaRPr>
           </a:p>
         </p:txBody>
       </p:sp>
     </p:spTree>
+    <p:extLst>
+      <p:ext uri="{BB962C8B-B14F-4D97-AF65-F5344CB8AC3E}">
+        <p14:creationId xmlns:p14="http://schemas.microsoft.com/office/powerpoint/2010/main" val="1841953750"/>
+      </p:ext>
+    </p:extLst>
   </p:cSld>
   <p:clrMapOvr>
     <a:masterClrMapping/>
@@ -3324,28 +4140,6 @@
       </p:grpSpPr>
       <p:sp>
         <p:nvSpPr>
-          <p:cNvPr id="4" name="標題 3"/>
-          <p:cNvSpPr>
-            <a:spLocks noGrp="1"/>
-          </p:cNvSpPr>
-          <p:nvPr>
-            <p:ph type="title"/>
-          </p:nvPr>
-        </p:nvSpPr>
-        <p:spPr/>
-        <p:txBody>
-          <a:bodyPr/>
-          <a:lstStyle/>
-          <a:p>
-            <a:r>
-              <a:rPr lang="zh-TW" altLang="en-US" dirty="0"/>
-              <a:t>祢最喜悅的敬拜</a:t>
-            </a:r>
-          </a:p>
-        </p:txBody>
-      </p:sp>
-      <p:sp>
-        <p:nvSpPr>
           <p:cNvPr id="5" name="內容版面配置區 4"/>
           <p:cNvSpPr>
             <a:spLocks noGrp="1"/>
@@ -3356,13 +4150,13 @@
         </p:nvSpPr>
         <p:spPr>
           <a:xfrm>
-            <a:off x="0" y="1600200"/>
-            <a:ext cx="9144000" cy="4525963"/>
+            <a:off x="0" y="2084851"/>
+            <a:ext cx="12192000" cy="2404863"/>
           </a:xfrm>
         </p:spPr>
         <p:txBody>
-          <a:bodyPr>
-            <a:noAutofit/>
+          <a:bodyPr anchor="ctr">
+            <a:normAutofit/>
           </a:bodyPr>
           <a:lstStyle/>
           <a:p>
@@ -3370,85 +4164,106 @@
               <a:buNone/>
             </a:pPr>
             <a:r>
-              <a:rPr lang="zh-TW" altLang="en-US" sz="5400" dirty="0"/>
-              <a:t>高天深海訴說 祢是配得</a:t>
-            </a:r>
-            <a:r>
-              <a:rPr lang="zh-TW" altLang="en-US" sz="5400" dirty="0" smtClean="0"/>
-              <a:t>尊貴</a:t>
-            </a:r>
-            <a:endParaRPr lang="en-US" altLang="zh-TW" sz="5400" dirty="0" smtClean="0"/>
+              <a:rPr lang="zh-TW" altLang="en-US" sz="6400" b="1" dirty="0">
+                <a:solidFill>
+                  <a:srgbClr val="660033"/>
+                </a:solidFill>
+                <a:latin typeface="微軟正黑體" pitchFamily="34" charset="-120"/>
+                <a:ea typeface="微軟正黑體" pitchFamily="34" charset="-120"/>
+              </a:rPr>
+              <a:t>祢卻喜悅 </a:t>
+            </a:r>
+            <a:r>
+              <a:rPr lang="zh-TW" altLang="en-US" sz="6400" b="1" dirty="0">
+                <a:solidFill>
+                  <a:srgbClr val="660033"/>
+                </a:solidFill>
+                <a:latin typeface="微軟正黑體" pitchFamily="34" charset="-120"/>
+                <a:ea typeface="微軟正黑體" pitchFamily="34" charset="-120"/>
+              </a:rPr>
+              <a:t> 我</a:t>
+            </a:r>
+            <a:r>
+              <a:rPr lang="zh-TW" altLang="en-US" sz="6400" b="1" dirty="0">
+                <a:solidFill>
+                  <a:srgbClr val="660033"/>
+                </a:solidFill>
+                <a:latin typeface="微軟正黑體" pitchFamily="34" charset="-120"/>
+                <a:ea typeface="微軟正黑體" pitchFamily="34" charset="-120"/>
+              </a:rPr>
+              <a:t>的謙卑與順</a:t>
+            </a:r>
+            <a:r>
+              <a:rPr lang="zh-TW" altLang="en-US" sz="6400" b="1" dirty="0">
+                <a:solidFill>
+                  <a:srgbClr val="660033"/>
+                </a:solidFill>
+                <a:latin typeface="微軟正黑體" pitchFamily="34" charset="-120"/>
+                <a:ea typeface="微軟正黑體" pitchFamily="34" charset="-120"/>
+              </a:rPr>
+              <a:t>服</a:t>
+            </a:r>
+            <a:endParaRPr lang="en-US" altLang="zh-TW" sz="6400" b="1" dirty="0">
+              <a:solidFill>
+                <a:srgbClr val="660033"/>
+              </a:solidFill>
+              <a:latin typeface="微軟正黑體" pitchFamily="34" charset="-120"/>
+              <a:ea typeface="微軟正黑體" pitchFamily="34" charset="-120"/>
+            </a:endParaRPr>
           </a:p>
           <a:p>
             <a:pPr algn="ctr">
               <a:buNone/>
             </a:pPr>
             <a:r>
-              <a:rPr lang="zh-TW" altLang="en-US" sz="5400" dirty="0" smtClean="0"/>
-              <a:t>天空</a:t>
-            </a:r>
-            <a:r>
-              <a:rPr lang="zh-TW" altLang="en-US" sz="5400" dirty="0"/>
-              <a:t>雀鳥高唱 讚頌祢的</a:t>
-            </a:r>
-            <a:r>
-              <a:rPr lang="zh-TW" altLang="en-US" sz="5400" dirty="0" smtClean="0"/>
-              <a:t>榮耀</a:t>
-            </a:r>
-            <a:endParaRPr lang="en-US" altLang="zh-TW" sz="5400" dirty="0" smtClean="0"/>
-          </a:p>
-          <a:p>
-            <a:pPr algn="ctr">
-              <a:buNone/>
-            </a:pPr>
-            <a:r>
-              <a:rPr lang="zh-TW" altLang="en-US" sz="5400" dirty="0" smtClean="0"/>
-              <a:t>深知</a:t>
-            </a:r>
-            <a:r>
-              <a:rPr lang="zh-TW" altLang="en-US" sz="5400" dirty="0"/>
-              <a:t>祢所</a:t>
-            </a:r>
-            <a:r>
-              <a:rPr lang="zh-TW" altLang="en-US" sz="5400" dirty="0" smtClean="0"/>
-              <a:t>喜愛</a:t>
-            </a:r>
-            <a:endParaRPr lang="en-US" altLang="zh-TW" sz="5400" dirty="0" smtClean="0"/>
-          </a:p>
-          <a:p>
-            <a:pPr algn="ctr">
-              <a:buNone/>
-            </a:pPr>
-            <a:r>
-              <a:rPr lang="zh-TW" altLang="en-US" sz="5400" dirty="0" smtClean="0"/>
-              <a:t>卻</a:t>
-            </a:r>
-            <a:r>
-              <a:rPr lang="zh-TW" altLang="en-US" sz="5400" dirty="0"/>
-              <a:t>是以心靈獻奉給</a:t>
-            </a:r>
-            <a:r>
-              <a:rPr lang="zh-TW" altLang="en-US" sz="5400" dirty="0" smtClean="0"/>
+              <a:rPr lang="zh-TW" altLang="en-US" sz="6400" b="1" dirty="0">
+                <a:solidFill>
+                  <a:srgbClr val="660033"/>
+                </a:solidFill>
+                <a:latin typeface="微軟正黑體" pitchFamily="34" charset="-120"/>
+                <a:ea typeface="微軟正黑體" pitchFamily="34" charset="-120"/>
+              </a:rPr>
               <a:t>祢</a:t>
             </a:r>
-            <a:endParaRPr lang="en-US" altLang="zh-TW" sz="5400" dirty="0" smtClean="0"/>
-          </a:p>
-          <a:p>
-            <a:pPr algn="ctr">
-              <a:buNone/>
-            </a:pPr>
-            <a:r>
-              <a:rPr lang="zh-TW" altLang="en-US" sz="5400" dirty="0" smtClean="0"/>
-              <a:t>成為</a:t>
-            </a:r>
-            <a:r>
-              <a:rPr lang="zh-TW" altLang="en-US" sz="5400" dirty="0"/>
-              <a:t>祢 最欣賞喜悅的敬拜</a:t>
+            <a:r>
+              <a:rPr lang="zh-TW" altLang="en-US" sz="6400" b="1" dirty="0">
+                <a:solidFill>
+                  <a:srgbClr val="660033"/>
+                </a:solidFill>
+                <a:latin typeface="微軟正黑體" pitchFamily="34" charset="-120"/>
+                <a:ea typeface="微軟正黑體" pitchFamily="34" charset="-120"/>
+              </a:rPr>
+              <a:t>不需要 </a:t>
+            </a:r>
+            <a:r>
+              <a:rPr lang="zh-TW" altLang="en-US" sz="6400" b="1" dirty="0">
+                <a:solidFill>
+                  <a:srgbClr val="660033"/>
+                </a:solidFill>
+                <a:latin typeface="微軟正黑體" pitchFamily="34" charset="-120"/>
+                <a:ea typeface="微軟正黑體" pitchFamily="34" charset="-120"/>
+              </a:rPr>
+              <a:t> 那</a:t>
+            </a:r>
+            <a:r>
+              <a:rPr lang="zh-TW" altLang="en-US" sz="6400" b="1" dirty="0">
+                <a:solidFill>
+                  <a:srgbClr val="660033"/>
+                </a:solidFill>
+                <a:latin typeface="微軟正黑體" pitchFamily="34" charset="-120"/>
+                <a:ea typeface="微軟正黑體" pitchFamily="34" charset="-120"/>
+              </a:rPr>
+              <a:t>虛假外表裝飾</a:t>
             </a:r>
           </a:p>
         </p:txBody>
       </p:sp>
     </p:spTree>
+    <p:extLst>
+      <p:ext uri="{BB962C8B-B14F-4D97-AF65-F5344CB8AC3E}">
+        <p14:creationId xmlns:p14="http://schemas.microsoft.com/office/powerpoint/2010/main" val="2345027029"/>
+      </p:ext>
+    </p:extLst>
   </p:cSld>
   <p:clrMapOvr>
     <a:masterClrMapping/>
@@ -3475,28 +4290,6 @@
       </p:grpSpPr>
       <p:sp>
         <p:nvSpPr>
-          <p:cNvPr id="4" name="標題 3"/>
-          <p:cNvSpPr>
-            <a:spLocks noGrp="1"/>
-          </p:cNvSpPr>
-          <p:nvPr>
-            <p:ph type="title"/>
-          </p:nvPr>
-        </p:nvSpPr>
-        <p:spPr/>
-        <p:txBody>
-          <a:bodyPr/>
-          <a:lstStyle/>
-          <a:p>
-            <a:r>
-              <a:rPr lang="zh-TW" altLang="en-US" dirty="0"/>
-              <a:t>祢最喜悅的敬拜</a:t>
-            </a:r>
-          </a:p>
-        </p:txBody>
-      </p:sp>
-      <p:sp>
-        <p:nvSpPr>
           <p:cNvPr id="5" name="內容版面配置區 4"/>
           <p:cNvSpPr>
             <a:spLocks noGrp="1"/>
@@ -3507,13 +4300,13 @@
         </p:nvSpPr>
         <p:spPr>
           <a:xfrm>
-            <a:off x="0" y="1600200"/>
-            <a:ext cx="9144000" cy="4525963"/>
+            <a:off x="0" y="2084851"/>
+            <a:ext cx="12192000" cy="2404863"/>
           </a:xfrm>
         </p:spPr>
         <p:txBody>
-          <a:bodyPr>
-            <a:noAutofit/>
+          <a:bodyPr anchor="ctr">
+            <a:normAutofit/>
           </a:bodyPr>
           <a:lstStyle/>
           <a:p>
@@ -3521,85 +4314,93 @@
               <a:buNone/>
             </a:pPr>
             <a:r>
-              <a:rPr lang="zh-TW" altLang="en-US" sz="5400" dirty="0"/>
-              <a:t>高天深海訴說 祢是配得</a:t>
-            </a:r>
-            <a:r>
-              <a:rPr lang="zh-TW" altLang="en-US" sz="5400" dirty="0" smtClean="0"/>
-              <a:t>尊貴</a:t>
-            </a:r>
-            <a:endParaRPr lang="en-US" altLang="zh-TW" sz="5400" dirty="0" smtClean="0"/>
+              <a:rPr lang="zh-TW" altLang="en-US" sz="6400" b="1" dirty="0">
+                <a:solidFill>
+                  <a:srgbClr val="660033"/>
+                </a:solidFill>
+                <a:latin typeface="微軟正黑體" pitchFamily="34" charset="-120"/>
+                <a:ea typeface="微軟正黑體" pitchFamily="34" charset="-120"/>
+              </a:rPr>
+              <a:t>有誰為祢 </a:t>
+            </a:r>
+            <a:r>
+              <a:rPr lang="zh-TW" altLang="en-US" sz="6400" b="1" dirty="0">
+                <a:solidFill>
+                  <a:srgbClr val="660033"/>
+                </a:solidFill>
+                <a:latin typeface="微軟正黑體" pitchFamily="34" charset="-120"/>
+                <a:ea typeface="微軟正黑體" pitchFamily="34" charset="-120"/>
+              </a:rPr>
+              <a:t> 用</a:t>
+            </a:r>
+            <a:r>
+              <a:rPr lang="zh-TW" altLang="en-US" sz="6400" b="1" dirty="0">
+                <a:solidFill>
+                  <a:srgbClr val="660033"/>
+                </a:solidFill>
+                <a:latin typeface="微軟正黑體" pitchFamily="34" charset="-120"/>
+                <a:ea typeface="微軟正黑體" pitchFamily="34" charset="-120"/>
+              </a:rPr>
+              <a:t>手興建會堂</a:t>
+            </a:r>
+            <a:endParaRPr lang="en-US" altLang="zh-TW" sz="6400" b="1" dirty="0">
+              <a:solidFill>
+                <a:srgbClr val="660033"/>
+              </a:solidFill>
+              <a:latin typeface="微軟正黑體" pitchFamily="34" charset="-120"/>
+              <a:ea typeface="微軟正黑體" pitchFamily="34" charset="-120"/>
+            </a:endParaRPr>
           </a:p>
           <a:p>
             <a:pPr algn="ctr">
               <a:buNone/>
             </a:pPr>
             <a:r>
-              <a:rPr lang="zh-TW" altLang="en-US" sz="5400" dirty="0" smtClean="0"/>
-              <a:t>天空</a:t>
-            </a:r>
-            <a:r>
-              <a:rPr lang="zh-TW" altLang="en-US" sz="5400" dirty="0"/>
-              <a:t>雀鳥高唱 讚頌祢的</a:t>
-            </a:r>
-            <a:r>
-              <a:rPr lang="zh-TW" altLang="en-US" sz="5400" dirty="0" smtClean="0"/>
-              <a:t>榮耀</a:t>
-            </a:r>
-            <a:endParaRPr lang="en-US" altLang="zh-TW" sz="5400" dirty="0" smtClean="0"/>
-          </a:p>
-          <a:p>
-            <a:pPr algn="ctr">
-              <a:buNone/>
-            </a:pPr>
-            <a:r>
-              <a:rPr lang="zh-TW" altLang="en-US" sz="5400" dirty="0" smtClean="0"/>
-              <a:t>深知</a:t>
-            </a:r>
-            <a:r>
-              <a:rPr lang="zh-TW" altLang="en-US" sz="5400" dirty="0"/>
-              <a:t>祢所</a:t>
-            </a:r>
-            <a:r>
-              <a:rPr lang="zh-TW" altLang="en-US" sz="5400" dirty="0" smtClean="0"/>
-              <a:t>喜愛</a:t>
-            </a:r>
-            <a:endParaRPr lang="en-US" altLang="zh-TW" sz="5400" dirty="0" smtClean="0"/>
-          </a:p>
-          <a:p>
-            <a:pPr algn="ctr">
-              <a:buNone/>
-            </a:pPr>
-            <a:r>
-              <a:rPr lang="zh-TW" altLang="en-US" sz="5400" dirty="0" smtClean="0"/>
-              <a:t>是</a:t>
-            </a:r>
-            <a:r>
-              <a:rPr lang="zh-TW" altLang="en-US" sz="5400" dirty="0"/>
-              <a:t>那份最單純渴慕的</a:t>
-            </a:r>
-            <a:r>
-              <a:rPr lang="zh-TW" altLang="en-US" sz="5400" dirty="0" smtClean="0"/>
-              <a:t>愛</a:t>
-            </a:r>
-            <a:endParaRPr lang="en-US" altLang="zh-TW" sz="5400" dirty="0" smtClean="0"/>
-          </a:p>
-          <a:p>
-            <a:pPr algn="ctr">
-              <a:buNone/>
-            </a:pPr>
-            <a:r>
-              <a:rPr lang="zh-TW" altLang="en-US" sz="5400" dirty="0" smtClean="0"/>
-              <a:t>成為</a:t>
-            </a:r>
-            <a:r>
-              <a:rPr lang="zh-TW" altLang="en-US" sz="5400" dirty="0"/>
-              <a:t>祢 最欣賞喜悅的敬拜</a:t>
-            </a:r>
+              <a:rPr lang="zh-TW" altLang="en-US" sz="6400" b="1" dirty="0">
+                <a:solidFill>
+                  <a:srgbClr val="660033"/>
+                </a:solidFill>
+                <a:latin typeface="微軟正黑體" pitchFamily="34" charset="-120"/>
+                <a:ea typeface="微軟正黑體" pitchFamily="34" charset="-120"/>
+              </a:rPr>
+              <a:t>誰曾夢想 </a:t>
+            </a:r>
+            <a:r>
+              <a:rPr lang="zh-TW" altLang="en-US" sz="6400" b="1" dirty="0">
+                <a:solidFill>
+                  <a:srgbClr val="660033"/>
+                </a:solidFill>
+                <a:latin typeface="微軟正黑體" pitchFamily="34" charset="-120"/>
+                <a:ea typeface="微軟正黑體" pitchFamily="34" charset="-120"/>
+              </a:rPr>
+              <a:t> 為</a:t>
+            </a:r>
+            <a:r>
+              <a:rPr lang="zh-TW" altLang="en-US" sz="6400" b="1" dirty="0">
+                <a:solidFill>
+                  <a:srgbClr val="660033"/>
+                </a:solidFill>
+                <a:latin typeface="微軟正黑體" pitchFamily="34" charset="-120"/>
+                <a:ea typeface="微軟正黑體" pitchFamily="34" charset="-120"/>
+              </a:rPr>
+              <a:t>祢興建殿宇</a:t>
+            </a:r>
+            <a:endParaRPr lang="en-US" altLang="zh-TW" sz="6400" b="1" dirty="0">
+              <a:solidFill>
+                <a:srgbClr val="660033"/>
+              </a:solidFill>
+              <a:latin typeface="微軟正黑體" pitchFamily="34" charset="-120"/>
+              <a:ea typeface="微軟正黑體" pitchFamily="34" charset="-120"/>
+            </a:endParaRPr>
           </a:p>
         </p:txBody>
       </p:sp>
     </p:spTree>
+    <p:extLst>
+      <p:ext uri="{BB962C8B-B14F-4D97-AF65-F5344CB8AC3E}">
+        <p14:creationId xmlns:p14="http://schemas.microsoft.com/office/powerpoint/2010/main" val="3624100904"/>
+      </p:ext>
+    </p:extLst>
   </p:cSld>
   <p:clrMapOvr>
     <a:masterClrMapping/>
@@ -3626,28 +4427,6 @@
       </p:grpSpPr>
       <p:sp>
         <p:nvSpPr>
-          <p:cNvPr id="4" name="標題 3"/>
-          <p:cNvSpPr>
-            <a:spLocks noGrp="1"/>
-          </p:cNvSpPr>
-          <p:nvPr>
-            <p:ph type="title"/>
-          </p:nvPr>
-        </p:nvSpPr>
-        <p:spPr/>
-        <p:txBody>
-          <a:bodyPr/>
-          <a:lstStyle/>
-          <a:p>
-            <a:r>
-              <a:rPr lang="zh-TW" altLang="en-US" dirty="0"/>
-              <a:t>祢最喜悅的敬拜</a:t>
-            </a:r>
-          </a:p>
-        </p:txBody>
-      </p:sp>
-      <p:sp>
-        <p:nvSpPr>
           <p:cNvPr id="5" name="內容版面配置區 4"/>
           <p:cNvSpPr>
             <a:spLocks noGrp="1"/>
@@ -3658,13 +4437,13 @@
         </p:nvSpPr>
         <p:spPr>
           <a:xfrm>
-            <a:off x="0" y="1600200"/>
-            <a:ext cx="9144000" cy="4525963"/>
+            <a:off x="0" y="2084851"/>
+            <a:ext cx="12192000" cy="2404863"/>
           </a:xfrm>
         </p:spPr>
         <p:txBody>
-          <a:bodyPr>
-            <a:noAutofit/>
+          <a:bodyPr anchor="ctr">
+            <a:normAutofit/>
           </a:bodyPr>
           <a:lstStyle/>
           <a:p>
@@ -3672,72 +4451,86 @@
               <a:buNone/>
             </a:pPr>
             <a:r>
-              <a:rPr lang="zh-TW" altLang="en-US" sz="5400" dirty="0"/>
-              <a:t>施恩典的</a:t>
-            </a:r>
-            <a:r>
-              <a:rPr lang="zh-TW" altLang="en-US" sz="5400" dirty="0" smtClean="0"/>
-              <a:t>上帝</a:t>
-            </a:r>
-            <a:endParaRPr lang="en-US" altLang="zh-TW" sz="5400" dirty="0" smtClean="0"/>
+              <a:rPr lang="zh-TW" altLang="en-US" sz="6400" b="1" dirty="0">
+                <a:solidFill>
+                  <a:srgbClr val="660033"/>
+                </a:solidFill>
+                <a:latin typeface="微軟正黑體" pitchFamily="34" charset="-120"/>
+                <a:ea typeface="微軟正黑體" pitchFamily="34" charset="-120"/>
+              </a:rPr>
+              <a:t>祢卻選擇 </a:t>
+            </a:r>
+            <a:r>
+              <a:rPr lang="zh-TW" altLang="en-US" sz="6400" b="1" dirty="0">
+                <a:solidFill>
+                  <a:srgbClr val="660033"/>
+                </a:solidFill>
+                <a:latin typeface="微軟正黑體" pitchFamily="34" charset="-120"/>
+                <a:ea typeface="微軟正黑體" pitchFamily="34" charset="-120"/>
+              </a:rPr>
+              <a:t> 永</a:t>
+            </a:r>
+            <a:r>
+              <a:rPr lang="zh-TW" altLang="en-US" sz="6400" b="1" dirty="0">
+                <a:solidFill>
+                  <a:srgbClr val="660033"/>
+                </a:solidFill>
+                <a:latin typeface="微軟正黑體" pitchFamily="34" charset="-120"/>
+                <a:ea typeface="微軟正黑體" pitchFamily="34" charset="-120"/>
+              </a:rPr>
+              <a:t>居於我的心內</a:t>
+            </a:r>
+            <a:endParaRPr lang="en-US" altLang="zh-TW" sz="6400" b="1" dirty="0">
+              <a:solidFill>
+                <a:srgbClr val="660033"/>
+              </a:solidFill>
+              <a:latin typeface="微軟正黑體" pitchFamily="34" charset="-120"/>
+              <a:ea typeface="微軟正黑體" pitchFamily="34" charset="-120"/>
+            </a:endParaRPr>
           </a:p>
           <a:p>
             <a:pPr algn="ctr">
               <a:buNone/>
             </a:pPr>
             <a:r>
-              <a:rPr lang="zh-TW" altLang="en-US" sz="5400" dirty="0" smtClean="0"/>
-              <a:t>創造</a:t>
-            </a:r>
-            <a:r>
-              <a:rPr lang="zh-TW" altLang="en-US" sz="5400" dirty="0"/>
-              <a:t>世間</a:t>
-            </a:r>
-            <a:r>
-              <a:rPr lang="zh-TW" altLang="en-US" sz="5400" dirty="0" smtClean="0"/>
-              <a:t>一切</a:t>
-            </a:r>
-            <a:endParaRPr lang="en-US" altLang="zh-TW" sz="5400" dirty="0" smtClean="0"/>
-          </a:p>
-          <a:p>
-            <a:pPr algn="ctr">
-              <a:buNone/>
-            </a:pPr>
-            <a:r>
-              <a:rPr lang="zh-TW" altLang="en-US" sz="5400" dirty="0" smtClean="0"/>
-              <a:t>雙手</a:t>
-            </a:r>
-            <a:r>
-              <a:rPr lang="zh-TW" altLang="en-US" sz="5400" dirty="0"/>
-              <a:t>掌管</a:t>
-            </a:r>
-            <a:r>
-              <a:rPr lang="zh-TW" altLang="en-US" sz="5400" dirty="0" smtClean="0"/>
-              <a:t>所有</a:t>
-            </a:r>
-            <a:endParaRPr lang="en-US" altLang="zh-TW" sz="5400" dirty="0" smtClean="0"/>
-          </a:p>
-          <a:p>
-            <a:pPr algn="ctr">
-              <a:buNone/>
-            </a:pPr>
-            <a:r>
-              <a:rPr lang="zh-TW" altLang="en-US" sz="5400" dirty="0" smtClean="0"/>
-              <a:t>並沒有</a:t>
-            </a:r>
-            <a:r>
-              <a:rPr lang="zh-TW" altLang="en-US" sz="5400" dirty="0"/>
-              <a:t>所</a:t>
-            </a:r>
-            <a:r>
-              <a:rPr lang="zh-TW" altLang="en-US" sz="5400" dirty="0" smtClean="0"/>
-              <a:t>缺少</a:t>
-            </a:r>
-            <a:endParaRPr lang="zh-TW" altLang="en-US" sz="5400" dirty="0"/>
+              <a:rPr lang="zh-TW" altLang="en-US" sz="6400" b="1" dirty="0">
+                <a:solidFill>
+                  <a:srgbClr val="660033"/>
+                </a:solidFill>
+                <a:latin typeface="微軟正黑體" pitchFamily="34" charset="-120"/>
+                <a:ea typeface="微軟正黑體" pitchFamily="34" charset="-120"/>
+              </a:rPr>
+              <a:t>讓我可以 </a:t>
+            </a:r>
+            <a:r>
+              <a:rPr lang="zh-TW" altLang="en-US" sz="6400" b="1" dirty="0">
+                <a:solidFill>
+                  <a:srgbClr val="660033"/>
+                </a:solidFill>
+                <a:latin typeface="微軟正黑體" pitchFamily="34" charset="-120"/>
+                <a:ea typeface="微軟正黑體" pitchFamily="34" charset="-120"/>
+              </a:rPr>
+              <a:t> 每</a:t>
+            </a:r>
+            <a:r>
+              <a:rPr lang="zh-TW" altLang="en-US" sz="6400" b="1" dirty="0">
+                <a:solidFill>
+                  <a:srgbClr val="660033"/>
+                </a:solidFill>
+                <a:latin typeface="微軟正黑體" pitchFamily="34" charset="-120"/>
+                <a:ea typeface="微軟正黑體" pitchFamily="34" charset="-120"/>
+              </a:rPr>
+              <a:t>刻也共祢靠緊</a:t>
+            </a:r>
           </a:p>
         </p:txBody>
       </p:sp>
     </p:spTree>
+    <p:extLst>
+      <p:ext uri="{BB962C8B-B14F-4D97-AF65-F5344CB8AC3E}">
+        <p14:creationId xmlns:p14="http://schemas.microsoft.com/office/powerpoint/2010/main" val="3019835126"/>
+      </p:ext>
+    </p:extLst>
   </p:cSld>
   <p:clrMapOvr>
     <a:masterClrMapping/>
@@ -3764,28 +4557,6 @@
       </p:grpSpPr>
       <p:sp>
         <p:nvSpPr>
-          <p:cNvPr id="4" name="標題 3"/>
-          <p:cNvSpPr>
-            <a:spLocks noGrp="1"/>
-          </p:cNvSpPr>
-          <p:nvPr>
-            <p:ph type="title"/>
-          </p:nvPr>
-        </p:nvSpPr>
-        <p:spPr/>
-        <p:txBody>
-          <a:bodyPr/>
-          <a:lstStyle/>
-          <a:p>
-            <a:r>
-              <a:rPr lang="zh-TW" altLang="en-US" dirty="0"/>
-              <a:t>祢最喜悅的敬拜</a:t>
-            </a:r>
-          </a:p>
-        </p:txBody>
-      </p:sp>
-      <p:sp>
-        <p:nvSpPr>
           <p:cNvPr id="5" name="內容版面配置區 4"/>
           <p:cNvSpPr>
             <a:spLocks noGrp="1"/>
@@ -3796,13 +4567,13 @@
         </p:nvSpPr>
         <p:spPr>
           <a:xfrm>
-            <a:off x="0" y="1600200"/>
-            <a:ext cx="9144000" cy="4525963"/>
+            <a:off x="0" y="2084851"/>
+            <a:ext cx="12192000" cy="2404863"/>
           </a:xfrm>
         </p:spPr>
         <p:txBody>
-          <a:bodyPr>
-            <a:noAutofit/>
+          <a:bodyPr anchor="ctr">
+            <a:normAutofit/>
           </a:bodyPr>
           <a:lstStyle/>
           <a:p>
@@ -3810,54 +4581,583 @@
               <a:buNone/>
             </a:pPr>
             <a:r>
-              <a:rPr lang="zh-TW" altLang="en-US" sz="5400" dirty="0"/>
-              <a:t>恩主祢最</a:t>
-            </a:r>
-            <a:r>
-              <a:rPr lang="zh-TW" altLang="en-US" sz="5400" dirty="0" smtClean="0"/>
-              <a:t>喜愛</a:t>
-            </a:r>
-            <a:endParaRPr lang="en-US" altLang="zh-TW" sz="5400" dirty="0" smtClean="0"/>
+              <a:rPr lang="zh-TW" altLang="en-US" sz="6400" b="1" dirty="0">
+                <a:solidFill>
+                  <a:srgbClr val="660033"/>
+                </a:solidFill>
+                <a:latin typeface="微軟正黑體" pitchFamily="34" charset="-120"/>
+                <a:ea typeface="微軟正黑體" pitchFamily="34" charset="-120"/>
+              </a:rPr>
+              <a:t>高天深海訴說 </a:t>
+            </a:r>
+            <a:r>
+              <a:rPr lang="zh-TW" altLang="en-US" sz="6400" b="1" dirty="0">
+                <a:solidFill>
+                  <a:srgbClr val="660033"/>
+                </a:solidFill>
+                <a:latin typeface="微軟正黑體" pitchFamily="34" charset="-120"/>
+                <a:ea typeface="微軟正黑體" pitchFamily="34" charset="-120"/>
+              </a:rPr>
+              <a:t> 祢</a:t>
+            </a:r>
+            <a:r>
+              <a:rPr lang="zh-TW" altLang="en-US" sz="6400" b="1" dirty="0">
+                <a:solidFill>
+                  <a:srgbClr val="660033"/>
+                </a:solidFill>
+                <a:latin typeface="微軟正黑體" pitchFamily="34" charset="-120"/>
+                <a:ea typeface="微軟正黑體" pitchFamily="34" charset="-120"/>
+              </a:rPr>
+              <a:t>是配得尊</a:t>
+            </a:r>
+            <a:r>
+              <a:rPr lang="zh-TW" altLang="en-US" sz="6400" b="1" dirty="0">
+                <a:solidFill>
+                  <a:srgbClr val="660033"/>
+                </a:solidFill>
+                <a:latin typeface="微軟正黑體" pitchFamily="34" charset="-120"/>
+                <a:ea typeface="微軟正黑體" pitchFamily="34" charset="-120"/>
+              </a:rPr>
+              <a:t>貴</a:t>
+            </a:r>
+            <a:endParaRPr lang="en-US" altLang="zh-TW" sz="6400" b="1" dirty="0">
+              <a:solidFill>
+                <a:srgbClr val="660033"/>
+              </a:solidFill>
+              <a:latin typeface="微軟正黑體" pitchFamily="34" charset="-120"/>
+              <a:ea typeface="微軟正黑體" pitchFamily="34" charset="-120"/>
+            </a:endParaRPr>
           </a:p>
           <a:p>
             <a:pPr algn="ctr">
               <a:buNone/>
             </a:pPr>
             <a:r>
-              <a:rPr lang="zh-TW" altLang="en-US" sz="5400" dirty="0" smtClean="0"/>
-              <a:t>是</a:t>
-            </a:r>
-            <a:r>
-              <a:rPr lang="zh-TW" altLang="en-US" sz="5400" dirty="0"/>
-              <a:t>我沒有保留將心歸</a:t>
-            </a:r>
-            <a:r>
-              <a:rPr lang="zh-TW" altLang="en-US" sz="5400" dirty="0" smtClean="0"/>
+              <a:rPr lang="zh-TW" altLang="en-US" sz="6400" b="1" dirty="0">
+                <a:solidFill>
+                  <a:srgbClr val="660033"/>
+                </a:solidFill>
+                <a:latin typeface="微軟正黑體" pitchFamily="34" charset="-120"/>
+                <a:ea typeface="微軟正黑體" pitchFamily="34" charset="-120"/>
+              </a:rPr>
+              <a:t>天空雀鳥高唱 </a:t>
+            </a:r>
+            <a:r>
+              <a:rPr lang="zh-TW" altLang="en-US" sz="6400" b="1" dirty="0">
+                <a:solidFill>
+                  <a:srgbClr val="660033"/>
+                </a:solidFill>
+                <a:latin typeface="微軟正黑體" pitchFamily="34" charset="-120"/>
+                <a:ea typeface="微軟正黑體" pitchFamily="34" charset="-120"/>
+              </a:rPr>
+              <a:t> 讚</a:t>
+            </a:r>
+            <a:r>
+              <a:rPr lang="zh-TW" altLang="en-US" sz="6400" b="1" dirty="0">
+                <a:solidFill>
+                  <a:srgbClr val="660033"/>
+                </a:solidFill>
+                <a:latin typeface="微軟正黑體" pitchFamily="34" charset="-120"/>
+                <a:ea typeface="微軟正黑體" pitchFamily="34" charset="-120"/>
+              </a:rPr>
+              <a:t>頌祢的榮</a:t>
+            </a:r>
+            <a:r>
+              <a:rPr lang="zh-TW" altLang="en-US" sz="6400" b="1" dirty="0">
+                <a:solidFill>
+                  <a:srgbClr val="660033"/>
+                </a:solidFill>
+                <a:latin typeface="微軟正黑體" pitchFamily="34" charset="-120"/>
+                <a:ea typeface="微軟正黑體" pitchFamily="34" charset="-120"/>
+              </a:rPr>
+              <a:t>耀</a:t>
+            </a:r>
+            <a:endParaRPr lang="en-US" altLang="zh-TW" sz="6400" b="1" dirty="0">
+              <a:solidFill>
+                <a:srgbClr val="660033"/>
+              </a:solidFill>
+              <a:latin typeface="微軟正黑體" pitchFamily="34" charset="-120"/>
+              <a:ea typeface="微軟正黑體" pitchFamily="34" charset="-120"/>
+            </a:endParaRPr>
+          </a:p>
+        </p:txBody>
+      </p:sp>
+      <p:sp>
+        <p:nvSpPr>
+          <p:cNvPr id="3" name="TextBox 2"/>
+          <p:cNvSpPr txBox="1"/>
+          <p:nvPr/>
+        </p:nvSpPr>
+        <p:spPr>
+          <a:xfrm>
+            <a:off x="0" y="5061182"/>
+            <a:ext cx="12192000" cy="830997"/>
+          </a:xfrm>
+          <a:prstGeom prst="rect">
+            <a:avLst/>
+          </a:prstGeom>
+          <a:noFill/>
+        </p:spPr>
+        <p:txBody>
+          <a:bodyPr wrap="square" rtlCol="0">
+            <a:spAutoFit/>
+          </a:bodyPr>
+          <a:lstStyle/>
+          <a:p>
+            <a:pPr algn="ctr"/>
+            <a:r>
+              <a:rPr lang="en-US" sz="4800" b="1" dirty="0">
+                <a:solidFill>
+                  <a:srgbClr val="660033"/>
+                </a:solidFill>
+              </a:rPr>
+              <a:t>( 1 )</a:t>
+            </a:r>
+            <a:endParaRPr lang="vi-VN" sz="4800" b="1" dirty="0">
+              <a:solidFill>
+                <a:srgbClr val="660033"/>
+              </a:solidFill>
+            </a:endParaRPr>
+          </a:p>
+        </p:txBody>
+      </p:sp>
+    </p:spTree>
+    <p:extLst>
+      <p:ext uri="{BB962C8B-B14F-4D97-AF65-F5344CB8AC3E}">
+        <p14:creationId xmlns:p14="http://schemas.microsoft.com/office/powerpoint/2010/main" val="1360070342"/>
+      </p:ext>
+    </p:extLst>
+  </p:cSld>
+  <p:clrMapOvr>
+    <a:masterClrMapping/>
+  </p:clrMapOvr>
+</p:sld>
+</file>
+
+<file path=ppt/slides/slide7.xml><?xml version="1.0" encoding="utf-8"?>
+<p:sld xmlns:a="http://schemas.openxmlformats.org/drawingml/2006/main" xmlns:r="http://schemas.openxmlformats.org/officeDocument/2006/relationships" xmlns:p="http://schemas.openxmlformats.org/presentationml/2006/main">
+  <p:cSld>
+    <p:spTree>
+      <p:nvGrpSpPr>
+        <p:cNvPr id="1" name=""/>
+        <p:cNvGrpSpPr/>
+        <p:nvPr/>
+      </p:nvGrpSpPr>
+      <p:grpSpPr>
+        <a:xfrm>
+          <a:off x="0" y="0"/>
+          <a:ext cx="0" cy="0"/>
+          <a:chOff x="0" y="0"/>
+          <a:chExt cx="0" cy="0"/>
+        </a:xfrm>
+      </p:grpSpPr>
+      <p:sp>
+        <p:nvSpPr>
+          <p:cNvPr id="5" name="內容版面配置區 4"/>
+          <p:cNvSpPr>
+            <a:spLocks noGrp="1"/>
+          </p:cNvSpPr>
+          <p:nvPr>
+            <p:ph idx="1"/>
+          </p:nvPr>
+        </p:nvSpPr>
+        <p:spPr>
+          <a:xfrm>
+            <a:off x="0" y="2084851"/>
+            <a:ext cx="12192000" cy="2404863"/>
+          </a:xfrm>
+        </p:spPr>
+        <p:txBody>
+          <a:bodyPr anchor="ctr">
+            <a:normAutofit/>
+          </a:bodyPr>
+          <a:lstStyle/>
+          <a:p>
+            <a:pPr algn="ctr">
+              <a:buNone/>
+            </a:pPr>
+            <a:r>
+              <a:rPr lang="zh-TW" altLang="en-US" sz="6400" b="1" dirty="0">
+                <a:solidFill>
+                  <a:srgbClr val="660033"/>
+                </a:solidFill>
+                <a:latin typeface="微軟正黑體" pitchFamily="34" charset="-120"/>
+                <a:ea typeface="微軟正黑體" pitchFamily="34" charset="-120"/>
+              </a:rPr>
+              <a:t>深知祢所喜</a:t>
+            </a:r>
+            <a:r>
+              <a:rPr lang="zh-TW" altLang="en-US" sz="6400" b="1" dirty="0">
+                <a:solidFill>
+                  <a:srgbClr val="660033"/>
+                </a:solidFill>
+                <a:latin typeface="微軟正黑體" pitchFamily="34" charset="-120"/>
+                <a:ea typeface="微軟正黑體" pitchFamily="34" charset="-120"/>
+              </a:rPr>
+              <a:t>愛</a:t>
+            </a:r>
+            <a:endParaRPr lang="en-US" altLang="zh-TW" sz="6400" b="1" dirty="0">
+              <a:solidFill>
+                <a:srgbClr val="660033"/>
+              </a:solidFill>
+              <a:latin typeface="微軟正黑體" pitchFamily="34" charset="-120"/>
+              <a:ea typeface="微軟正黑體" pitchFamily="34" charset="-120"/>
+            </a:endParaRPr>
+          </a:p>
+          <a:p>
+            <a:pPr algn="ctr">
+              <a:buNone/>
+            </a:pPr>
+            <a:r>
+              <a:rPr lang="zh-TW" altLang="en-US" sz="6400" b="1" dirty="0">
+                <a:solidFill>
+                  <a:srgbClr val="660033"/>
+                </a:solidFill>
+                <a:latin typeface="微軟正黑體" pitchFamily="34" charset="-120"/>
+                <a:ea typeface="微軟正黑體" pitchFamily="34" charset="-120"/>
+              </a:rPr>
+              <a:t>卻是以心靈獻奉給祢</a:t>
+            </a:r>
+            <a:endParaRPr lang="en-US" altLang="zh-TW" sz="6400" b="1" dirty="0">
+              <a:solidFill>
+                <a:srgbClr val="660033"/>
+              </a:solidFill>
+              <a:latin typeface="微軟正黑體" pitchFamily="34" charset="-120"/>
+              <a:ea typeface="微軟正黑體" pitchFamily="34" charset="-120"/>
+            </a:endParaRPr>
+          </a:p>
+        </p:txBody>
+      </p:sp>
+      <p:sp>
+        <p:nvSpPr>
+          <p:cNvPr id="3" name="TextBox 2"/>
+          <p:cNvSpPr txBox="1"/>
+          <p:nvPr/>
+        </p:nvSpPr>
+        <p:spPr>
+          <a:xfrm>
+            <a:off x="0" y="5061182"/>
+            <a:ext cx="12192000" cy="830997"/>
+          </a:xfrm>
+          <a:prstGeom prst="rect">
+            <a:avLst/>
+          </a:prstGeom>
+          <a:noFill/>
+        </p:spPr>
+        <p:txBody>
+          <a:bodyPr wrap="square" rtlCol="0">
+            <a:spAutoFit/>
+          </a:bodyPr>
+          <a:lstStyle/>
+          <a:p>
+            <a:pPr algn="ctr"/>
+            <a:r>
+              <a:rPr lang="en-US" sz="4800" b="1" dirty="0">
+                <a:solidFill>
+                  <a:srgbClr val="660033"/>
+                </a:solidFill>
+              </a:rPr>
+              <a:t>( 1 )</a:t>
+            </a:r>
+            <a:endParaRPr lang="vi-VN" sz="4800" b="1" dirty="0">
+              <a:solidFill>
+                <a:srgbClr val="660033"/>
+              </a:solidFill>
+            </a:endParaRPr>
+          </a:p>
+        </p:txBody>
+      </p:sp>
+    </p:spTree>
+    <p:extLst>
+      <p:ext uri="{BB962C8B-B14F-4D97-AF65-F5344CB8AC3E}">
+        <p14:creationId xmlns:p14="http://schemas.microsoft.com/office/powerpoint/2010/main" val="3453853066"/>
+      </p:ext>
+    </p:extLst>
+  </p:cSld>
+  <p:clrMapOvr>
+    <a:masterClrMapping/>
+  </p:clrMapOvr>
+</p:sld>
+</file>
+
+<file path=ppt/slides/slide8.xml><?xml version="1.0" encoding="utf-8"?>
+<p:sld xmlns:a="http://schemas.openxmlformats.org/drawingml/2006/main" xmlns:r="http://schemas.openxmlformats.org/officeDocument/2006/relationships" xmlns:p="http://schemas.openxmlformats.org/presentationml/2006/main">
+  <p:cSld>
+    <p:spTree>
+      <p:nvGrpSpPr>
+        <p:cNvPr id="1" name=""/>
+        <p:cNvGrpSpPr/>
+        <p:nvPr/>
+      </p:nvGrpSpPr>
+      <p:grpSpPr>
+        <a:xfrm>
+          <a:off x="0" y="0"/>
+          <a:ext cx="0" cy="0"/>
+          <a:chOff x="0" y="0"/>
+          <a:chExt cx="0" cy="0"/>
+        </a:xfrm>
+      </p:grpSpPr>
+      <p:sp>
+        <p:nvSpPr>
+          <p:cNvPr id="5" name="內容版面配置區 4"/>
+          <p:cNvSpPr>
+            <a:spLocks noGrp="1"/>
+          </p:cNvSpPr>
+          <p:nvPr>
+            <p:ph idx="1"/>
+          </p:nvPr>
+        </p:nvSpPr>
+        <p:spPr>
+          <a:xfrm>
+            <a:off x="0" y="2084851"/>
+            <a:ext cx="12192000" cy="2404863"/>
+          </a:xfrm>
+        </p:spPr>
+        <p:txBody>
+          <a:bodyPr anchor="ctr">
+            <a:normAutofit/>
+          </a:bodyPr>
+          <a:lstStyle/>
+          <a:p>
+            <a:pPr algn="ctr">
+              <a:buNone/>
+            </a:pPr>
+            <a:r>
+              <a:rPr lang="zh-TW" altLang="en-US" sz="6400" b="1" dirty="0">
+                <a:solidFill>
+                  <a:srgbClr val="660033"/>
+                </a:solidFill>
+                <a:latin typeface="微軟正黑體" pitchFamily="34" charset="-120"/>
+                <a:ea typeface="微軟正黑體" pitchFamily="34" charset="-120"/>
+              </a:rPr>
+              <a:t>成為</a:t>
+            </a:r>
+            <a:r>
+              <a:rPr lang="zh-TW" altLang="en-US" sz="6400" b="1" dirty="0">
+                <a:solidFill>
+                  <a:srgbClr val="660033"/>
+                </a:solidFill>
+                <a:latin typeface="微軟正黑體" pitchFamily="34" charset="-120"/>
+                <a:ea typeface="微軟正黑體" pitchFamily="34" charset="-120"/>
+              </a:rPr>
               <a:t>祢</a:t>
             </a:r>
-            <a:endParaRPr lang="en-US" altLang="zh-TW" sz="5400" dirty="0" smtClean="0"/>
+            <a:endParaRPr lang="en-US" altLang="zh-TW" sz="6400" b="1" dirty="0">
+              <a:solidFill>
+                <a:srgbClr val="660033"/>
+              </a:solidFill>
+              <a:latin typeface="微軟正黑體" pitchFamily="34" charset="-120"/>
+              <a:ea typeface="微軟正黑體" pitchFamily="34" charset="-120"/>
+            </a:endParaRPr>
           </a:p>
           <a:p>
             <a:pPr algn="ctr">
               <a:buNone/>
             </a:pPr>
             <a:r>
-              <a:rPr lang="zh-TW" altLang="en-US" sz="5400" dirty="0" smtClean="0"/>
-              <a:t>才</a:t>
-            </a:r>
-            <a:r>
-              <a:rPr lang="zh-TW" altLang="en-US" sz="5400" dirty="0"/>
-              <a:t>是祢 最欣賞喜悅的敬</a:t>
-            </a:r>
-            <a:r>
-              <a:rPr lang="zh-TW" altLang="en-US" sz="5400" dirty="0" smtClean="0"/>
-              <a:t>拜</a:t>
-            </a:r>
-            <a:endParaRPr lang="zh-TW" altLang="en-US" sz="5400" dirty="0"/>
+              <a:rPr lang="zh-TW" altLang="en-US" sz="6400" b="1" dirty="0">
+                <a:solidFill>
+                  <a:srgbClr val="660033"/>
+                </a:solidFill>
+                <a:latin typeface="微軟正黑體" pitchFamily="34" charset="-120"/>
+                <a:ea typeface="微軟正黑體" pitchFamily="34" charset="-120"/>
+              </a:rPr>
+              <a:t>最</a:t>
+            </a:r>
+            <a:r>
+              <a:rPr lang="zh-TW" altLang="en-US" sz="6400" b="1" dirty="0">
+                <a:solidFill>
+                  <a:srgbClr val="660033"/>
+                </a:solidFill>
+                <a:latin typeface="微軟正黑體" pitchFamily="34" charset="-120"/>
+                <a:ea typeface="微軟正黑體" pitchFamily="34" charset="-120"/>
+              </a:rPr>
+              <a:t>欣賞喜悅的敬拜</a:t>
+            </a:r>
+          </a:p>
+        </p:txBody>
+      </p:sp>
+      <p:sp>
+        <p:nvSpPr>
+          <p:cNvPr id="3" name="TextBox 2"/>
+          <p:cNvSpPr txBox="1"/>
+          <p:nvPr/>
+        </p:nvSpPr>
+        <p:spPr>
+          <a:xfrm>
+            <a:off x="0" y="5061182"/>
+            <a:ext cx="12192000" cy="830997"/>
+          </a:xfrm>
+          <a:prstGeom prst="rect">
+            <a:avLst/>
+          </a:prstGeom>
+          <a:noFill/>
+        </p:spPr>
+        <p:txBody>
+          <a:bodyPr wrap="square" rtlCol="0">
+            <a:spAutoFit/>
+          </a:bodyPr>
+          <a:lstStyle/>
+          <a:p>
+            <a:pPr algn="ctr"/>
+            <a:r>
+              <a:rPr lang="en-US" sz="4800" b="1" dirty="0">
+                <a:solidFill>
+                  <a:srgbClr val="660033"/>
+                </a:solidFill>
+              </a:rPr>
+              <a:t>( 1 )</a:t>
+            </a:r>
+            <a:endParaRPr lang="vi-VN" sz="4800" b="1" dirty="0">
+              <a:solidFill>
+                <a:srgbClr val="660033"/>
+              </a:solidFill>
+            </a:endParaRPr>
           </a:p>
         </p:txBody>
       </p:sp>
     </p:spTree>
+    <p:extLst>
+      <p:ext uri="{BB962C8B-B14F-4D97-AF65-F5344CB8AC3E}">
+        <p14:creationId xmlns:p14="http://schemas.microsoft.com/office/powerpoint/2010/main" val="1299812203"/>
+      </p:ext>
+    </p:extLst>
+  </p:cSld>
+  <p:clrMapOvr>
+    <a:masterClrMapping/>
+  </p:clrMapOvr>
+</p:sld>
+</file>
+
+<file path=ppt/slides/slide9.xml><?xml version="1.0" encoding="utf-8"?>
+<p:sld xmlns:a="http://schemas.openxmlformats.org/drawingml/2006/main" xmlns:r="http://schemas.openxmlformats.org/officeDocument/2006/relationships" xmlns:p="http://schemas.openxmlformats.org/presentationml/2006/main">
+  <p:cSld>
+    <p:spTree>
+      <p:nvGrpSpPr>
+        <p:cNvPr id="1" name=""/>
+        <p:cNvGrpSpPr/>
+        <p:nvPr/>
+      </p:nvGrpSpPr>
+      <p:grpSpPr>
+        <a:xfrm>
+          <a:off x="0" y="0"/>
+          <a:ext cx="0" cy="0"/>
+          <a:chOff x="0" y="0"/>
+          <a:chExt cx="0" cy="0"/>
+        </a:xfrm>
+      </p:grpSpPr>
+      <p:sp>
+        <p:nvSpPr>
+          <p:cNvPr id="5" name="內容版面配置區 4"/>
+          <p:cNvSpPr>
+            <a:spLocks noGrp="1"/>
+          </p:cNvSpPr>
+          <p:nvPr>
+            <p:ph idx="1"/>
+          </p:nvPr>
+        </p:nvSpPr>
+        <p:spPr>
+          <a:xfrm>
+            <a:off x="0" y="2084851"/>
+            <a:ext cx="12192000" cy="2404863"/>
+          </a:xfrm>
+        </p:spPr>
+        <p:txBody>
+          <a:bodyPr anchor="ctr">
+            <a:normAutofit/>
+          </a:bodyPr>
+          <a:lstStyle/>
+          <a:p>
+            <a:pPr algn="ctr">
+              <a:buNone/>
+            </a:pPr>
+            <a:r>
+              <a:rPr lang="zh-TW" altLang="en-US" sz="6400" b="1" dirty="0">
+                <a:solidFill>
+                  <a:srgbClr val="660033"/>
+                </a:solidFill>
+                <a:latin typeface="微軟正黑體" pitchFamily="34" charset="-120"/>
+                <a:ea typeface="微軟正黑體" pitchFamily="34" charset="-120"/>
+              </a:rPr>
+              <a:t>高天深海訴說  祢是配得尊貴</a:t>
+            </a:r>
+            <a:endParaRPr lang="en-US" altLang="zh-TW" sz="6400" b="1" dirty="0">
+              <a:solidFill>
+                <a:srgbClr val="660033"/>
+              </a:solidFill>
+              <a:latin typeface="微軟正黑體" pitchFamily="34" charset="-120"/>
+              <a:ea typeface="微軟正黑體" pitchFamily="34" charset="-120"/>
+            </a:endParaRPr>
+          </a:p>
+          <a:p>
+            <a:pPr algn="ctr">
+              <a:buNone/>
+            </a:pPr>
+            <a:r>
+              <a:rPr lang="zh-TW" altLang="en-US" sz="6400" b="1" dirty="0">
+                <a:solidFill>
+                  <a:srgbClr val="660033"/>
+                </a:solidFill>
+                <a:latin typeface="微軟正黑體" pitchFamily="34" charset="-120"/>
+                <a:ea typeface="微軟正黑體" pitchFamily="34" charset="-120"/>
+              </a:rPr>
+              <a:t>天空雀鳥高唱  讚頌祢的榮耀</a:t>
+            </a:r>
+            <a:endParaRPr lang="en-US" altLang="zh-TW" sz="6400" b="1" dirty="0">
+              <a:solidFill>
+                <a:srgbClr val="660033"/>
+              </a:solidFill>
+              <a:latin typeface="微軟正黑體" pitchFamily="34" charset="-120"/>
+              <a:ea typeface="微軟正黑體" pitchFamily="34" charset="-120"/>
+            </a:endParaRPr>
+          </a:p>
+        </p:txBody>
+      </p:sp>
+      <p:sp>
+        <p:nvSpPr>
+          <p:cNvPr id="3" name="TextBox 2"/>
+          <p:cNvSpPr txBox="1"/>
+          <p:nvPr/>
+        </p:nvSpPr>
+        <p:spPr>
+          <a:xfrm>
+            <a:off x="0" y="5061182"/>
+            <a:ext cx="12192000" cy="830997"/>
+          </a:xfrm>
+          <a:prstGeom prst="rect">
+            <a:avLst/>
+          </a:prstGeom>
+          <a:noFill/>
+        </p:spPr>
+        <p:txBody>
+          <a:bodyPr wrap="square" rtlCol="0">
+            <a:spAutoFit/>
+          </a:bodyPr>
+          <a:lstStyle/>
+          <a:p>
+            <a:pPr algn="ctr"/>
+            <a:r>
+              <a:rPr lang="en-US" sz="4800" b="1" dirty="0">
+                <a:solidFill>
+                  <a:srgbClr val="660033"/>
+                </a:solidFill>
+              </a:rPr>
+              <a:t>( 2 )</a:t>
+            </a:r>
+            <a:endParaRPr lang="vi-VN" sz="4800" b="1" dirty="0">
+              <a:solidFill>
+                <a:srgbClr val="660033"/>
+              </a:solidFill>
+            </a:endParaRPr>
+          </a:p>
+        </p:txBody>
+      </p:sp>
+    </p:spTree>
+    <p:extLst>
+      <p:ext uri="{BB962C8B-B14F-4D97-AF65-F5344CB8AC3E}">
+        <p14:creationId xmlns:p14="http://schemas.microsoft.com/office/powerpoint/2010/main" val="2050660502"/>
+      </p:ext>
+    </p:extLst>
   </p:cSld>
   <p:clrMapOvr>
     <a:masterClrMapping/>
@@ -3866,7 +5166,7 @@
 </file>
 
 <file path=ppt/theme/theme1.xml><?xml version="1.0" encoding="utf-8"?>
-<a:theme xmlns:a="http://schemas.openxmlformats.org/drawingml/2006/main" name="佈景主題2">
+<a:theme xmlns:a="http://schemas.openxmlformats.org/drawingml/2006/main" name="Theme1">
   <a:themeElements>
     <a:clrScheme name="Office">
       <a:dk1>
@@ -4145,5 +5445,10 @@
   </a:themeElements>
   <a:objectDefaults/>
   <a:extraClrSchemeLst/>
+  <a:extLst>
+    <a:ext uri="{05A4C25C-085E-4340-85A3-A5531E510DB2}">
+      <thm15:themeFamily xmlns:thm15="http://schemas.microsoft.com/office/thememl/2012/main" name="Theme1" id="{1A8DE197-990E-4893-BF04-3823FBB50F9A}" vid="{430B7048-5A04-4BDB-939A-C7E865DB887B}"/>
+    </a:ext>
+  </a:extLst>
 </a:theme>
 </file>
--- a/祢最喜悅的敬拜.pptx
+++ b/祢最喜悅的敬拜.pptx
@@ -13,12 +13,9 @@
     <p:sldId id="267" r:id="rId7"/>
     <p:sldId id="268" r:id="rId8"/>
     <p:sldId id="269" r:id="rId9"/>
-    <p:sldId id="270" r:id="rId10"/>
-    <p:sldId id="271" r:id="rId11"/>
-    <p:sldId id="272" r:id="rId12"/>
-    <p:sldId id="273" r:id="rId13"/>
-    <p:sldId id="274" r:id="rId14"/>
-    <p:sldId id="275" r:id="rId15"/>
+    <p:sldId id="273" r:id="rId10"/>
+    <p:sldId id="274" r:id="rId11"/>
+    <p:sldId id="275" r:id="rId12"/>
   </p:sldIdLst>
   <p:sldSz cx="12192000" cy="6858000"/>
   <p:notesSz cx="6858000" cy="9144000"/>
@@ -174,7 +171,7 @@
           <a:lstStyle/>
           <a:p>
             <a:r>
-              <a:rPr lang="en-US" altLang="zh-TW" smtClean="0"/>
+              <a:rPr lang="en-US" altLang="zh-TW"/>
               <a:t>Click to edit Master title style</a:t>
             </a:r>
             <a:endParaRPr lang="zh-TW" altLang="en-US"/>
@@ -293,7 +290,7 @@
           </a:lstStyle>
           <a:p>
             <a:r>
-              <a:rPr lang="en-US" altLang="zh-TW" smtClean="0"/>
+              <a:rPr lang="en-US" altLang="zh-TW"/>
               <a:t>Click to edit Master subtitle style</a:t>
             </a:r>
             <a:endParaRPr lang="zh-TW" altLang="en-US"/>
@@ -317,7 +314,7 @@
           <a:p>
             <a:fld id="{CC72A746-FD8D-44D8-BA27-84318A2AC223}" type="datetimeFigureOut">
               <a:rPr lang="zh-TW" altLang="en-US" smtClean="0"/>
-              <a:t>2021/5/26</a:t>
+              <a:t>2024/1/5</a:t>
             </a:fld>
             <a:endParaRPr lang="zh-TW" altLang="en-US"/>
           </a:p>
@@ -411,7 +408,7 @@
           <a:lstStyle/>
           <a:p>
             <a:r>
-              <a:rPr lang="en-US" altLang="zh-TW" smtClean="0"/>
+              <a:rPr lang="en-US" altLang="zh-TW"/>
               <a:t>Click to edit Master title style</a:t>
             </a:r>
             <a:endParaRPr lang="zh-TW" altLang="en-US"/>
@@ -435,35 +432,35 @@
           <a:p>
             <a:pPr lvl="0"/>
             <a:r>
-              <a:rPr lang="en-US" altLang="zh-TW" smtClean="0"/>
+              <a:rPr lang="en-US" altLang="zh-TW"/>
               <a:t>Edit Master text styles</a:t>
             </a:r>
           </a:p>
           <a:p>
             <a:pPr lvl="1"/>
             <a:r>
-              <a:rPr lang="en-US" altLang="zh-TW" smtClean="0"/>
+              <a:rPr lang="en-US" altLang="zh-TW"/>
               <a:t>Second level</a:t>
             </a:r>
           </a:p>
           <a:p>
             <a:pPr lvl="2"/>
             <a:r>
-              <a:rPr lang="en-US" altLang="zh-TW" smtClean="0"/>
+              <a:rPr lang="en-US" altLang="zh-TW"/>
               <a:t>Third level</a:t>
             </a:r>
           </a:p>
           <a:p>
             <a:pPr lvl="3"/>
             <a:r>
-              <a:rPr lang="en-US" altLang="zh-TW" smtClean="0"/>
+              <a:rPr lang="en-US" altLang="zh-TW"/>
               <a:t>Fourth level</a:t>
             </a:r>
           </a:p>
           <a:p>
             <a:pPr lvl="4"/>
             <a:r>
-              <a:rPr lang="en-US" altLang="zh-TW" smtClean="0"/>
+              <a:rPr lang="en-US" altLang="zh-TW"/>
               <a:t>Fifth level</a:t>
             </a:r>
             <a:endParaRPr lang="zh-TW" altLang="en-US"/>
@@ -487,7 +484,7 @@
           <a:p>
             <a:fld id="{CC72A746-FD8D-44D8-BA27-84318A2AC223}" type="datetimeFigureOut">
               <a:rPr lang="zh-TW" altLang="en-US" smtClean="0"/>
-              <a:t>2021/5/26</a:t>
+              <a:t>2024/1/5</a:t>
             </a:fld>
             <a:endParaRPr lang="zh-TW" altLang="en-US"/>
           </a:p>
@@ -586,7 +583,7 @@
           <a:lstStyle/>
           <a:p>
             <a:r>
-              <a:rPr lang="en-US" altLang="zh-TW" smtClean="0"/>
+              <a:rPr lang="en-US" altLang="zh-TW"/>
               <a:t>Click to edit Master title style</a:t>
             </a:r>
             <a:endParaRPr lang="zh-TW" altLang="en-US"/>
@@ -615,35 +612,35 @@
           <a:p>
             <a:pPr lvl="0"/>
             <a:r>
-              <a:rPr lang="en-US" altLang="zh-TW" smtClean="0"/>
+              <a:rPr lang="en-US" altLang="zh-TW"/>
               <a:t>Edit Master text styles</a:t>
             </a:r>
           </a:p>
           <a:p>
             <a:pPr lvl="1"/>
             <a:r>
-              <a:rPr lang="en-US" altLang="zh-TW" smtClean="0"/>
+              <a:rPr lang="en-US" altLang="zh-TW"/>
               <a:t>Second level</a:t>
             </a:r>
           </a:p>
           <a:p>
             <a:pPr lvl="2"/>
             <a:r>
-              <a:rPr lang="en-US" altLang="zh-TW" smtClean="0"/>
+              <a:rPr lang="en-US" altLang="zh-TW"/>
               <a:t>Third level</a:t>
             </a:r>
           </a:p>
           <a:p>
             <a:pPr lvl="3"/>
             <a:r>
-              <a:rPr lang="en-US" altLang="zh-TW" smtClean="0"/>
+              <a:rPr lang="en-US" altLang="zh-TW"/>
               <a:t>Fourth level</a:t>
             </a:r>
           </a:p>
           <a:p>
             <a:pPr lvl="4"/>
             <a:r>
-              <a:rPr lang="en-US" altLang="zh-TW" smtClean="0"/>
+              <a:rPr lang="en-US" altLang="zh-TW"/>
               <a:t>Fifth level</a:t>
             </a:r>
             <a:endParaRPr lang="zh-TW" altLang="en-US"/>
@@ -667,7 +664,7 @@
           <a:p>
             <a:fld id="{CC72A746-FD8D-44D8-BA27-84318A2AC223}" type="datetimeFigureOut">
               <a:rPr lang="zh-TW" altLang="en-US" smtClean="0"/>
-              <a:t>2021/5/26</a:t>
+              <a:t>2024/1/5</a:t>
             </a:fld>
             <a:endParaRPr lang="zh-TW" altLang="en-US"/>
           </a:p>
@@ -761,7 +758,7 @@
           <a:lstStyle/>
           <a:p>
             <a:r>
-              <a:rPr lang="en-US" altLang="zh-TW" smtClean="0"/>
+              <a:rPr lang="en-US" altLang="zh-TW"/>
               <a:t>Click to edit Master title style</a:t>
             </a:r>
             <a:endParaRPr lang="zh-TW" altLang="en-US"/>
@@ -785,35 +782,35 @@
           <a:p>
             <a:pPr lvl="0"/>
             <a:r>
-              <a:rPr lang="en-US" altLang="zh-TW" smtClean="0"/>
+              <a:rPr lang="en-US" altLang="zh-TW"/>
               <a:t>Edit Master text styles</a:t>
             </a:r>
           </a:p>
           <a:p>
             <a:pPr lvl="1"/>
             <a:r>
-              <a:rPr lang="en-US" altLang="zh-TW" smtClean="0"/>
+              <a:rPr lang="en-US" altLang="zh-TW"/>
               <a:t>Second level</a:t>
             </a:r>
           </a:p>
           <a:p>
             <a:pPr lvl="2"/>
             <a:r>
-              <a:rPr lang="en-US" altLang="zh-TW" smtClean="0"/>
+              <a:rPr lang="en-US" altLang="zh-TW"/>
               <a:t>Third level</a:t>
             </a:r>
           </a:p>
           <a:p>
             <a:pPr lvl="3"/>
             <a:r>
-              <a:rPr lang="en-US" altLang="zh-TW" smtClean="0"/>
+              <a:rPr lang="en-US" altLang="zh-TW"/>
               <a:t>Fourth level</a:t>
             </a:r>
           </a:p>
           <a:p>
             <a:pPr lvl="4"/>
             <a:r>
-              <a:rPr lang="en-US" altLang="zh-TW" smtClean="0"/>
+              <a:rPr lang="en-US" altLang="zh-TW"/>
               <a:t>Fifth level</a:t>
             </a:r>
             <a:endParaRPr lang="zh-TW" altLang="en-US"/>
@@ -837,7 +834,7 @@
           <a:p>
             <a:fld id="{CC72A746-FD8D-44D8-BA27-84318A2AC223}" type="datetimeFigureOut">
               <a:rPr lang="zh-TW" altLang="en-US" smtClean="0"/>
-              <a:t>2021/5/26</a:t>
+              <a:t>2024/1/5</a:t>
             </a:fld>
             <a:endParaRPr lang="zh-TW" altLang="en-US"/>
           </a:p>
@@ -940,7 +937,7 @@
           </a:lstStyle>
           <a:p>
             <a:r>
-              <a:rPr lang="en-US" altLang="zh-TW" smtClean="0"/>
+              <a:rPr lang="en-US" altLang="zh-TW"/>
               <a:t>Click to edit Master title style</a:t>
             </a:r>
             <a:endParaRPr lang="zh-TW" altLang="en-US"/>
@@ -1060,7 +1057,7 @@
           <a:p>
             <a:pPr lvl="0"/>
             <a:r>
-              <a:rPr lang="en-US" altLang="zh-TW" smtClean="0"/>
+              <a:rPr lang="en-US" altLang="zh-TW"/>
               <a:t>Edit Master text styles</a:t>
             </a:r>
           </a:p>
@@ -1083,7 +1080,7 @@
           <a:p>
             <a:fld id="{CC72A746-FD8D-44D8-BA27-84318A2AC223}" type="datetimeFigureOut">
               <a:rPr lang="zh-TW" altLang="en-US" smtClean="0"/>
-              <a:t>2021/5/26</a:t>
+              <a:t>2024/1/5</a:t>
             </a:fld>
             <a:endParaRPr lang="zh-TW" altLang="en-US"/>
           </a:p>
@@ -1177,7 +1174,7 @@
           <a:lstStyle/>
           <a:p>
             <a:r>
-              <a:rPr lang="en-US" altLang="zh-TW" smtClean="0"/>
+              <a:rPr lang="en-US" altLang="zh-TW"/>
               <a:t>Click to edit Master title style</a:t>
             </a:r>
             <a:endParaRPr lang="zh-TW" altLang="en-US"/>
@@ -1234,35 +1231,35 @@
           <a:p>
             <a:pPr lvl="0"/>
             <a:r>
-              <a:rPr lang="en-US" altLang="zh-TW" smtClean="0"/>
+              <a:rPr lang="en-US" altLang="zh-TW"/>
               <a:t>Edit Master text styles</a:t>
             </a:r>
           </a:p>
           <a:p>
             <a:pPr lvl="1"/>
             <a:r>
-              <a:rPr lang="en-US" altLang="zh-TW" smtClean="0"/>
+              <a:rPr lang="en-US" altLang="zh-TW"/>
               <a:t>Second level</a:t>
             </a:r>
           </a:p>
           <a:p>
             <a:pPr lvl="2"/>
             <a:r>
-              <a:rPr lang="en-US" altLang="zh-TW" smtClean="0"/>
+              <a:rPr lang="en-US" altLang="zh-TW"/>
               <a:t>Third level</a:t>
             </a:r>
           </a:p>
           <a:p>
             <a:pPr lvl="3"/>
             <a:r>
-              <a:rPr lang="en-US" altLang="zh-TW" smtClean="0"/>
+              <a:rPr lang="en-US" altLang="zh-TW"/>
               <a:t>Fourth level</a:t>
             </a:r>
           </a:p>
           <a:p>
             <a:pPr lvl="4"/>
             <a:r>
-              <a:rPr lang="en-US" altLang="zh-TW" smtClean="0"/>
+              <a:rPr lang="en-US" altLang="zh-TW"/>
               <a:t>Fifth level</a:t>
             </a:r>
             <a:endParaRPr lang="zh-TW" altLang="en-US"/>
@@ -1319,35 +1316,35 @@
           <a:p>
             <a:pPr lvl="0"/>
             <a:r>
-              <a:rPr lang="en-US" altLang="zh-TW" smtClean="0"/>
+              <a:rPr lang="en-US" altLang="zh-TW"/>
               <a:t>Edit Master text styles</a:t>
             </a:r>
           </a:p>
           <a:p>
             <a:pPr lvl="1"/>
             <a:r>
-              <a:rPr lang="en-US" altLang="zh-TW" smtClean="0"/>
+              <a:rPr lang="en-US" altLang="zh-TW"/>
               <a:t>Second level</a:t>
             </a:r>
           </a:p>
           <a:p>
             <a:pPr lvl="2"/>
             <a:r>
-              <a:rPr lang="en-US" altLang="zh-TW" smtClean="0"/>
+              <a:rPr lang="en-US" altLang="zh-TW"/>
               <a:t>Third level</a:t>
             </a:r>
           </a:p>
           <a:p>
             <a:pPr lvl="3"/>
             <a:r>
-              <a:rPr lang="en-US" altLang="zh-TW" smtClean="0"/>
+              <a:rPr lang="en-US" altLang="zh-TW"/>
               <a:t>Fourth level</a:t>
             </a:r>
           </a:p>
           <a:p>
             <a:pPr lvl="4"/>
             <a:r>
-              <a:rPr lang="en-US" altLang="zh-TW" smtClean="0"/>
+              <a:rPr lang="en-US" altLang="zh-TW"/>
               <a:t>Fifth level</a:t>
             </a:r>
             <a:endParaRPr lang="zh-TW" altLang="en-US"/>
@@ -1371,7 +1368,7 @@
           <a:p>
             <a:fld id="{CC72A746-FD8D-44D8-BA27-84318A2AC223}" type="datetimeFigureOut">
               <a:rPr lang="zh-TW" altLang="en-US" smtClean="0"/>
-              <a:t>2021/5/26</a:t>
+              <a:t>2024/1/5</a:t>
             </a:fld>
             <a:endParaRPr lang="zh-TW" altLang="en-US"/>
           </a:p>
@@ -1469,7 +1466,7 @@
           </a:lstStyle>
           <a:p>
             <a:r>
-              <a:rPr lang="en-US" altLang="zh-TW" smtClean="0"/>
+              <a:rPr lang="en-US" altLang="zh-TW"/>
               <a:t>Click to edit Master title style</a:t>
             </a:r>
             <a:endParaRPr lang="zh-TW" altLang="en-US"/>
@@ -1535,7 +1532,7 @@
           <a:p>
             <a:pPr lvl="0"/>
             <a:r>
-              <a:rPr lang="en-US" altLang="zh-TW" smtClean="0"/>
+              <a:rPr lang="en-US" altLang="zh-TW"/>
               <a:t>Edit Master text styles</a:t>
             </a:r>
           </a:p>
@@ -1591,35 +1588,35 @@
           <a:p>
             <a:pPr lvl="0"/>
             <a:r>
-              <a:rPr lang="en-US" altLang="zh-TW" smtClean="0"/>
+              <a:rPr lang="en-US" altLang="zh-TW"/>
               <a:t>Edit Master text styles</a:t>
             </a:r>
           </a:p>
           <a:p>
             <a:pPr lvl="1"/>
             <a:r>
-              <a:rPr lang="en-US" altLang="zh-TW" smtClean="0"/>
+              <a:rPr lang="en-US" altLang="zh-TW"/>
               <a:t>Second level</a:t>
             </a:r>
           </a:p>
           <a:p>
             <a:pPr lvl="2"/>
             <a:r>
-              <a:rPr lang="en-US" altLang="zh-TW" smtClean="0"/>
+              <a:rPr lang="en-US" altLang="zh-TW"/>
               <a:t>Third level</a:t>
             </a:r>
           </a:p>
           <a:p>
             <a:pPr lvl="3"/>
             <a:r>
-              <a:rPr lang="en-US" altLang="zh-TW" smtClean="0"/>
+              <a:rPr lang="en-US" altLang="zh-TW"/>
               <a:t>Fourth level</a:t>
             </a:r>
           </a:p>
           <a:p>
             <a:pPr lvl="4"/>
             <a:r>
-              <a:rPr lang="en-US" altLang="zh-TW" smtClean="0"/>
+              <a:rPr lang="en-US" altLang="zh-TW"/>
               <a:t>Fifth level</a:t>
             </a:r>
             <a:endParaRPr lang="zh-TW" altLang="en-US"/>
@@ -1685,7 +1682,7 @@
           <a:p>
             <a:pPr lvl="0"/>
             <a:r>
-              <a:rPr lang="en-US" altLang="zh-TW" smtClean="0"/>
+              <a:rPr lang="en-US" altLang="zh-TW"/>
               <a:t>Edit Master text styles</a:t>
             </a:r>
           </a:p>
@@ -1741,35 +1738,35 @@
           <a:p>
             <a:pPr lvl="0"/>
             <a:r>
-              <a:rPr lang="en-US" altLang="zh-TW" smtClean="0"/>
+              <a:rPr lang="en-US" altLang="zh-TW"/>
               <a:t>Edit Master text styles</a:t>
             </a:r>
           </a:p>
           <a:p>
             <a:pPr lvl="1"/>
             <a:r>
-              <a:rPr lang="en-US" altLang="zh-TW" smtClean="0"/>
+              <a:rPr lang="en-US" altLang="zh-TW"/>
               <a:t>Second level</a:t>
             </a:r>
           </a:p>
           <a:p>
             <a:pPr lvl="2"/>
             <a:r>
-              <a:rPr lang="en-US" altLang="zh-TW" smtClean="0"/>
+              <a:rPr lang="en-US" altLang="zh-TW"/>
               <a:t>Third level</a:t>
             </a:r>
           </a:p>
           <a:p>
             <a:pPr lvl="3"/>
             <a:r>
-              <a:rPr lang="en-US" altLang="zh-TW" smtClean="0"/>
+              <a:rPr lang="en-US" altLang="zh-TW"/>
               <a:t>Fourth level</a:t>
             </a:r>
           </a:p>
           <a:p>
             <a:pPr lvl="4"/>
             <a:r>
-              <a:rPr lang="en-US" altLang="zh-TW" smtClean="0"/>
+              <a:rPr lang="en-US" altLang="zh-TW"/>
               <a:t>Fifth level</a:t>
             </a:r>
             <a:endParaRPr lang="zh-TW" altLang="en-US"/>
@@ -1793,7 +1790,7 @@
           <a:p>
             <a:fld id="{CC72A746-FD8D-44D8-BA27-84318A2AC223}" type="datetimeFigureOut">
               <a:rPr lang="zh-TW" altLang="en-US" smtClean="0"/>
-              <a:t>2021/5/26</a:t>
+              <a:t>2024/1/5</a:t>
             </a:fld>
             <a:endParaRPr lang="zh-TW" altLang="en-US"/>
           </a:p>
@@ -1887,7 +1884,7 @@
           <a:lstStyle/>
           <a:p>
             <a:r>
-              <a:rPr lang="en-US" altLang="zh-TW" smtClean="0"/>
+              <a:rPr lang="en-US" altLang="zh-TW"/>
               <a:t>Click to edit Master title style</a:t>
             </a:r>
             <a:endParaRPr lang="zh-TW" altLang="en-US"/>
@@ -1911,7 +1908,7 @@
           <a:p>
             <a:fld id="{CC72A746-FD8D-44D8-BA27-84318A2AC223}" type="datetimeFigureOut">
               <a:rPr lang="zh-TW" altLang="en-US" smtClean="0"/>
-              <a:t>2021/5/26</a:t>
+              <a:t>2024/1/5</a:t>
             </a:fld>
             <a:endParaRPr lang="zh-TW" altLang="en-US"/>
           </a:p>
@@ -2006,7 +2003,7 @@
           <a:p>
             <a:fld id="{CC72A746-FD8D-44D8-BA27-84318A2AC223}" type="datetimeFigureOut">
               <a:rPr lang="zh-TW" altLang="en-US" smtClean="0"/>
-              <a:t>2021/5/26</a:t>
+              <a:t>2024/1/5</a:t>
             </a:fld>
             <a:endParaRPr lang="zh-TW" altLang="en-US"/>
           </a:p>
@@ -2109,7 +2106,7 @@
           </a:lstStyle>
           <a:p>
             <a:r>
-              <a:rPr lang="en-US" altLang="zh-TW" smtClean="0"/>
+              <a:rPr lang="en-US" altLang="zh-TW"/>
               <a:t>Click to edit Master title style</a:t>
             </a:r>
             <a:endParaRPr lang="zh-TW" altLang="en-US"/>
@@ -2166,35 +2163,35 @@
           <a:p>
             <a:pPr lvl="0"/>
             <a:r>
-              <a:rPr lang="en-US" altLang="zh-TW" smtClean="0"/>
+              <a:rPr lang="en-US" altLang="zh-TW"/>
               <a:t>Edit Master text styles</a:t>
             </a:r>
           </a:p>
           <a:p>
             <a:pPr lvl="1"/>
             <a:r>
-              <a:rPr lang="en-US" altLang="zh-TW" smtClean="0"/>
+              <a:rPr lang="en-US" altLang="zh-TW"/>
               <a:t>Second level</a:t>
             </a:r>
           </a:p>
           <a:p>
             <a:pPr lvl="2"/>
             <a:r>
-              <a:rPr lang="en-US" altLang="zh-TW" smtClean="0"/>
+              <a:rPr lang="en-US" altLang="zh-TW"/>
               <a:t>Third level</a:t>
             </a:r>
           </a:p>
           <a:p>
             <a:pPr lvl="3"/>
             <a:r>
-              <a:rPr lang="en-US" altLang="zh-TW" smtClean="0"/>
+              <a:rPr lang="en-US" altLang="zh-TW"/>
               <a:t>Fourth level</a:t>
             </a:r>
           </a:p>
           <a:p>
             <a:pPr lvl="4"/>
             <a:r>
-              <a:rPr lang="en-US" altLang="zh-TW" smtClean="0"/>
+              <a:rPr lang="en-US" altLang="zh-TW"/>
               <a:t>Fifth level</a:t>
             </a:r>
             <a:endParaRPr lang="zh-TW" altLang="en-US"/>
@@ -2260,7 +2257,7 @@
           <a:p>
             <a:pPr lvl="0"/>
             <a:r>
-              <a:rPr lang="en-US" altLang="zh-TW" smtClean="0"/>
+              <a:rPr lang="en-US" altLang="zh-TW"/>
               <a:t>Edit Master text styles</a:t>
             </a:r>
           </a:p>
@@ -2283,7 +2280,7 @@
           <a:p>
             <a:fld id="{CC72A746-FD8D-44D8-BA27-84318A2AC223}" type="datetimeFigureOut">
               <a:rPr lang="zh-TW" altLang="en-US" smtClean="0"/>
-              <a:t>2021/5/26</a:t>
+              <a:t>2024/1/5</a:t>
             </a:fld>
             <a:endParaRPr lang="zh-TW" altLang="en-US"/>
           </a:p>
@@ -2386,7 +2383,7 @@
           </a:lstStyle>
           <a:p>
             <a:r>
-              <a:rPr lang="en-US" altLang="zh-TW" smtClean="0"/>
+              <a:rPr lang="en-US" altLang="zh-TW"/>
               <a:t>Click to edit Master title style</a:t>
             </a:r>
             <a:endParaRPr lang="zh-TW" altLang="en-US"/>
@@ -2451,7 +2448,7 @@
           </a:lstStyle>
           <a:p>
             <a:r>
-              <a:rPr lang="en-US" altLang="zh-TW" smtClean="0"/>
+              <a:rPr lang="en-US" altLang="zh-TW"/>
               <a:t>Click icon to add picture</a:t>
             </a:r>
             <a:endParaRPr lang="zh-TW" altLang="en-US"/>
@@ -2517,7 +2514,7 @@
           <a:p>
             <a:pPr lvl="0"/>
             <a:r>
-              <a:rPr lang="en-US" altLang="zh-TW" smtClean="0"/>
+              <a:rPr lang="en-US" altLang="zh-TW"/>
               <a:t>Edit Master text styles</a:t>
             </a:r>
           </a:p>
@@ -2540,7 +2537,7 @@
           <a:p>
             <a:fld id="{CC72A746-FD8D-44D8-BA27-84318A2AC223}" type="datetimeFigureOut">
               <a:rPr lang="zh-TW" altLang="en-US" smtClean="0"/>
-              <a:t>2021/5/26</a:t>
+              <a:t>2024/1/5</a:t>
             </a:fld>
             <a:endParaRPr lang="zh-TW" altLang="en-US"/>
           </a:p>
@@ -2654,10 +2651,9 @@
           <a:lstStyle/>
           <a:p>
             <a:r>
-              <a:rPr lang="zh-TW" altLang="en-US" smtClean="0"/>
+              <a:rPr lang="zh-TW" altLang="en-US"/>
               <a:t>按一下以編輯母片標題樣式</a:t>
             </a:r>
-            <a:endParaRPr lang="zh-TW" altLang="en-US"/>
           </a:p>
         </p:txBody>
       </p:sp>
@@ -2688,38 +2684,37 @@
           <a:p>
             <a:pPr lvl="0"/>
             <a:r>
-              <a:rPr lang="zh-TW" altLang="en-US" smtClean="0"/>
+              <a:rPr lang="zh-TW" altLang="en-US"/>
               <a:t>按一下以編輯母片文字樣式</a:t>
             </a:r>
           </a:p>
           <a:p>
             <a:pPr lvl="1"/>
             <a:r>
-              <a:rPr lang="zh-TW" altLang="en-US" smtClean="0"/>
+              <a:rPr lang="zh-TW" altLang="en-US"/>
               <a:t>第二層</a:t>
             </a:r>
           </a:p>
           <a:p>
             <a:pPr lvl="2"/>
             <a:r>
-              <a:rPr lang="zh-TW" altLang="en-US" smtClean="0"/>
+              <a:rPr lang="zh-TW" altLang="en-US"/>
               <a:t>第三層</a:t>
             </a:r>
           </a:p>
           <a:p>
             <a:pPr lvl="3"/>
             <a:r>
-              <a:rPr lang="zh-TW" altLang="en-US" smtClean="0"/>
+              <a:rPr lang="zh-TW" altLang="en-US"/>
               <a:t>第四層</a:t>
             </a:r>
           </a:p>
           <a:p>
             <a:pPr lvl="4"/>
             <a:r>
-              <a:rPr lang="zh-TW" altLang="en-US" smtClean="0"/>
+              <a:rPr lang="zh-TW" altLang="en-US"/>
               <a:t>第五層</a:t>
             </a:r>
-            <a:endParaRPr lang="zh-TW" altLang="en-US"/>
           </a:p>
         </p:txBody>
       </p:sp>
@@ -2758,7 +2753,7 @@
           <a:p>
             <a:fld id="{CC72A746-FD8D-44D8-BA27-84318A2AC223}" type="datetimeFigureOut">
               <a:rPr lang="zh-TW" altLang="en-US" smtClean="0"/>
-              <a:t>2021/5/26</a:t>
+              <a:t>2024/1/5</a:t>
             </a:fld>
             <a:endParaRPr lang="zh-TW" altLang="en-US"/>
           </a:p>
@@ -3170,24 +3165,7 @@
                 <a:latin typeface="微軟正黑體" pitchFamily="34" charset="-120"/>
                 <a:ea typeface="微軟正黑體" pitchFamily="34" charset="-120"/>
               </a:rPr>
-              <a:t>祢</a:t>
-            </a:r>
-            <a:r>
-              <a:rPr lang="zh-TW" altLang="en-US" sz="7200" b="1" i="1" dirty="0">
-                <a:solidFill>
-                  <a:srgbClr val="660033"/>
-                </a:solidFill>
-                <a:effectLst>
-                  <a:outerShdw blurRad="38100" dist="38100" dir="2700000" algn="tl">
-                    <a:srgbClr val="000000">
-                      <a:alpha val="43137"/>
-                    </a:srgbClr>
-                  </a:outerShdw>
-                </a:effectLst>
-                <a:latin typeface="微軟正黑體" pitchFamily="34" charset="-120"/>
-                <a:ea typeface="微軟正黑體" pitchFamily="34" charset="-120"/>
-              </a:rPr>
-              <a:t>最喜悅的敬拜</a:t>
+              <a:t>祢最喜悅的敬拜</a:t>
             </a:r>
           </a:p>
         </p:txBody>
@@ -3255,7 +3233,7 @@
                 <a:latin typeface="微軟正黑體" pitchFamily="34" charset="-120"/>
                 <a:ea typeface="微軟正黑體" pitchFamily="34" charset="-120"/>
               </a:rPr>
-              <a:t>深知祢所喜愛</a:t>
+              <a:t>恩主祢最喜愛</a:t>
             </a:r>
             <a:endParaRPr lang="en-US" altLang="zh-TW" sz="6400" b="1" dirty="0">
               <a:solidFill>
@@ -3277,7 +3255,7 @@
                 <a:latin typeface="微軟正黑體" pitchFamily="34" charset="-120"/>
                 <a:ea typeface="微軟正黑體" pitchFamily="34" charset="-120"/>
               </a:rPr>
-              <a:t>卻是以心靈獻奉給祢</a:t>
+              <a:t>是我沒有保留將心歸祢</a:t>
             </a:r>
             <a:endParaRPr lang="en-US" altLang="zh-TW" sz="6400" b="1" dirty="0">
               <a:solidFill>
@@ -3291,14 +3269,20 @@
       </p:sp>
       <p:sp>
         <p:nvSpPr>
-          <p:cNvPr id="3" name="TextBox 2"/>
+          <p:cNvPr id="2" name="TextBox 1">
+            <a:extLst>
+              <a:ext uri="{FF2B5EF4-FFF2-40B4-BE49-F238E27FC236}">
+                <a16:creationId xmlns:a16="http://schemas.microsoft.com/office/drawing/2014/main" id="{98602B9A-C990-3B86-F90B-8A76D39B4FF3}"/>
+              </a:ext>
+            </a:extLst>
+          </p:cNvPr>
           <p:cNvSpPr txBox="1"/>
           <p:nvPr/>
         </p:nvSpPr>
         <p:spPr>
           <a:xfrm>
-            <a:off x="0" y="5061182"/>
-            <a:ext cx="12192000" cy="830997"/>
+            <a:off x="0" y="5229200"/>
+            <a:ext cx="12192000" cy="646331"/>
           </a:xfrm>
           <a:prstGeom prst="rect">
             <a:avLst/>
@@ -3313,17 +3297,44 @@
           <a:p>
             <a:pPr algn="ctr"/>
             <a:r>
-              <a:rPr lang="en-US" sz="4800" b="1" dirty="0">
-                <a:solidFill>
-                  <a:srgbClr val="660033"/>
-                </a:solidFill>
-              </a:rPr>
-              <a:t>( 2 )</a:t>
-            </a:r>
-            <a:endParaRPr lang="vi-VN" sz="4800" b="1" dirty="0">
+              <a:rPr lang="en-US" sz="3600" b="1" dirty="0">
+                <a:solidFill>
+                  <a:srgbClr val="660033"/>
+                </a:solidFill>
+                <a:effectLst/>
+                <a:latin typeface="Microsoft JhengHei" panose="020B0604030504040204" pitchFamily="34" charset="-120"/>
+                <a:ea typeface="Microsoft JhengHei" panose="020B0604030504040204" pitchFamily="34" charset="-120"/>
+              </a:rPr>
+              <a:t>( </a:t>
+            </a:r>
+            <a:r>
+              <a:rPr lang="zh-CN" altLang="en-US" sz="3600" b="1" dirty="0">
+                <a:solidFill>
+                  <a:srgbClr val="660033"/>
+                </a:solidFill>
+                <a:effectLst/>
+                <a:latin typeface="Microsoft JhengHei" panose="020B0604030504040204" pitchFamily="34" charset="-120"/>
+                <a:ea typeface="Microsoft JhengHei" panose="020B0604030504040204" pitchFamily="34" charset="-120"/>
+              </a:rPr>
+              <a:t>副歌</a:t>
+            </a:r>
+            <a:r>
+              <a:rPr lang="en-US" sz="3600" b="1" dirty="0">
+                <a:solidFill>
+                  <a:srgbClr val="660033"/>
+                </a:solidFill>
+                <a:effectLst/>
+                <a:latin typeface="Microsoft JhengHei" panose="020B0604030504040204" pitchFamily="34" charset="-120"/>
+                <a:ea typeface="Microsoft JhengHei" panose="020B0604030504040204" pitchFamily="34" charset="-120"/>
+              </a:rPr>
+              <a:t> 2 )</a:t>
+            </a:r>
+            <a:endParaRPr lang="vi-VN" sz="3600" b="1" dirty="0">
               <a:solidFill>
                 <a:srgbClr val="660033"/>
               </a:solidFill>
+              <a:effectLst/>
+              <a:ea typeface="Microsoft JhengHei" panose="020B0604030504040204" pitchFamily="34" charset="-120"/>
             </a:endParaRPr>
           </a:p>
         </p:txBody>
@@ -3331,7 +3342,7 @@
     </p:spTree>
     <p:extLst>
       <p:ext uri="{BB962C8B-B14F-4D97-AF65-F5344CB8AC3E}">
-        <p14:creationId xmlns:p14="http://schemas.microsoft.com/office/powerpoint/2010/main" val="1395443909"/>
+        <p14:creationId xmlns:p14="http://schemas.microsoft.com/office/powerpoint/2010/main" val="71139188"/>
       </p:ext>
     </p:extLst>
   </p:cSld>
@@ -3391,7 +3402,7 @@
                 <a:latin typeface="微軟正黑體" pitchFamily="34" charset="-120"/>
                 <a:ea typeface="微軟正黑體" pitchFamily="34" charset="-120"/>
               </a:rPr>
-              <a:t>成為祢</a:t>
+              <a:t>才是祢</a:t>
             </a:r>
             <a:endParaRPr lang="en-US" altLang="zh-TW" sz="6400" b="1" dirty="0">
               <a:solidFill>
@@ -3415,26 +3426,25 @@
               </a:rPr>
               <a:t>最欣賞喜悅的敬拜</a:t>
             </a:r>
-            <a:endParaRPr lang="zh-TW" altLang="en-US" sz="6400" b="1" dirty="0">
-              <a:solidFill>
-                <a:srgbClr val="660033"/>
-              </a:solidFill>
-              <a:latin typeface="微軟正黑體" pitchFamily="34" charset="-120"/>
-              <a:ea typeface="微軟正黑體" pitchFamily="34" charset="-120"/>
-            </a:endParaRPr>
-          </a:p>
-        </p:txBody>
-      </p:sp>
-      <p:sp>
-        <p:nvSpPr>
-          <p:cNvPr id="3" name="TextBox 2"/>
+          </a:p>
+        </p:txBody>
+      </p:sp>
+      <p:sp>
+        <p:nvSpPr>
+          <p:cNvPr id="2" name="TextBox 1">
+            <a:extLst>
+              <a:ext uri="{FF2B5EF4-FFF2-40B4-BE49-F238E27FC236}">
+                <a16:creationId xmlns:a16="http://schemas.microsoft.com/office/drawing/2014/main" id="{CE631DF0-FCE8-156E-0DA9-2F036D2ED19D}"/>
+              </a:ext>
+            </a:extLst>
+          </p:cNvPr>
           <p:cNvSpPr txBox="1"/>
           <p:nvPr/>
         </p:nvSpPr>
         <p:spPr>
           <a:xfrm>
-            <a:off x="0" y="5061182"/>
-            <a:ext cx="12192000" cy="830997"/>
+            <a:off x="0" y="5229200"/>
+            <a:ext cx="12192000" cy="646331"/>
           </a:xfrm>
           <a:prstGeom prst="rect">
             <a:avLst/>
@@ -3449,511 +3459,44 @@
           <a:p>
             <a:pPr algn="ctr"/>
             <a:r>
-              <a:rPr lang="en-US" sz="4800" b="1" dirty="0">
-                <a:solidFill>
-                  <a:srgbClr val="660033"/>
-                </a:solidFill>
-              </a:rPr>
-              <a:t>( 2 )</a:t>
-            </a:r>
-            <a:endParaRPr lang="vi-VN" sz="4800" b="1" dirty="0">
+              <a:rPr lang="en-US" sz="3600" b="1" dirty="0">
+                <a:solidFill>
+                  <a:srgbClr val="660033"/>
+                </a:solidFill>
+                <a:effectLst/>
+                <a:latin typeface="Microsoft JhengHei" panose="020B0604030504040204" pitchFamily="34" charset="-120"/>
+                <a:ea typeface="Microsoft JhengHei" panose="020B0604030504040204" pitchFamily="34" charset="-120"/>
+              </a:rPr>
+              <a:t>( </a:t>
+            </a:r>
+            <a:r>
+              <a:rPr lang="zh-CN" altLang="en-US" sz="3600" b="1" dirty="0">
+                <a:solidFill>
+                  <a:srgbClr val="660033"/>
+                </a:solidFill>
+                <a:effectLst/>
+                <a:latin typeface="Microsoft JhengHei" panose="020B0604030504040204" pitchFamily="34" charset="-120"/>
+                <a:ea typeface="Microsoft JhengHei" panose="020B0604030504040204" pitchFamily="34" charset="-120"/>
+              </a:rPr>
+              <a:t>副歌</a:t>
+            </a:r>
+            <a:r>
+              <a:rPr lang="en-US" sz="3600" b="1">
+                <a:solidFill>
+                  <a:srgbClr val="660033"/>
+                </a:solidFill>
+                <a:effectLst/>
+                <a:latin typeface="Microsoft JhengHei" panose="020B0604030504040204" pitchFamily="34" charset="-120"/>
+                <a:ea typeface="Microsoft JhengHei" panose="020B0604030504040204" pitchFamily="34" charset="-120"/>
+              </a:rPr>
+              <a:t> 2 )</a:t>
+            </a:r>
+            <a:endParaRPr lang="vi-VN" sz="3600" b="1" dirty="0">
               <a:solidFill>
                 <a:srgbClr val="660033"/>
               </a:solidFill>
-            </a:endParaRPr>
-          </a:p>
-        </p:txBody>
-      </p:sp>
-    </p:spTree>
-    <p:extLst>
-      <p:ext uri="{BB962C8B-B14F-4D97-AF65-F5344CB8AC3E}">
-        <p14:creationId xmlns:p14="http://schemas.microsoft.com/office/powerpoint/2010/main" val="2089314195"/>
-      </p:ext>
-    </p:extLst>
-  </p:cSld>
-  <p:clrMapOvr>
-    <a:masterClrMapping/>
-  </p:clrMapOvr>
-</p:sld>
-</file>
-
-<file path=ppt/slides/slide12.xml><?xml version="1.0" encoding="utf-8"?>
-<p:sld xmlns:a="http://schemas.openxmlformats.org/drawingml/2006/main" xmlns:r="http://schemas.openxmlformats.org/officeDocument/2006/relationships" xmlns:p="http://schemas.openxmlformats.org/presentationml/2006/main">
-  <p:cSld>
-    <p:spTree>
-      <p:nvGrpSpPr>
-        <p:cNvPr id="1" name=""/>
-        <p:cNvGrpSpPr/>
-        <p:nvPr/>
-      </p:nvGrpSpPr>
-      <p:grpSpPr>
-        <a:xfrm>
-          <a:off x="0" y="0"/>
-          <a:ext cx="0" cy="0"/>
-          <a:chOff x="0" y="0"/>
-          <a:chExt cx="0" cy="0"/>
-        </a:xfrm>
-      </p:grpSpPr>
-      <p:sp>
-        <p:nvSpPr>
-          <p:cNvPr id="5" name="內容版面配置區 4"/>
-          <p:cNvSpPr>
-            <a:spLocks noGrp="1"/>
-          </p:cNvSpPr>
-          <p:nvPr>
-            <p:ph idx="1"/>
-          </p:nvPr>
-        </p:nvSpPr>
-        <p:spPr>
-          <a:xfrm>
-            <a:off x="0" y="2084851"/>
-            <a:ext cx="12192000" cy="2404863"/>
-          </a:xfrm>
-        </p:spPr>
-        <p:txBody>
-          <a:bodyPr anchor="ctr">
-            <a:normAutofit/>
-          </a:bodyPr>
-          <a:lstStyle/>
-          <a:p>
-            <a:pPr algn="ctr">
-              <a:buNone/>
-            </a:pPr>
-            <a:r>
-              <a:rPr lang="zh-TW" altLang="en-US" sz="6400" b="1" dirty="0">
-                <a:solidFill>
-                  <a:srgbClr val="660033"/>
-                </a:solidFill>
-                <a:latin typeface="微軟正黑體" pitchFamily="34" charset="-120"/>
-                <a:ea typeface="微軟正黑體" pitchFamily="34" charset="-120"/>
-              </a:rPr>
-              <a:t>施恩典的上</a:t>
-            </a:r>
-            <a:r>
-              <a:rPr lang="zh-TW" altLang="en-US" sz="6400" b="1" dirty="0">
-                <a:solidFill>
-                  <a:srgbClr val="660033"/>
-                </a:solidFill>
-                <a:latin typeface="微軟正黑體" pitchFamily="34" charset="-120"/>
-                <a:ea typeface="微軟正黑體" pitchFamily="34" charset="-120"/>
-              </a:rPr>
-              <a:t>帝</a:t>
-            </a:r>
-            <a:r>
-              <a:rPr lang="en-US" altLang="zh-TW" sz="6400" b="1" dirty="0">
-                <a:solidFill>
-                  <a:srgbClr val="660033"/>
-                </a:solidFill>
-                <a:latin typeface="微軟正黑體" pitchFamily="34" charset="-120"/>
-                <a:ea typeface="微軟正黑體" pitchFamily="34" charset="-120"/>
-              </a:rPr>
-              <a:t>  </a:t>
-            </a:r>
-            <a:r>
-              <a:rPr lang="zh-TW" altLang="en-US" sz="6400" b="1" dirty="0">
-                <a:solidFill>
-                  <a:srgbClr val="660033"/>
-                </a:solidFill>
-                <a:latin typeface="微軟正黑體" pitchFamily="34" charset="-120"/>
-                <a:ea typeface="微軟正黑體" pitchFamily="34" charset="-120"/>
-              </a:rPr>
-              <a:t>創</a:t>
-            </a:r>
-            <a:r>
-              <a:rPr lang="zh-TW" altLang="en-US" sz="6400" b="1" dirty="0">
-                <a:solidFill>
-                  <a:srgbClr val="660033"/>
-                </a:solidFill>
-                <a:latin typeface="微軟正黑體" pitchFamily="34" charset="-120"/>
-                <a:ea typeface="微軟正黑體" pitchFamily="34" charset="-120"/>
-              </a:rPr>
-              <a:t>造世間一切</a:t>
-            </a:r>
-            <a:endParaRPr lang="en-US" altLang="zh-TW" sz="6400" b="1" dirty="0">
-              <a:solidFill>
-                <a:srgbClr val="660033"/>
-              </a:solidFill>
-              <a:latin typeface="微軟正黑體" pitchFamily="34" charset="-120"/>
-              <a:ea typeface="微軟正黑體" pitchFamily="34" charset="-120"/>
-            </a:endParaRPr>
-          </a:p>
-          <a:p>
-            <a:pPr algn="ctr">
-              <a:buNone/>
-            </a:pPr>
-            <a:r>
-              <a:rPr lang="zh-TW" altLang="en-US" sz="6400" b="1" dirty="0">
-                <a:solidFill>
-                  <a:srgbClr val="660033"/>
-                </a:solidFill>
-                <a:latin typeface="微軟正黑體" pitchFamily="34" charset="-120"/>
-                <a:ea typeface="微軟正黑體" pitchFamily="34" charset="-120"/>
-              </a:rPr>
-              <a:t>雙手掌管所</a:t>
-            </a:r>
-            <a:r>
-              <a:rPr lang="zh-TW" altLang="en-US" sz="6400" b="1" dirty="0">
-                <a:solidFill>
-                  <a:srgbClr val="660033"/>
-                </a:solidFill>
-                <a:latin typeface="微軟正黑體" pitchFamily="34" charset="-120"/>
-                <a:ea typeface="微軟正黑體" pitchFamily="34" charset="-120"/>
-              </a:rPr>
-              <a:t>有</a:t>
-            </a:r>
-            <a:r>
-              <a:rPr lang="en-US" altLang="zh-TW" sz="6400" b="1" dirty="0">
-                <a:solidFill>
-                  <a:srgbClr val="660033"/>
-                </a:solidFill>
-                <a:latin typeface="微軟正黑體" pitchFamily="34" charset="-120"/>
-                <a:ea typeface="微軟正黑體" pitchFamily="34" charset="-120"/>
-              </a:rPr>
-              <a:t>  </a:t>
-            </a:r>
-            <a:r>
-              <a:rPr lang="zh-TW" altLang="en-US" sz="6400" b="1" dirty="0">
-                <a:solidFill>
-                  <a:srgbClr val="660033"/>
-                </a:solidFill>
-                <a:latin typeface="微軟正黑體" pitchFamily="34" charset="-120"/>
-                <a:ea typeface="微軟正黑體" pitchFamily="34" charset="-120"/>
-              </a:rPr>
-              <a:t>並</a:t>
-            </a:r>
-            <a:r>
-              <a:rPr lang="zh-TW" altLang="en-US" sz="6400" b="1" dirty="0">
-                <a:solidFill>
-                  <a:srgbClr val="660033"/>
-                </a:solidFill>
-                <a:latin typeface="微軟正黑體" pitchFamily="34" charset="-120"/>
-                <a:ea typeface="微軟正黑體" pitchFamily="34" charset="-120"/>
-              </a:rPr>
-              <a:t>沒有所缺少</a:t>
-            </a:r>
-          </a:p>
-        </p:txBody>
-      </p:sp>
-      <p:sp>
-        <p:nvSpPr>
-          <p:cNvPr id="3" name="TextBox 2"/>
-          <p:cNvSpPr txBox="1"/>
-          <p:nvPr/>
-        </p:nvSpPr>
-        <p:spPr>
-          <a:xfrm>
-            <a:off x="0" y="5061182"/>
-            <a:ext cx="12192000" cy="830997"/>
-          </a:xfrm>
-          <a:prstGeom prst="rect">
-            <a:avLst/>
-          </a:prstGeom>
-          <a:noFill/>
-        </p:spPr>
-        <p:txBody>
-          <a:bodyPr wrap="square" rtlCol="0">
-            <a:spAutoFit/>
-          </a:bodyPr>
-          <a:lstStyle/>
-          <a:p>
-            <a:pPr algn="ctr"/>
-            <a:r>
-              <a:rPr lang="en-US" sz="4800" b="1" dirty="0">
-                <a:solidFill>
-                  <a:srgbClr val="660033"/>
-                </a:solidFill>
-              </a:rPr>
-              <a:t>( 3 )</a:t>
-            </a:r>
-            <a:endParaRPr lang="vi-VN" sz="4800" b="1" dirty="0">
-              <a:solidFill>
-                <a:srgbClr val="660033"/>
-              </a:solidFill>
-            </a:endParaRPr>
-          </a:p>
-        </p:txBody>
-      </p:sp>
-    </p:spTree>
-    <p:extLst>
-      <p:ext uri="{BB962C8B-B14F-4D97-AF65-F5344CB8AC3E}">
-        <p14:creationId xmlns:p14="http://schemas.microsoft.com/office/powerpoint/2010/main" val="509441241"/>
-      </p:ext>
-    </p:extLst>
-  </p:cSld>
-  <p:clrMapOvr>
-    <a:masterClrMapping/>
-  </p:clrMapOvr>
-</p:sld>
-</file>
-
-<file path=ppt/slides/slide13.xml><?xml version="1.0" encoding="utf-8"?>
-<p:sld xmlns:a="http://schemas.openxmlformats.org/drawingml/2006/main" xmlns:r="http://schemas.openxmlformats.org/officeDocument/2006/relationships" xmlns:p="http://schemas.openxmlformats.org/presentationml/2006/main">
-  <p:cSld>
-    <p:spTree>
-      <p:nvGrpSpPr>
-        <p:cNvPr id="1" name=""/>
-        <p:cNvGrpSpPr/>
-        <p:nvPr/>
-      </p:nvGrpSpPr>
-      <p:grpSpPr>
-        <a:xfrm>
-          <a:off x="0" y="0"/>
-          <a:ext cx="0" cy="0"/>
-          <a:chOff x="0" y="0"/>
-          <a:chExt cx="0" cy="0"/>
-        </a:xfrm>
-      </p:grpSpPr>
-      <p:sp>
-        <p:nvSpPr>
-          <p:cNvPr id="5" name="內容版面配置區 4"/>
-          <p:cNvSpPr>
-            <a:spLocks noGrp="1"/>
-          </p:cNvSpPr>
-          <p:nvPr>
-            <p:ph idx="1"/>
-          </p:nvPr>
-        </p:nvSpPr>
-        <p:spPr>
-          <a:xfrm>
-            <a:off x="0" y="2084851"/>
-            <a:ext cx="12192000" cy="2404863"/>
-          </a:xfrm>
-        </p:spPr>
-        <p:txBody>
-          <a:bodyPr anchor="ctr">
-            <a:normAutofit/>
-          </a:bodyPr>
-          <a:lstStyle/>
-          <a:p>
-            <a:pPr algn="ctr">
-              <a:buNone/>
-            </a:pPr>
-            <a:r>
-              <a:rPr lang="zh-TW" altLang="en-US" sz="6400" b="1" dirty="0">
-                <a:solidFill>
-                  <a:srgbClr val="660033"/>
-                </a:solidFill>
-                <a:latin typeface="微軟正黑體" pitchFamily="34" charset="-120"/>
-                <a:ea typeface="微軟正黑體" pitchFamily="34" charset="-120"/>
-              </a:rPr>
-              <a:t>恩主祢最喜愛</a:t>
-            </a:r>
-            <a:endParaRPr lang="en-US" altLang="zh-TW" sz="6400" b="1" dirty="0">
-              <a:solidFill>
-                <a:srgbClr val="660033"/>
-              </a:solidFill>
-              <a:latin typeface="微軟正黑體" pitchFamily="34" charset="-120"/>
-              <a:ea typeface="微軟正黑體" pitchFamily="34" charset="-120"/>
-            </a:endParaRPr>
-          </a:p>
-          <a:p>
-            <a:pPr algn="ctr">
-              <a:buNone/>
-            </a:pPr>
-            <a:r>
-              <a:rPr lang="zh-TW" altLang="en-US" sz="6400" b="1" dirty="0">
-                <a:solidFill>
-                  <a:srgbClr val="660033"/>
-                </a:solidFill>
-                <a:latin typeface="微軟正黑體" pitchFamily="34" charset="-120"/>
-                <a:ea typeface="微軟正黑體" pitchFamily="34" charset="-120"/>
-              </a:rPr>
-              <a:t>是我沒有保留將心歸祢</a:t>
-            </a:r>
-            <a:endParaRPr lang="en-US" altLang="zh-TW" sz="6400" b="1" dirty="0">
-              <a:solidFill>
-                <a:srgbClr val="660033"/>
-              </a:solidFill>
-              <a:latin typeface="微軟正黑體" pitchFamily="34" charset="-120"/>
-              <a:ea typeface="微軟正黑體" pitchFamily="34" charset="-120"/>
-            </a:endParaRPr>
-          </a:p>
-        </p:txBody>
-      </p:sp>
-      <p:sp>
-        <p:nvSpPr>
-          <p:cNvPr id="3" name="TextBox 2"/>
-          <p:cNvSpPr txBox="1"/>
-          <p:nvPr/>
-        </p:nvSpPr>
-        <p:spPr>
-          <a:xfrm>
-            <a:off x="0" y="5061182"/>
-            <a:ext cx="12192000" cy="830997"/>
-          </a:xfrm>
-          <a:prstGeom prst="rect">
-            <a:avLst/>
-          </a:prstGeom>
-          <a:noFill/>
-        </p:spPr>
-        <p:txBody>
-          <a:bodyPr wrap="square" rtlCol="0">
-            <a:spAutoFit/>
-          </a:bodyPr>
-          <a:lstStyle/>
-          <a:p>
-            <a:pPr algn="ctr"/>
-            <a:r>
-              <a:rPr lang="en-US" sz="4800" b="1" dirty="0">
-                <a:solidFill>
-                  <a:srgbClr val="660033"/>
-                </a:solidFill>
-              </a:rPr>
-              <a:t>( 3 )</a:t>
-            </a:r>
-            <a:endParaRPr lang="vi-VN" sz="4800" b="1" dirty="0">
-              <a:solidFill>
-                <a:srgbClr val="660033"/>
-              </a:solidFill>
-            </a:endParaRPr>
-          </a:p>
-        </p:txBody>
-      </p:sp>
-    </p:spTree>
-    <p:extLst>
-      <p:ext uri="{BB962C8B-B14F-4D97-AF65-F5344CB8AC3E}">
-        <p14:creationId xmlns:p14="http://schemas.microsoft.com/office/powerpoint/2010/main" val="71139188"/>
-      </p:ext>
-    </p:extLst>
-  </p:cSld>
-  <p:clrMapOvr>
-    <a:masterClrMapping/>
-  </p:clrMapOvr>
-</p:sld>
-</file>
-
-<file path=ppt/slides/slide14.xml><?xml version="1.0" encoding="utf-8"?>
-<p:sld xmlns:a="http://schemas.openxmlformats.org/drawingml/2006/main" xmlns:r="http://schemas.openxmlformats.org/officeDocument/2006/relationships" xmlns:p="http://schemas.openxmlformats.org/presentationml/2006/main">
-  <p:cSld>
-    <p:spTree>
-      <p:nvGrpSpPr>
-        <p:cNvPr id="1" name=""/>
-        <p:cNvGrpSpPr/>
-        <p:nvPr/>
-      </p:nvGrpSpPr>
-      <p:grpSpPr>
-        <a:xfrm>
-          <a:off x="0" y="0"/>
-          <a:ext cx="0" cy="0"/>
-          <a:chOff x="0" y="0"/>
-          <a:chExt cx="0" cy="0"/>
-        </a:xfrm>
-      </p:grpSpPr>
-      <p:sp>
-        <p:nvSpPr>
-          <p:cNvPr id="5" name="內容版面配置區 4"/>
-          <p:cNvSpPr>
-            <a:spLocks noGrp="1"/>
-          </p:cNvSpPr>
-          <p:nvPr>
-            <p:ph idx="1"/>
-          </p:nvPr>
-        </p:nvSpPr>
-        <p:spPr>
-          <a:xfrm>
-            <a:off x="0" y="2084851"/>
-            <a:ext cx="12192000" cy="2404863"/>
-          </a:xfrm>
-        </p:spPr>
-        <p:txBody>
-          <a:bodyPr anchor="ctr">
-            <a:normAutofit/>
-          </a:bodyPr>
-          <a:lstStyle/>
-          <a:p>
-            <a:pPr algn="ctr">
-              <a:buNone/>
-            </a:pPr>
-            <a:r>
-              <a:rPr lang="zh-TW" altLang="en-US" sz="6400" b="1" dirty="0">
-                <a:solidFill>
-                  <a:srgbClr val="660033"/>
-                </a:solidFill>
-                <a:latin typeface="微軟正黑體" pitchFamily="34" charset="-120"/>
-                <a:ea typeface="微軟正黑體" pitchFamily="34" charset="-120"/>
-              </a:rPr>
-              <a:t>才是</a:t>
-            </a:r>
-            <a:r>
-              <a:rPr lang="zh-TW" altLang="en-US" sz="6400" b="1" dirty="0">
-                <a:solidFill>
-                  <a:srgbClr val="660033"/>
-                </a:solidFill>
-                <a:latin typeface="微軟正黑體" pitchFamily="34" charset="-120"/>
-                <a:ea typeface="微軟正黑體" pitchFamily="34" charset="-120"/>
-              </a:rPr>
-              <a:t>祢</a:t>
-            </a:r>
-            <a:endParaRPr lang="en-US" altLang="zh-TW" sz="6400" b="1" dirty="0">
-              <a:solidFill>
-                <a:srgbClr val="660033"/>
-              </a:solidFill>
-              <a:latin typeface="微軟正黑體" pitchFamily="34" charset="-120"/>
-              <a:ea typeface="微軟正黑體" pitchFamily="34" charset="-120"/>
-            </a:endParaRPr>
-          </a:p>
-          <a:p>
-            <a:pPr algn="ctr">
-              <a:buNone/>
-            </a:pPr>
-            <a:r>
-              <a:rPr lang="zh-TW" altLang="en-US" sz="6400" b="1" dirty="0">
-                <a:solidFill>
-                  <a:srgbClr val="660033"/>
-                </a:solidFill>
-                <a:latin typeface="微軟正黑體" pitchFamily="34" charset="-120"/>
-                <a:ea typeface="微軟正黑體" pitchFamily="34" charset="-120"/>
-              </a:rPr>
-              <a:t>最</a:t>
-            </a:r>
-            <a:r>
-              <a:rPr lang="zh-TW" altLang="en-US" sz="6400" b="1" dirty="0">
-                <a:solidFill>
-                  <a:srgbClr val="660033"/>
-                </a:solidFill>
-                <a:latin typeface="微軟正黑體" pitchFamily="34" charset="-120"/>
-                <a:ea typeface="微軟正黑體" pitchFamily="34" charset="-120"/>
-              </a:rPr>
-              <a:t>欣賞喜悅的敬拜</a:t>
-            </a:r>
-          </a:p>
-        </p:txBody>
-      </p:sp>
-      <p:sp>
-        <p:nvSpPr>
-          <p:cNvPr id="3" name="TextBox 2"/>
-          <p:cNvSpPr txBox="1"/>
-          <p:nvPr/>
-        </p:nvSpPr>
-        <p:spPr>
-          <a:xfrm>
-            <a:off x="0" y="5061182"/>
-            <a:ext cx="12192000" cy="830997"/>
-          </a:xfrm>
-          <a:prstGeom prst="rect">
-            <a:avLst/>
-          </a:prstGeom>
-          <a:noFill/>
-        </p:spPr>
-        <p:txBody>
-          <a:bodyPr wrap="square" rtlCol="0">
-            <a:spAutoFit/>
-          </a:bodyPr>
-          <a:lstStyle/>
-          <a:p>
-            <a:pPr algn="ctr"/>
-            <a:r>
-              <a:rPr lang="en-US" sz="4800" b="1" dirty="0">
-                <a:solidFill>
-                  <a:srgbClr val="660033"/>
-                </a:solidFill>
-              </a:rPr>
-              <a:t>( 3 )</a:t>
-            </a:r>
-            <a:endParaRPr lang="vi-VN" sz="4800" b="1" dirty="0">
-              <a:solidFill>
-                <a:srgbClr val="660033"/>
-              </a:solidFill>
+              <a:effectLst/>
+              <a:ea typeface="Microsoft JhengHei" panose="020B0604030504040204" pitchFamily="34" charset="-120"/>
             </a:endParaRPr>
           </a:p>
         </p:txBody>
@@ -4021,18 +3564,23 @@
                 <a:latin typeface="微軟正黑體" pitchFamily="34" charset="-120"/>
                 <a:ea typeface="微軟正黑體" pitchFamily="34" charset="-120"/>
               </a:rPr>
-              <a:t>我</a:t>
-            </a:r>
-            <a:r>
-              <a:rPr lang="zh-TW" altLang="en-US" sz="6400" b="1" dirty="0">
+              <a:t>我願奉上  最好的作禮物</a:t>
+            </a:r>
+            <a:r>
+              <a:rPr lang="en-US" sz="6400" b="1" dirty="0">
                 <a:solidFill>
                   <a:srgbClr val="660033"/>
                 </a:solidFill>
                 <a:latin typeface="微軟正黑體" pitchFamily="34" charset="-120"/>
                 <a:ea typeface="微軟正黑體" pitchFamily="34" charset="-120"/>
               </a:rPr>
-              <a:t>願奉</a:t>
-            </a:r>
+              <a:t> </a:t>
+            </a:r>
+          </a:p>
+          <a:p>
+            <a:pPr algn="ctr">
+              <a:buNone/>
+            </a:pPr>
             <a:r>
               <a:rPr lang="zh-TW" altLang="en-US" sz="6400" b="1" dirty="0">
                 <a:solidFill>
@@ -4041,62 +3589,7 @@
                 <a:latin typeface="微軟正黑體" pitchFamily="34" charset="-120"/>
                 <a:ea typeface="微軟正黑體" pitchFamily="34" charset="-120"/>
               </a:rPr>
-              <a:t>上  </a:t>
-            </a:r>
-            <a:r>
-              <a:rPr lang="zh-TW" altLang="en-US" sz="6400" b="1" dirty="0">
-                <a:solidFill>
-                  <a:srgbClr val="660033"/>
-                </a:solidFill>
-                <a:latin typeface="微軟正黑體" pitchFamily="34" charset="-120"/>
-                <a:ea typeface="微軟正黑體" pitchFamily="34" charset="-120"/>
-              </a:rPr>
-              <a:t>最好的作禮物</a:t>
-            </a:r>
-            <a:r>
-              <a:rPr lang="en-US" sz="6400" b="1" dirty="0">
-                <a:solidFill>
-                  <a:srgbClr val="660033"/>
-                </a:solidFill>
-                <a:latin typeface="微軟正黑體" pitchFamily="34" charset="-120"/>
-                <a:ea typeface="微軟正黑體" pitchFamily="34" charset="-120"/>
-              </a:rPr>
-              <a:t> </a:t>
-            </a:r>
-          </a:p>
-          <a:p>
-            <a:pPr algn="ctr">
-              <a:buNone/>
-            </a:pPr>
-            <a:r>
-              <a:rPr lang="zh-TW" altLang="en-US" sz="6400" b="1" dirty="0">
-                <a:solidFill>
-                  <a:srgbClr val="660033"/>
-                </a:solidFill>
-                <a:latin typeface="微軟正黑體" pitchFamily="34" charset="-120"/>
-                <a:ea typeface="微軟正黑體" pitchFamily="34" charset="-120"/>
-              </a:rPr>
-              <a:t>唯求讓我 </a:t>
-            </a:r>
-            <a:r>
-              <a:rPr lang="zh-TW" altLang="en-US" sz="6400" b="1" dirty="0">
-                <a:solidFill>
-                  <a:srgbClr val="660033"/>
-                </a:solidFill>
-                <a:latin typeface="微軟正黑體" pitchFamily="34" charset="-120"/>
-                <a:ea typeface="微軟正黑體" pitchFamily="34" charset="-120"/>
-              </a:rPr>
-              <a:t> 滿</a:t>
-            </a:r>
-            <a:r>
-              <a:rPr lang="zh-TW" altLang="en-US" sz="6400" b="1" dirty="0">
-                <a:solidFill>
-                  <a:srgbClr val="660033"/>
-                </a:solidFill>
-                <a:latin typeface="微軟正黑體" pitchFamily="34" charset="-120"/>
-                <a:ea typeface="微軟正黑體" pitchFamily="34" charset="-120"/>
-              </a:rPr>
-              <a:t>足主祢心</a:t>
+              <a:t>唯求讓我  滿足主祢心</a:t>
             </a:r>
             <a:endParaRPr lang="en-US" altLang="zh-TW" sz="6400" b="1" dirty="0">
               <a:solidFill>
@@ -4104,6 +3597,78 @@
               </a:solidFill>
               <a:latin typeface="微軟正黑體" pitchFamily="34" charset="-120"/>
               <a:ea typeface="微軟正黑體" pitchFamily="34" charset="-120"/>
+            </a:endParaRPr>
+          </a:p>
+        </p:txBody>
+      </p:sp>
+      <p:sp>
+        <p:nvSpPr>
+          <p:cNvPr id="2" name="TextBox 1">
+            <a:extLst>
+              <a:ext uri="{FF2B5EF4-FFF2-40B4-BE49-F238E27FC236}">
+                <a16:creationId xmlns:a16="http://schemas.microsoft.com/office/drawing/2014/main" id="{6D85AD4E-76F0-3A4A-FEFA-B97C0C8D5C43}"/>
+              </a:ext>
+            </a:extLst>
+          </p:cNvPr>
+          <p:cNvSpPr txBox="1"/>
+          <p:nvPr/>
+        </p:nvSpPr>
+        <p:spPr>
+          <a:xfrm>
+            <a:off x="0" y="5229200"/>
+            <a:ext cx="12192000" cy="646331"/>
+          </a:xfrm>
+          <a:prstGeom prst="rect">
+            <a:avLst/>
+          </a:prstGeom>
+          <a:noFill/>
+        </p:spPr>
+        <p:txBody>
+          <a:bodyPr wrap="square" rtlCol="0">
+            <a:spAutoFit/>
+          </a:bodyPr>
+          <a:lstStyle/>
+          <a:p>
+            <a:pPr algn="ctr"/>
+            <a:r>
+              <a:rPr lang="en-US" sz="3600" b="1" dirty="0">
+                <a:solidFill>
+                  <a:srgbClr val="660033"/>
+                </a:solidFill>
+                <a:effectLst/>
+                <a:latin typeface="Microsoft JhengHei" panose="020B0604030504040204" pitchFamily="34" charset="-120"/>
+                <a:ea typeface="Microsoft JhengHei" panose="020B0604030504040204" pitchFamily="34" charset="-120"/>
+              </a:rPr>
+              <a:t>( </a:t>
+            </a:r>
+            <a:r>
+              <a:rPr lang="zh-CN" altLang="en-US" sz="3600" b="1" dirty="0">
+                <a:solidFill>
+                  <a:srgbClr val="660033"/>
+                </a:solidFill>
+                <a:effectLst/>
+                <a:latin typeface="Microsoft JhengHei" panose="020B0604030504040204" pitchFamily="34" charset="-120"/>
+                <a:ea typeface="Microsoft JhengHei" panose="020B0604030504040204" pitchFamily="34" charset="-120"/>
+              </a:rPr>
+              <a:t>正歌</a:t>
+            </a:r>
+            <a:r>
+              <a:rPr lang="en-US" sz="3600" b="1" dirty="0">
+                <a:solidFill>
+                  <a:srgbClr val="660033"/>
+                </a:solidFill>
+                <a:effectLst/>
+                <a:latin typeface="Microsoft JhengHei" panose="020B0604030504040204" pitchFamily="34" charset="-120"/>
+                <a:ea typeface="Microsoft JhengHei" panose="020B0604030504040204" pitchFamily="34" charset="-120"/>
+              </a:rPr>
+              <a:t> )</a:t>
+            </a:r>
+            <a:endParaRPr lang="vi-VN" sz="3600" b="1" dirty="0">
+              <a:solidFill>
+                <a:srgbClr val="660033"/>
+              </a:solidFill>
+              <a:effectLst/>
+              <a:ea typeface="Microsoft JhengHei" panose="020B0604030504040204" pitchFamily="34" charset="-120"/>
             </a:endParaRPr>
           </a:p>
         </p:txBody>
@@ -4171,37 +3736,7 @@
                 <a:latin typeface="微軟正黑體" pitchFamily="34" charset="-120"/>
                 <a:ea typeface="微軟正黑體" pitchFamily="34" charset="-120"/>
               </a:rPr>
-              <a:t>祢卻喜悅 </a:t>
-            </a:r>
-            <a:r>
-              <a:rPr lang="zh-TW" altLang="en-US" sz="6400" b="1" dirty="0">
-                <a:solidFill>
-                  <a:srgbClr val="660033"/>
-                </a:solidFill>
-                <a:latin typeface="微軟正黑體" pitchFamily="34" charset="-120"/>
-                <a:ea typeface="微軟正黑體" pitchFamily="34" charset="-120"/>
-              </a:rPr>
-              <a:t> 我</a:t>
-            </a:r>
-            <a:r>
-              <a:rPr lang="zh-TW" altLang="en-US" sz="6400" b="1" dirty="0">
-                <a:solidFill>
-                  <a:srgbClr val="660033"/>
-                </a:solidFill>
-                <a:latin typeface="微軟正黑體" pitchFamily="34" charset="-120"/>
-                <a:ea typeface="微軟正黑體" pitchFamily="34" charset="-120"/>
-              </a:rPr>
-              <a:t>的謙卑與順</a:t>
-            </a:r>
-            <a:r>
-              <a:rPr lang="zh-TW" altLang="en-US" sz="6400" b="1" dirty="0">
-                <a:solidFill>
-                  <a:srgbClr val="660033"/>
-                </a:solidFill>
-                <a:latin typeface="微軟正黑體" pitchFamily="34" charset="-120"/>
-                <a:ea typeface="微軟正黑體" pitchFamily="34" charset="-120"/>
-              </a:rPr>
-              <a:t>服</a:t>
+              <a:t>祢卻喜悅  我的謙卑與順服</a:t>
             </a:r>
             <a:endParaRPr lang="en-US" altLang="zh-TW" sz="6400" b="1" dirty="0">
               <a:solidFill>
@@ -4223,38 +3758,80 @@
                 <a:latin typeface="微軟正黑體" pitchFamily="34" charset="-120"/>
                 <a:ea typeface="微軟正黑體" pitchFamily="34" charset="-120"/>
               </a:rPr>
-              <a:t>祢</a:t>
-            </a:r>
-            <a:r>
-              <a:rPr lang="zh-TW" altLang="en-US" sz="6400" b="1" dirty="0">
-                <a:solidFill>
-                  <a:srgbClr val="660033"/>
-                </a:solidFill>
-                <a:latin typeface="微軟正黑體" pitchFamily="34" charset="-120"/>
-                <a:ea typeface="微軟正黑體" pitchFamily="34" charset="-120"/>
-              </a:rPr>
-              <a:t>不需要 </a:t>
-            </a:r>
-            <a:r>
-              <a:rPr lang="zh-TW" altLang="en-US" sz="6400" b="1" dirty="0">
-                <a:solidFill>
-                  <a:srgbClr val="660033"/>
-                </a:solidFill>
-                <a:latin typeface="微軟正黑體" pitchFamily="34" charset="-120"/>
-                <a:ea typeface="微軟正黑體" pitchFamily="34" charset="-120"/>
-              </a:rPr>
-              <a:t> 那</a:t>
-            </a:r>
-            <a:r>
-              <a:rPr lang="zh-TW" altLang="en-US" sz="6400" b="1" dirty="0">
-                <a:solidFill>
-                  <a:srgbClr val="660033"/>
-                </a:solidFill>
-                <a:latin typeface="微軟正黑體" pitchFamily="34" charset="-120"/>
-                <a:ea typeface="微軟正黑體" pitchFamily="34" charset="-120"/>
-              </a:rPr>
-              <a:t>虛假外表裝飾</a:t>
-            </a:r>
+              <a:t>祢不需要  那虛假外表裝飾</a:t>
+            </a:r>
+          </a:p>
+        </p:txBody>
+      </p:sp>
+      <p:sp>
+        <p:nvSpPr>
+          <p:cNvPr id="2" name="TextBox 1">
+            <a:extLst>
+              <a:ext uri="{FF2B5EF4-FFF2-40B4-BE49-F238E27FC236}">
+                <a16:creationId xmlns:a16="http://schemas.microsoft.com/office/drawing/2014/main" id="{DB2B2765-6E9E-632B-2340-8D1B87A8D8D7}"/>
+              </a:ext>
+            </a:extLst>
+          </p:cNvPr>
+          <p:cNvSpPr txBox="1"/>
+          <p:nvPr/>
+        </p:nvSpPr>
+        <p:spPr>
+          <a:xfrm>
+            <a:off x="0" y="5229200"/>
+            <a:ext cx="12192000" cy="646331"/>
+          </a:xfrm>
+          <a:prstGeom prst="rect">
+            <a:avLst/>
+          </a:prstGeom>
+          <a:noFill/>
+        </p:spPr>
+        <p:txBody>
+          <a:bodyPr wrap="square" rtlCol="0">
+            <a:spAutoFit/>
+          </a:bodyPr>
+          <a:lstStyle/>
+          <a:p>
+            <a:pPr algn="ctr"/>
+            <a:r>
+              <a:rPr lang="en-US" sz="3600" b="1" dirty="0">
+                <a:solidFill>
+                  <a:srgbClr val="660033"/>
+                </a:solidFill>
+                <a:effectLst/>
+                <a:latin typeface="Microsoft JhengHei" panose="020B0604030504040204" pitchFamily="34" charset="-120"/>
+                <a:ea typeface="Microsoft JhengHei" panose="020B0604030504040204" pitchFamily="34" charset="-120"/>
+              </a:rPr>
+              <a:t>( </a:t>
+            </a:r>
+            <a:r>
+              <a:rPr lang="zh-CN" altLang="en-US" sz="3600" b="1" dirty="0">
+                <a:solidFill>
+                  <a:srgbClr val="660033"/>
+                </a:solidFill>
+                <a:effectLst/>
+                <a:latin typeface="Microsoft JhengHei" panose="020B0604030504040204" pitchFamily="34" charset="-120"/>
+                <a:ea typeface="Microsoft JhengHei" panose="020B0604030504040204" pitchFamily="34" charset="-120"/>
+              </a:rPr>
+              <a:t>正歌</a:t>
+            </a:r>
+            <a:r>
+              <a:rPr lang="en-US" sz="3600" b="1" dirty="0">
+                <a:solidFill>
+                  <a:srgbClr val="660033"/>
+                </a:solidFill>
+                <a:effectLst/>
+                <a:latin typeface="Microsoft JhengHei" panose="020B0604030504040204" pitchFamily="34" charset="-120"/>
+                <a:ea typeface="Microsoft JhengHei" panose="020B0604030504040204" pitchFamily="34" charset="-120"/>
+              </a:rPr>
+              <a:t> )</a:t>
+            </a:r>
+            <a:endParaRPr lang="vi-VN" sz="3600" b="1" dirty="0">
+              <a:solidFill>
+                <a:srgbClr val="660033"/>
+              </a:solidFill>
+              <a:effectLst/>
+              <a:ea typeface="Microsoft JhengHei" panose="020B0604030504040204" pitchFamily="34" charset="-120"/>
+            </a:endParaRPr>
           </a:p>
         </p:txBody>
       </p:sp>
@@ -4321,27 +3898,7 @@
                 <a:latin typeface="微軟正黑體" pitchFamily="34" charset="-120"/>
                 <a:ea typeface="微軟正黑體" pitchFamily="34" charset="-120"/>
               </a:rPr>
-              <a:t>有誰為祢 </a:t>
-            </a:r>
-            <a:r>
-              <a:rPr lang="zh-TW" altLang="en-US" sz="6400" b="1" dirty="0">
-                <a:solidFill>
-                  <a:srgbClr val="660033"/>
-                </a:solidFill>
-                <a:latin typeface="微軟正黑體" pitchFamily="34" charset="-120"/>
-                <a:ea typeface="微軟正黑體" pitchFamily="34" charset="-120"/>
-              </a:rPr>
-              <a:t> 用</a:t>
-            </a:r>
-            <a:r>
-              <a:rPr lang="zh-TW" altLang="en-US" sz="6400" b="1" dirty="0">
-                <a:solidFill>
-                  <a:srgbClr val="660033"/>
-                </a:solidFill>
-                <a:latin typeface="微軟正黑體" pitchFamily="34" charset="-120"/>
-                <a:ea typeface="微軟正黑體" pitchFamily="34" charset="-120"/>
-              </a:rPr>
-              <a:t>手興建會堂</a:t>
+              <a:t>有誰為祢  用手興建會堂</a:t>
             </a:r>
             <a:endParaRPr lang="en-US" altLang="zh-TW" sz="6400" b="1" dirty="0">
               <a:solidFill>
@@ -4363,27 +3920,7 @@
                 <a:latin typeface="微軟正黑體" pitchFamily="34" charset="-120"/>
                 <a:ea typeface="微軟正黑體" pitchFamily="34" charset="-120"/>
               </a:rPr>
-              <a:t>誰曾夢想 </a:t>
-            </a:r>
-            <a:r>
-              <a:rPr lang="zh-TW" altLang="en-US" sz="6400" b="1" dirty="0">
-                <a:solidFill>
-                  <a:srgbClr val="660033"/>
-                </a:solidFill>
-                <a:latin typeface="微軟正黑體" pitchFamily="34" charset="-120"/>
-                <a:ea typeface="微軟正黑體" pitchFamily="34" charset="-120"/>
-              </a:rPr>
-              <a:t> 為</a:t>
-            </a:r>
-            <a:r>
-              <a:rPr lang="zh-TW" altLang="en-US" sz="6400" b="1" dirty="0">
-                <a:solidFill>
-                  <a:srgbClr val="660033"/>
-                </a:solidFill>
-                <a:latin typeface="微軟正黑體" pitchFamily="34" charset="-120"/>
-                <a:ea typeface="微軟正黑體" pitchFamily="34" charset="-120"/>
-              </a:rPr>
-              <a:t>祢興建殿宇</a:t>
+              <a:t>誰曾夢想  為祢興建殿宇</a:t>
             </a:r>
             <a:endParaRPr lang="en-US" altLang="zh-TW" sz="6400" b="1" dirty="0">
               <a:solidFill>
@@ -4391,6 +3928,78 @@
               </a:solidFill>
               <a:latin typeface="微軟正黑體" pitchFamily="34" charset="-120"/>
               <a:ea typeface="微軟正黑體" pitchFamily="34" charset="-120"/>
+            </a:endParaRPr>
+          </a:p>
+        </p:txBody>
+      </p:sp>
+      <p:sp>
+        <p:nvSpPr>
+          <p:cNvPr id="2" name="TextBox 1">
+            <a:extLst>
+              <a:ext uri="{FF2B5EF4-FFF2-40B4-BE49-F238E27FC236}">
+                <a16:creationId xmlns:a16="http://schemas.microsoft.com/office/drawing/2014/main" id="{1474AFB5-27E8-0222-1D6E-54908BDFEB51}"/>
+              </a:ext>
+            </a:extLst>
+          </p:cNvPr>
+          <p:cNvSpPr txBox="1"/>
+          <p:nvPr/>
+        </p:nvSpPr>
+        <p:spPr>
+          <a:xfrm>
+            <a:off x="0" y="5229200"/>
+            <a:ext cx="12192000" cy="646331"/>
+          </a:xfrm>
+          <a:prstGeom prst="rect">
+            <a:avLst/>
+          </a:prstGeom>
+          <a:noFill/>
+        </p:spPr>
+        <p:txBody>
+          <a:bodyPr wrap="square" rtlCol="0">
+            <a:spAutoFit/>
+          </a:bodyPr>
+          <a:lstStyle/>
+          <a:p>
+            <a:pPr algn="ctr"/>
+            <a:r>
+              <a:rPr lang="en-US" sz="3600" b="1" dirty="0">
+                <a:solidFill>
+                  <a:srgbClr val="660033"/>
+                </a:solidFill>
+                <a:effectLst/>
+                <a:latin typeface="Microsoft JhengHei" panose="020B0604030504040204" pitchFamily="34" charset="-120"/>
+                <a:ea typeface="Microsoft JhengHei" panose="020B0604030504040204" pitchFamily="34" charset="-120"/>
+              </a:rPr>
+              <a:t>( </a:t>
+            </a:r>
+            <a:r>
+              <a:rPr lang="zh-CN" altLang="en-US" sz="3600" b="1" dirty="0">
+                <a:solidFill>
+                  <a:srgbClr val="660033"/>
+                </a:solidFill>
+                <a:effectLst/>
+                <a:latin typeface="Microsoft JhengHei" panose="020B0604030504040204" pitchFamily="34" charset="-120"/>
+                <a:ea typeface="Microsoft JhengHei" panose="020B0604030504040204" pitchFamily="34" charset="-120"/>
+              </a:rPr>
+              <a:t>正歌</a:t>
+            </a:r>
+            <a:r>
+              <a:rPr lang="en-US" sz="3600" b="1" dirty="0">
+                <a:solidFill>
+                  <a:srgbClr val="660033"/>
+                </a:solidFill>
+                <a:effectLst/>
+                <a:latin typeface="Microsoft JhengHei" panose="020B0604030504040204" pitchFamily="34" charset="-120"/>
+                <a:ea typeface="Microsoft JhengHei" panose="020B0604030504040204" pitchFamily="34" charset="-120"/>
+              </a:rPr>
+              <a:t> )</a:t>
+            </a:r>
+            <a:endParaRPr lang="vi-VN" sz="3600" b="1" dirty="0">
+              <a:solidFill>
+                <a:srgbClr val="660033"/>
+              </a:solidFill>
+              <a:effectLst/>
+              <a:ea typeface="Microsoft JhengHei" panose="020B0604030504040204" pitchFamily="34" charset="-120"/>
             </a:endParaRPr>
           </a:p>
         </p:txBody>
@@ -4458,27 +4067,7 @@
                 <a:latin typeface="微軟正黑體" pitchFamily="34" charset="-120"/>
                 <a:ea typeface="微軟正黑體" pitchFamily="34" charset="-120"/>
               </a:rPr>
-              <a:t>祢卻選擇 </a:t>
-            </a:r>
-            <a:r>
-              <a:rPr lang="zh-TW" altLang="en-US" sz="6400" b="1" dirty="0">
-                <a:solidFill>
-                  <a:srgbClr val="660033"/>
-                </a:solidFill>
-                <a:latin typeface="微軟正黑體" pitchFamily="34" charset="-120"/>
-                <a:ea typeface="微軟正黑體" pitchFamily="34" charset="-120"/>
-              </a:rPr>
-              <a:t> 永</a:t>
-            </a:r>
-            <a:r>
-              <a:rPr lang="zh-TW" altLang="en-US" sz="6400" b="1" dirty="0">
-                <a:solidFill>
-                  <a:srgbClr val="660033"/>
-                </a:solidFill>
-                <a:latin typeface="微軟正黑體" pitchFamily="34" charset="-120"/>
-                <a:ea typeface="微軟正黑體" pitchFamily="34" charset="-120"/>
-              </a:rPr>
-              <a:t>居於我的心內</a:t>
+              <a:t>祢卻選擇  永居於我的心內</a:t>
             </a:r>
             <a:endParaRPr lang="en-US" altLang="zh-TW" sz="6400" b="1" dirty="0">
               <a:solidFill>
@@ -4500,28 +4089,80 @@
                 <a:latin typeface="微軟正黑體" pitchFamily="34" charset="-120"/>
                 <a:ea typeface="微軟正黑體" pitchFamily="34" charset="-120"/>
               </a:rPr>
-              <a:t>讓我可以 </a:t>
-            </a:r>
-            <a:r>
-              <a:rPr lang="zh-TW" altLang="en-US" sz="6400" b="1" dirty="0">
-                <a:solidFill>
-                  <a:srgbClr val="660033"/>
-                </a:solidFill>
-                <a:latin typeface="微軟正黑體" pitchFamily="34" charset="-120"/>
-                <a:ea typeface="微軟正黑體" pitchFamily="34" charset="-120"/>
-              </a:rPr>
-              <a:t> 每</a:t>
-            </a:r>
-            <a:r>
-              <a:rPr lang="zh-TW" altLang="en-US" sz="6400" b="1" dirty="0">
-                <a:solidFill>
-                  <a:srgbClr val="660033"/>
-                </a:solidFill>
-                <a:latin typeface="微軟正黑體" pitchFamily="34" charset="-120"/>
-                <a:ea typeface="微軟正黑體" pitchFamily="34" charset="-120"/>
-              </a:rPr>
-              <a:t>刻也共祢靠緊</a:t>
-            </a:r>
+              <a:t>讓我可以  每刻也共祢靠緊</a:t>
+            </a:r>
+          </a:p>
+        </p:txBody>
+      </p:sp>
+      <p:sp>
+        <p:nvSpPr>
+          <p:cNvPr id="2" name="TextBox 1">
+            <a:extLst>
+              <a:ext uri="{FF2B5EF4-FFF2-40B4-BE49-F238E27FC236}">
+                <a16:creationId xmlns:a16="http://schemas.microsoft.com/office/drawing/2014/main" id="{50A34E4C-03D9-F6AA-5882-8270C169123A}"/>
+              </a:ext>
+            </a:extLst>
+          </p:cNvPr>
+          <p:cNvSpPr txBox="1"/>
+          <p:nvPr/>
+        </p:nvSpPr>
+        <p:spPr>
+          <a:xfrm>
+            <a:off x="0" y="5229200"/>
+            <a:ext cx="12192000" cy="646331"/>
+          </a:xfrm>
+          <a:prstGeom prst="rect">
+            <a:avLst/>
+          </a:prstGeom>
+          <a:noFill/>
+        </p:spPr>
+        <p:txBody>
+          <a:bodyPr wrap="square" rtlCol="0">
+            <a:spAutoFit/>
+          </a:bodyPr>
+          <a:lstStyle/>
+          <a:p>
+            <a:pPr algn="ctr"/>
+            <a:r>
+              <a:rPr lang="en-US" sz="3600" b="1" dirty="0">
+                <a:solidFill>
+                  <a:srgbClr val="660033"/>
+                </a:solidFill>
+                <a:effectLst/>
+                <a:latin typeface="Microsoft JhengHei" panose="020B0604030504040204" pitchFamily="34" charset="-120"/>
+                <a:ea typeface="Microsoft JhengHei" panose="020B0604030504040204" pitchFamily="34" charset="-120"/>
+              </a:rPr>
+              <a:t>( </a:t>
+            </a:r>
+            <a:r>
+              <a:rPr lang="zh-CN" altLang="en-US" sz="3600" b="1" dirty="0">
+                <a:solidFill>
+                  <a:srgbClr val="660033"/>
+                </a:solidFill>
+                <a:effectLst/>
+                <a:latin typeface="Microsoft JhengHei" panose="020B0604030504040204" pitchFamily="34" charset="-120"/>
+                <a:ea typeface="Microsoft JhengHei" panose="020B0604030504040204" pitchFamily="34" charset="-120"/>
+              </a:rPr>
+              <a:t>正歌</a:t>
+            </a:r>
+            <a:r>
+              <a:rPr lang="en-US" sz="3600" b="1" dirty="0">
+                <a:solidFill>
+                  <a:srgbClr val="660033"/>
+                </a:solidFill>
+                <a:effectLst/>
+                <a:latin typeface="Microsoft JhengHei" panose="020B0604030504040204" pitchFamily="34" charset="-120"/>
+                <a:ea typeface="Microsoft JhengHei" panose="020B0604030504040204" pitchFamily="34" charset="-120"/>
+              </a:rPr>
+              <a:t> )</a:t>
+            </a:r>
+            <a:endParaRPr lang="vi-VN" sz="3600" b="1" dirty="0">
+              <a:solidFill>
+                <a:srgbClr val="660033"/>
+              </a:solidFill>
+              <a:effectLst/>
+              <a:ea typeface="Microsoft JhengHei" panose="020B0604030504040204" pitchFamily="34" charset="-120"/>
+            </a:endParaRPr>
           </a:p>
         </p:txBody>
       </p:sp>
@@ -4588,37 +4229,7 @@
                 <a:latin typeface="微軟正黑體" pitchFamily="34" charset="-120"/>
                 <a:ea typeface="微軟正黑體" pitchFamily="34" charset="-120"/>
               </a:rPr>
-              <a:t>高天深海訴說 </a:t>
-            </a:r>
-            <a:r>
-              <a:rPr lang="zh-TW" altLang="en-US" sz="6400" b="1" dirty="0">
-                <a:solidFill>
-                  <a:srgbClr val="660033"/>
-                </a:solidFill>
-                <a:latin typeface="微軟正黑體" pitchFamily="34" charset="-120"/>
-                <a:ea typeface="微軟正黑體" pitchFamily="34" charset="-120"/>
-              </a:rPr>
-              <a:t> 祢</a:t>
-            </a:r>
-            <a:r>
-              <a:rPr lang="zh-TW" altLang="en-US" sz="6400" b="1" dirty="0">
-                <a:solidFill>
-                  <a:srgbClr val="660033"/>
-                </a:solidFill>
-                <a:latin typeface="微軟正黑體" pitchFamily="34" charset="-120"/>
-                <a:ea typeface="微軟正黑體" pitchFamily="34" charset="-120"/>
-              </a:rPr>
-              <a:t>是配得尊</a:t>
-            </a:r>
-            <a:r>
-              <a:rPr lang="zh-TW" altLang="en-US" sz="6400" b="1" dirty="0">
-                <a:solidFill>
-                  <a:srgbClr val="660033"/>
-                </a:solidFill>
-                <a:latin typeface="微軟正黑體" pitchFamily="34" charset="-120"/>
-                <a:ea typeface="微軟正黑體" pitchFamily="34" charset="-120"/>
-              </a:rPr>
-              <a:t>貴</a:t>
+              <a:t>高天深海訴說  祢是配得尊貴</a:t>
             </a:r>
             <a:endParaRPr lang="en-US" altLang="zh-TW" sz="6400" b="1" dirty="0">
               <a:solidFill>
@@ -4640,37 +4251,7 @@
                 <a:latin typeface="微軟正黑體" pitchFamily="34" charset="-120"/>
                 <a:ea typeface="微軟正黑體" pitchFamily="34" charset="-120"/>
               </a:rPr>
-              <a:t>天空雀鳥高唱 </a:t>
-            </a:r>
-            <a:r>
-              <a:rPr lang="zh-TW" altLang="en-US" sz="6400" b="1" dirty="0">
-                <a:solidFill>
-                  <a:srgbClr val="660033"/>
-                </a:solidFill>
-                <a:latin typeface="微軟正黑體" pitchFamily="34" charset="-120"/>
-                <a:ea typeface="微軟正黑體" pitchFamily="34" charset="-120"/>
-              </a:rPr>
-              <a:t> 讚</a:t>
-            </a:r>
-            <a:r>
-              <a:rPr lang="zh-TW" altLang="en-US" sz="6400" b="1" dirty="0">
-                <a:solidFill>
-                  <a:srgbClr val="660033"/>
-                </a:solidFill>
-                <a:latin typeface="微軟正黑體" pitchFamily="34" charset="-120"/>
-                <a:ea typeface="微軟正黑體" pitchFamily="34" charset="-120"/>
-              </a:rPr>
-              <a:t>頌祢的榮</a:t>
-            </a:r>
-            <a:r>
-              <a:rPr lang="zh-TW" altLang="en-US" sz="6400" b="1" dirty="0">
-                <a:solidFill>
-                  <a:srgbClr val="660033"/>
-                </a:solidFill>
-                <a:latin typeface="微軟正黑體" pitchFamily="34" charset="-120"/>
-                <a:ea typeface="微軟正黑體" pitchFamily="34" charset="-120"/>
-              </a:rPr>
-              <a:t>耀</a:t>
+              <a:t>天空雀鳥高唱  讚頌祢的榮耀</a:t>
             </a:r>
             <a:endParaRPr lang="en-US" altLang="zh-TW" sz="6400" b="1" dirty="0">
               <a:solidFill>
@@ -4684,14 +4265,20 @@
       </p:sp>
       <p:sp>
         <p:nvSpPr>
-          <p:cNvPr id="3" name="TextBox 2"/>
+          <p:cNvPr id="2" name="TextBox 1">
+            <a:extLst>
+              <a:ext uri="{FF2B5EF4-FFF2-40B4-BE49-F238E27FC236}">
+                <a16:creationId xmlns:a16="http://schemas.microsoft.com/office/drawing/2014/main" id="{C579D10F-54D5-47C5-E8CE-6BA45215DCD3}"/>
+              </a:ext>
+            </a:extLst>
+          </p:cNvPr>
           <p:cNvSpPr txBox="1"/>
           <p:nvPr/>
         </p:nvSpPr>
         <p:spPr>
           <a:xfrm>
-            <a:off x="0" y="5061182"/>
-            <a:ext cx="12192000" cy="830997"/>
+            <a:off x="0" y="5229200"/>
+            <a:ext cx="12192000" cy="646331"/>
           </a:xfrm>
           <a:prstGeom prst="rect">
             <a:avLst/>
@@ -4706,17 +4293,44 @@
           <a:p>
             <a:pPr algn="ctr"/>
             <a:r>
-              <a:rPr lang="en-US" sz="4800" b="1" dirty="0">
-                <a:solidFill>
-                  <a:srgbClr val="660033"/>
-                </a:solidFill>
-              </a:rPr>
-              <a:t>( 1 )</a:t>
-            </a:r>
-            <a:endParaRPr lang="vi-VN" sz="4800" b="1" dirty="0">
+              <a:rPr lang="en-US" sz="3600" b="1" dirty="0">
+                <a:solidFill>
+                  <a:srgbClr val="660033"/>
+                </a:solidFill>
+                <a:effectLst/>
+                <a:latin typeface="Microsoft JhengHei" panose="020B0604030504040204" pitchFamily="34" charset="-120"/>
+                <a:ea typeface="Microsoft JhengHei" panose="020B0604030504040204" pitchFamily="34" charset="-120"/>
+              </a:rPr>
+              <a:t>( </a:t>
+            </a:r>
+            <a:r>
+              <a:rPr lang="zh-CN" altLang="en-US" sz="3600" b="1" dirty="0">
+                <a:solidFill>
+                  <a:srgbClr val="660033"/>
+                </a:solidFill>
+                <a:effectLst/>
+                <a:latin typeface="Microsoft JhengHei" panose="020B0604030504040204" pitchFamily="34" charset="-120"/>
+                <a:ea typeface="Microsoft JhengHei" panose="020B0604030504040204" pitchFamily="34" charset="-120"/>
+              </a:rPr>
+              <a:t>副歌</a:t>
+            </a:r>
+            <a:r>
+              <a:rPr lang="en-US" sz="3600" b="1" dirty="0">
+                <a:solidFill>
+                  <a:srgbClr val="660033"/>
+                </a:solidFill>
+                <a:effectLst/>
+                <a:latin typeface="Microsoft JhengHei" panose="020B0604030504040204" pitchFamily="34" charset="-120"/>
+                <a:ea typeface="Microsoft JhengHei" panose="020B0604030504040204" pitchFamily="34" charset="-120"/>
+              </a:rPr>
+              <a:t> 1 )</a:t>
+            </a:r>
+            <a:endParaRPr lang="vi-VN" sz="3600" b="1" dirty="0">
               <a:solidFill>
                 <a:srgbClr val="660033"/>
               </a:solidFill>
+              <a:effectLst/>
+              <a:ea typeface="Microsoft JhengHei" panose="020B0604030504040204" pitchFamily="34" charset="-120"/>
             </a:endParaRPr>
           </a:p>
         </p:txBody>
@@ -4784,17 +4398,7 @@
                 <a:latin typeface="微軟正黑體" pitchFamily="34" charset="-120"/>
                 <a:ea typeface="微軟正黑體" pitchFamily="34" charset="-120"/>
               </a:rPr>
-              <a:t>深知祢所喜</a:t>
-            </a:r>
-            <a:r>
-              <a:rPr lang="zh-TW" altLang="en-US" sz="6400" b="1" dirty="0">
-                <a:solidFill>
-                  <a:srgbClr val="660033"/>
-                </a:solidFill>
-                <a:latin typeface="微軟正黑體" pitchFamily="34" charset="-120"/>
-                <a:ea typeface="微軟正黑體" pitchFamily="34" charset="-120"/>
-              </a:rPr>
-              <a:t>愛</a:t>
+              <a:t>深知祢所喜愛</a:t>
             </a:r>
             <a:endParaRPr lang="en-US" altLang="zh-TW" sz="6400" b="1" dirty="0">
               <a:solidFill>
@@ -4830,14 +4434,20 @@
       </p:sp>
       <p:sp>
         <p:nvSpPr>
-          <p:cNvPr id="3" name="TextBox 2"/>
+          <p:cNvPr id="2" name="TextBox 1">
+            <a:extLst>
+              <a:ext uri="{FF2B5EF4-FFF2-40B4-BE49-F238E27FC236}">
+                <a16:creationId xmlns:a16="http://schemas.microsoft.com/office/drawing/2014/main" id="{4A721F40-B050-DDD1-7382-5D1E5D7E6C7F}"/>
+              </a:ext>
+            </a:extLst>
+          </p:cNvPr>
           <p:cNvSpPr txBox="1"/>
           <p:nvPr/>
         </p:nvSpPr>
         <p:spPr>
           <a:xfrm>
-            <a:off x="0" y="5061182"/>
-            <a:ext cx="12192000" cy="830997"/>
+            <a:off x="0" y="5229200"/>
+            <a:ext cx="12192000" cy="646331"/>
           </a:xfrm>
           <a:prstGeom prst="rect">
             <a:avLst/>
@@ -4852,17 +4462,44 @@
           <a:p>
             <a:pPr algn="ctr"/>
             <a:r>
-              <a:rPr lang="en-US" sz="4800" b="1" dirty="0">
-                <a:solidFill>
-                  <a:srgbClr val="660033"/>
-                </a:solidFill>
-              </a:rPr>
-              <a:t>( 1 )</a:t>
-            </a:r>
-            <a:endParaRPr lang="vi-VN" sz="4800" b="1" dirty="0">
+              <a:rPr lang="en-US" sz="3600" b="1" dirty="0">
+                <a:solidFill>
+                  <a:srgbClr val="660033"/>
+                </a:solidFill>
+                <a:effectLst/>
+                <a:latin typeface="Microsoft JhengHei" panose="020B0604030504040204" pitchFamily="34" charset="-120"/>
+                <a:ea typeface="Microsoft JhengHei" panose="020B0604030504040204" pitchFamily="34" charset="-120"/>
+              </a:rPr>
+              <a:t>( </a:t>
+            </a:r>
+            <a:r>
+              <a:rPr lang="zh-CN" altLang="en-US" sz="3600" b="1" dirty="0">
+                <a:solidFill>
+                  <a:srgbClr val="660033"/>
+                </a:solidFill>
+                <a:effectLst/>
+                <a:latin typeface="Microsoft JhengHei" panose="020B0604030504040204" pitchFamily="34" charset="-120"/>
+                <a:ea typeface="Microsoft JhengHei" panose="020B0604030504040204" pitchFamily="34" charset="-120"/>
+              </a:rPr>
+              <a:t>副歌</a:t>
+            </a:r>
+            <a:r>
+              <a:rPr lang="en-US" sz="3600" b="1" dirty="0">
+                <a:solidFill>
+                  <a:srgbClr val="660033"/>
+                </a:solidFill>
+                <a:effectLst/>
+                <a:latin typeface="Microsoft JhengHei" panose="020B0604030504040204" pitchFamily="34" charset="-120"/>
+                <a:ea typeface="Microsoft JhengHei" panose="020B0604030504040204" pitchFamily="34" charset="-120"/>
+              </a:rPr>
+              <a:t> 1 )</a:t>
+            </a:r>
+            <a:endParaRPr lang="vi-VN" sz="3600" b="1" dirty="0">
               <a:solidFill>
                 <a:srgbClr val="660033"/>
               </a:solidFill>
+              <a:effectLst/>
+              <a:ea typeface="Microsoft JhengHei" panose="020B0604030504040204" pitchFamily="34" charset="-120"/>
             </a:endParaRPr>
           </a:p>
         </p:txBody>
@@ -4930,17 +4567,7 @@
                 <a:latin typeface="微軟正黑體" pitchFamily="34" charset="-120"/>
                 <a:ea typeface="微軟正黑體" pitchFamily="34" charset="-120"/>
               </a:rPr>
-              <a:t>成為</a:t>
-            </a:r>
-            <a:r>
-              <a:rPr lang="zh-TW" altLang="en-US" sz="6400" b="1" dirty="0">
-                <a:solidFill>
-                  <a:srgbClr val="660033"/>
-                </a:solidFill>
-                <a:latin typeface="微軟正黑體" pitchFamily="34" charset="-120"/>
-                <a:ea typeface="微軟正黑體" pitchFamily="34" charset="-120"/>
-              </a:rPr>
-              <a:t>祢</a:t>
+              <a:t>成為祢</a:t>
             </a:r>
             <a:endParaRPr lang="en-US" altLang="zh-TW" sz="6400" b="1" dirty="0">
               <a:solidFill>
@@ -4962,31 +4589,27 @@
                 <a:latin typeface="微軟正黑體" pitchFamily="34" charset="-120"/>
                 <a:ea typeface="微軟正黑體" pitchFamily="34" charset="-120"/>
               </a:rPr>
-              <a:t>最</a:t>
-            </a:r>
-            <a:r>
-              <a:rPr lang="zh-TW" altLang="en-US" sz="6400" b="1" dirty="0">
-                <a:solidFill>
-                  <a:srgbClr val="660033"/>
-                </a:solidFill>
-                <a:latin typeface="微軟正黑體" pitchFamily="34" charset="-120"/>
-                <a:ea typeface="微軟正黑體" pitchFamily="34" charset="-120"/>
-              </a:rPr>
-              <a:t>欣賞喜悅的敬拜</a:t>
-            </a:r>
-          </a:p>
-        </p:txBody>
-      </p:sp>
-      <p:sp>
-        <p:nvSpPr>
-          <p:cNvPr id="3" name="TextBox 2"/>
+              <a:t>最欣賞喜悅的敬拜</a:t>
+            </a:r>
+          </a:p>
+        </p:txBody>
+      </p:sp>
+      <p:sp>
+        <p:nvSpPr>
+          <p:cNvPr id="2" name="TextBox 1">
+            <a:extLst>
+              <a:ext uri="{FF2B5EF4-FFF2-40B4-BE49-F238E27FC236}">
+                <a16:creationId xmlns:a16="http://schemas.microsoft.com/office/drawing/2014/main" id="{64244AA1-B7B1-1606-D223-86849C98E525}"/>
+              </a:ext>
+            </a:extLst>
+          </p:cNvPr>
           <p:cNvSpPr txBox="1"/>
           <p:nvPr/>
         </p:nvSpPr>
         <p:spPr>
           <a:xfrm>
-            <a:off x="0" y="5061182"/>
-            <a:ext cx="12192000" cy="830997"/>
+            <a:off x="0" y="5229200"/>
+            <a:ext cx="12192000" cy="646331"/>
           </a:xfrm>
           <a:prstGeom prst="rect">
             <a:avLst/>
@@ -5001,17 +4624,44 @@
           <a:p>
             <a:pPr algn="ctr"/>
             <a:r>
-              <a:rPr lang="en-US" sz="4800" b="1" dirty="0">
-                <a:solidFill>
-                  <a:srgbClr val="660033"/>
-                </a:solidFill>
-              </a:rPr>
-              <a:t>( 1 )</a:t>
-            </a:r>
-            <a:endParaRPr lang="vi-VN" sz="4800" b="1" dirty="0">
+              <a:rPr lang="en-US" sz="3600" b="1" dirty="0">
+                <a:solidFill>
+                  <a:srgbClr val="660033"/>
+                </a:solidFill>
+                <a:effectLst/>
+                <a:latin typeface="Microsoft JhengHei" panose="020B0604030504040204" pitchFamily="34" charset="-120"/>
+                <a:ea typeface="Microsoft JhengHei" panose="020B0604030504040204" pitchFamily="34" charset="-120"/>
+              </a:rPr>
+              <a:t>( </a:t>
+            </a:r>
+            <a:r>
+              <a:rPr lang="zh-CN" altLang="en-US" sz="3600" b="1" dirty="0">
+                <a:solidFill>
+                  <a:srgbClr val="660033"/>
+                </a:solidFill>
+                <a:effectLst/>
+                <a:latin typeface="Microsoft JhengHei" panose="020B0604030504040204" pitchFamily="34" charset="-120"/>
+                <a:ea typeface="Microsoft JhengHei" panose="020B0604030504040204" pitchFamily="34" charset="-120"/>
+              </a:rPr>
+              <a:t>副歌</a:t>
+            </a:r>
+            <a:r>
+              <a:rPr lang="en-US" sz="3600" b="1" dirty="0">
+                <a:solidFill>
+                  <a:srgbClr val="660033"/>
+                </a:solidFill>
+                <a:effectLst/>
+                <a:latin typeface="Microsoft JhengHei" panose="020B0604030504040204" pitchFamily="34" charset="-120"/>
+                <a:ea typeface="Microsoft JhengHei" panose="020B0604030504040204" pitchFamily="34" charset="-120"/>
+              </a:rPr>
+              <a:t> 1 )</a:t>
+            </a:r>
+            <a:endParaRPr lang="vi-VN" sz="3600" b="1" dirty="0">
               <a:solidFill>
                 <a:srgbClr val="660033"/>
               </a:solidFill>
+              <a:effectLst/>
+              <a:ea typeface="Microsoft JhengHei" panose="020B0604030504040204" pitchFamily="34" charset="-120"/>
             </a:endParaRPr>
           </a:p>
         </p:txBody>
@@ -5079,7 +4729,27 @@
                 <a:latin typeface="微軟正黑體" pitchFamily="34" charset="-120"/>
                 <a:ea typeface="微軟正黑體" pitchFamily="34" charset="-120"/>
               </a:rPr>
-              <a:t>高天深海訴說  祢是配得尊貴</a:t>
+              <a:t>施恩典的上帝</a:t>
+            </a:r>
+            <a:r>
+              <a:rPr lang="en-US" altLang="zh-TW" sz="6400" b="1" dirty="0">
+                <a:solidFill>
+                  <a:srgbClr val="660033"/>
+                </a:solidFill>
+                <a:latin typeface="微軟正黑體" pitchFamily="34" charset="-120"/>
+                <a:ea typeface="微軟正黑體" pitchFamily="34" charset="-120"/>
+              </a:rPr>
+              <a:t>  </a:t>
+            </a:r>
+            <a:r>
+              <a:rPr lang="zh-TW" altLang="en-US" sz="6400" b="1" dirty="0">
+                <a:solidFill>
+                  <a:srgbClr val="660033"/>
+                </a:solidFill>
+                <a:latin typeface="微軟正黑體" pitchFamily="34" charset="-120"/>
+                <a:ea typeface="微軟正黑體" pitchFamily="34" charset="-120"/>
+              </a:rPr>
+              <a:t>創造世間一切</a:t>
             </a:r>
             <a:endParaRPr lang="en-US" altLang="zh-TW" sz="6400" b="1" dirty="0">
               <a:solidFill>
@@ -5101,28 +4771,47 @@
                 <a:latin typeface="微軟正黑體" pitchFamily="34" charset="-120"/>
                 <a:ea typeface="微軟正黑體" pitchFamily="34" charset="-120"/>
               </a:rPr>
-              <a:t>天空雀鳥高唱  讚頌祢的榮耀</a:t>
-            </a:r>
-            <a:endParaRPr lang="en-US" altLang="zh-TW" sz="6400" b="1" dirty="0">
-              <a:solidFill>
-                <a:srgbClr val="660033"/>
-              </a:solidFill>
-              <a:latin typeface="微軟正黑體" pitchFamily="34" charset="-120"/>
-              <a:ea typeface="微軟正黑體" pitchFamily="34" charset="-120"/>
-            </a:endParaRPr>
-          </a:p>
-        </p:txBody>
-      </p:sp>
-      <p:sp>
-        <p:nvSpPr>
-          <p:cNvPr id="3" name="TextBox 2"/>
+              <a:t>雙手掌管所有</a:t>
+            </a:r>
+            <a:r>
+              <a:rPr lang="en-US" altLang="zh-TW" sz="6400" b="1" dirty="0">
+                <a:solidFill>
+                  <a:srgbClr val="660033"/>
+                </a:solidFill>
+                <a:latin typeface="微軟正黑體" pitchFamily="34" charset="-120"/>
+                <a:ea typeface="微軟正黑體" pitchFamily="34" charset="-120"/>
+              </a:rPr>
+              <a:t>  </a:t>
+            </a:r>
+            <a:r>
+              <a:rPr lang="zh-TW" altLang="en-US" sz="6400" b="1" dirty="0">
+                <a:solidFill>
+                  <a:srgbClr val="660033"/>
+                </a:solidFill>
+                <a:latin typeface="微軟正黑體" pitchFamily="34" charset="-120"/>
+                <a:ea typeface="微軟正黑體" pitchFamily="34" charset="-120"/>
+              </a:rPr>
+              <a:t>並沒有所缺少</a:t>
+            </a:r>
+          </a:p>
+        </p:txBody>
+      </p:sp>
+      <p:sp>
+        <p:nvSpPr>
+          <p:cNvPr id="2" name="TextBox 1">
+            <a:extLst>
+              <a:ext uri="{FF2B5EF4-FFF2-40B4-BE49-F238E27FC236}">
+                <a16:creationId xmlns:a16="http://schemas.microsoft.com/office/drawing/2014/main" id="{C81FF095-D710-5DB2-27A5-F08067DF326C}"/>
+              </a:ext>
+            </a:extLst>
+          </p:cNvPr>
           <p:cNvSpPr txBox="1"/>
           <p:nvPr/>
         </p:nvSpPr>
         <p:spPr>
           <a:xfrm>
-            <a:off x="0" y="5061182"/>
-            <a:ext cx="12192000" cy="830997"/>
+            <a:off x="0" y="5229200"/>
+            <a:ext cx="12192000" cy="646331"/>
           </a:xfrm>
           <a:prstGeom prst="rect">
             <a:avLst/>
@@ -5137,17 +4826,44 @@
           <a:p>
             <a:pPr algn="ctr"/>
             <a:r>
-              <a:rPr lang="en-US" sz="4800" b="1" dirty="0">
-                <a:solidFill>
-                  <a:srgbClr val="660033"/>
-                </a:solidFill>
-              </a:rPr>
-              <a:t>( 2 )</a:t>
-            </a:r>
-            <a:endParaRPr lang="vi-VN" sz="4800" b="1" dirty="0">
+              <a:rPr lang="en-US" sz="3600" b="1" dirty="0">
+                <a:solidFill>
+                  <a:srgbClr val="660033"/>
+                </a:solidFill>
+                <a:effectLst/>
+                <a:latin typeface="Microsoft JhengHei" panose="020B0604030504040204" pitchFamily="34" charset="-120"/>
+                <a:ea typeface="Microsoft JhengHei" panose="020B0604030504040204" pitchFamily="34" charset="-120"/>
+              </a:rPr>
+              <a:t>( </a:t>
+            </a:r>
+            <a:r>
+              <a:rPr lang="zh-CN" altLang="en-US" sz="3600" b="1" dirty="0">
+                <a:solidFill>
+                  <a:srgbClr val="660033"/>
+                </a:solidFill>
+                <a:effectLst/>
+                <a:latin typeface="Microsoft JhengHei" panose="020B0604030504040204" pitchFamily="34" charset="-120"/>
+                <a:ea typeface="Microsoft JhengHei" panose="020B0604030504040204" pitchFamily="34" charset="-120"/>
+              </a:rPr>
+              <a:t>副歌</a:t>
+            </a:r>
+            <a:r>
+              <a:rPr lang="en-US" sz="3600" b="1" dirty="0">
+                <a:solidFill>
+                  <a:srgbClr val="660033"/>
+                </a:solidFill>
+                <a:effectLst/>
+                <a:latin typeface="Microsoft JhengHei" panose="020B0604030504040204" pitchFamily="34" charset="-120"/>
+                <a:ea typeface="Microsoft JhengHei" panose="020B0604030504040204" pitchFamily="34" charset="-120"/>
+              </a:rPr>
+              <a:t> 2 )</a:t>
+            </a:r>
+            <a:endParaRPr lang="vi-VN" sz="3600" b="1" dirty="0">
               <a:solidFill>
                 <a:srgbClr val="660033"/>
               </a:solidFill>
+              <a:effectLst/>
+              <a:ea typeface="Microsoft JhengHei" panose="020B0604030504040204" pitchFamily="34" charset="-120"/>
             </a:endParaRPr>
           </a:p>
         </p:txBody>
@@ -5155,7 +4871,7 @@
     </p:spTree>
     <p:extLst>
       <p:ext uri="{BB962C8B-B14F-4D97-AF65-F5344CB8AC3E}">
-        <p14:creationId xmlns:p14="http://schemas.microsoft.com/office/powerpoint/2010/main" val="2050660502"/>
+        <p14:creationId xmlns:p14="http://schemas.microsoft.com/office/powerpoint/2010/main" val="509441241"/>
       </p:ext>
     </p:extLst>
   </p:cSld>
